--- a/LHCb/LHCb Meeting Literature Review Talk 6-12-2022.pptx
+++ b/LHCb/LHCb Meeting Literature Review Talk 6-12-2022.pptx
@@ -5,27 +5,28 @@
     <p:sldMasterId id="2147483648" r:id="rId1"/>
   </p:sldMasterIdLst>
   <p:notesMasterIdLst>
-    <p:notesMasterId r:id="rId20"/>
+    <p:notesMasterId r:id="rId21"/>
   </p:notesMasterIdLst>
   <p:sldIdLst>
     <p:sldId id="273" r:id="rId2"/>
     <p:sldId id="274" r:id="rId3"/>
     <p:sldId id="261" r:id="rId4"/>
-    <p:sldId id="284" r:id="rId5"/>
-    <p:sldId id="262" r:id="rId6"/>
-    <p:sldId id="278" r:id="rId7"/>
-    <p:sldId id="279" r:id="rId8"/>
-    <p:sldId id="263" r:id="rId9"/>
-    <p:sldId id="283" r:id="rId10"/>
-    <p:sldId id="280" r:id="rId11"/>
-    <p:sldId id="286" r:id="rId12"/>
-    <p:sldId id="287" r:id="rId13"/>
-    <p:sldId id="264" r:id="rId14"/>
-    <p:sldId id="265" r:id="rId15"/>
-    <p:sldId id="281" r:id="rId16"/>
-    <p:sldId id="266" r:id="rId17"/>
-    <p:sldId id="282" r:id="rId18"/>
-    <p:sldId id="285" r:id="rId19"/>
+    <p:sldId id="288" r:id="rId5"/>
+    <p:sldId id="289" r:id="rId6"/>
+    <p:sldId id="262" r:id="rId7"/>
+    <p:sldId id="278" r:id="rId8"/>
+    <p:sldId id="279" r:id="rId9"/>
+    <p:sldId id="263" r:id="rId10"/>
+    <p:sldId id="283" r:id="rId11"/>
+    <p:sldId id="280" r:id="rId12"/>
+    <p:sldId id="286" r:id="rId13"/>
+    <p:sldId id="287" r:id="rId14"/>
+    <p:sldId id="264" r:id="rId15"/>
+    <p:sldId id="265" r:id="rId16"/>
+    <p:sldId id="281" r:id="rId17"/>
+    <p:sldId id="266" r:id="rId18"/>
+    <p:sldId id="282" r:id="rId19"/>
+    <p:sldId id="285" r:id="rId20"/>
   </p:sldIdLst>
   <p:sldSz cx="12192000" cy="6858000"/>
   <p:notesSz cx="6858000" cy="9144000"/>
@@ -214,7 +215,7 @@
           <a:p>
             <a:fld id="{B50B3618-E65C-4C92-AA5E-9B70DC8F537B}" type="datetimeFigureOut">
               <a:rPr lang="en-AU" smtClean="0"/>
-              <a:t>5/12/2022</a:t>
+              <a:t>16/01/2023</a:t>
             </a:fld>
             <a:endParaRPr lang="en-AU"/>
           </a:p>
@@ -602,1737 +603,6 @@
 </file>
 
 <file path=ppt/notesSlides/notesSlide10.xml><?xml version="1.0" encoding="utf-8"?>
-<p:notes xmlns:a="http://schemas.openxmlformats.org/drawingml/2006/main" xmlns:r="http://schemas.openxmlformats.org/officeDocument/2006/relationships" xmlns:p="http://schemas.openxmlformats.org/presentationml/2006/main">
-  <p:cSld>
-    <p:spTree>
-      <p:nvGrpSpPr>
-        <p:cNvPr id="1" name=""/>
-        <p:cNvGrpSpPr/>
-        <p:nvPr/>
-      </p:nvGrpSpPr>
-      <p:grpSpPr>
-        <a:xfrm>
-          <a:off x="0" y="0"/>
-          <a:ext cx="0" cy="0"/>
-          <a:chOff x="0" y="0"/>
-          <a:chExt cx="0" cy="0"/>
-        </a:xfrm>
-      </p:grpSpPr>
-      <p:sp>
-        <p:nvSpPr>
-          <p:cNvPr id="2" name="Slide Image Placeholder 1"/>
-          <p:cNvSpPr>
-            <a:spLocks noGrp="1" noRot="1" noChangeAspect="1"/>
-          </p:cNvSpPr>
-          <p:nvPr>
-            <p:ph type="sldImg"/>
-          </p:nvPr>
-        </p:nvSpPr>
-        <p:spPr/>
-      </p:sp>
-      <p:sp>
-        <p:nvSpPr>
-          <p:cNvPr id="3" name="Notes Placeholder 2"/>
-          <p:cNvSpPr>
-            <a:spLocks noGrp="1"/>
-          </p:cNvSpPr>
-          <p:nvPr>
-            <p:ph type="body" idx="1"/>
-          </p:nvPr>
-        </p:nvSpPr>
-        <p:spPr/>
-        <p:txBody>
-          <a:bodyPr/>
-          <a:lstStyle/>
-          <a:p>
-            <a:r>
-              <a:rPr lang="en-AU" sz="1200" b="1" dirty="0"/>
-              <a:t>Setting limit on branching fraction of decay process to determine if analysis is viable/worth pursuing (i.e. Step 0 on previous slide =&gt; preliminary stages)</a:t>
-            </a:r>
-          </a:p>
-          <a:p>
-            <a:r>
-              <a:rPr lang="en-AU" sz="1200" dirty="0"/>
-              <a:t>Relating the branching ratio to the mass and coupling strength of the ALP to photons</a:t>
-            </a:r>
-          </a:p>
-          <a:p>
-            <a:r>
-              <a:rPr lang="en-AU" sz="1200" dirty="0"/>
-              <a:t>Comparing the limits set on the mass and coupling strength to those in existing literature </a:t>
-            </a:r>
-            <a:r>
-              <a:rPr lang="en-AU" b="1" dirty="0"/>
-              <a:t>(LH plot: we are trying to exclude more of the white region if not find the ALP itself). ATLAS has </a:t>
-            </a:r>
-            <a:r>
-              <a:rPr lang="en-AU" b="1" dirty="0" err="1"/>
-              <a:t>PbPb</a:t>
-            </a:r>
-            <a:r>
-              <a:rPr lang="en-AU" b="1" dirty="0"/>
-              <a:t> collisions for the same and has set different limits to what we can. </a:t>
-            </a:r>
-          </a:p>
-          <a:p>
-            <a:r>
-              <a:rPr lang="en-AU" sz="1200" b="1" dirty="0"/>
-              <a:t>LHCb =&gt; Can try and exclude regions in the low-mass (below 5 GeV) range</a:t>
-            </a:r>
-            <a:endParaRPr lang="en-AU" sz="1200" dirty="0"/>
-          </a:p>
-          <a:p>
-            <a:endParaRPr lang="en-AU" b="1" u="sng" dirty="0"/>
-          </a:p>
-        </p:txBody>
-      </p:sp>
-      <p:sp>
-        <p:nvSpPr>
-          <p:cNvPr id="4" name="Slide Number Placeholder 3"/>
-          <p:cNvSpPr>
-            <a:spLocks noGrp="1"/>
-          </p:cNvSpPr>
-          <p:nvPr>
-            <p:ph type="sldNum" sz="quarter" idx="5"/>
-          </p:nvPr>
-        </p:nvSpPr>
-        <p:spPr/>
-        <p:txBody>
-          <a:bodyPr/>
-          <a:lstStyle/>
-          <a:p>
-            <a:fld id="{CB1C56AD-EC86-4840-9BA7-064D59FA2DEC}" type="slidenum">
-              <a:rPr lang="en-AU" smtClean="0"/>
-              <a:t>10</a:t>
-            </a:fld>
-            <a:endParaRPr lang="en-AU"/>
-          </a:p>
-        </p:txBody>
-      </p:sp>
-    </p:spTree>
-    <p:extLst>
-      <p:ext uri="{BB962C8B-B14F-4D97-AF65-F5344CB8AC3E}">
-        <p14:creationId xmlns:p14="http://schemas.microsoft.com/office/powerpoint/2010/main" val="1865635745"/>
-      </p:ext>
-    </p:extLst>
-  </p:cSld>
-  <p:clrMapOvr>
-    <a:masterClrMapping/>
-  </p:clrMapOvr>
-</p:notes>
-</file>
-
-<file path=ppt/notesSlides/notesSlide11.xml><?xml version="1.0" encoding="utf-8"?>
-<p:notes xmlns:a="http://schemas.openxmlformats.org/drawingml/2006/main" xmlns:r="http://schemas.openxmlformats.org/officeDocument/2006/relationships" xmlns:p="http://schemas.openxmlformats.org/presentationml/2006/main">
-  <p:cSld>
-    <p:spTree>
-      <p:nvGrpSpPr>
-        <p:cNvPr id="1" name=""/>
-        <p:cNvGrpSpPr/>
-        <p:nvPr/>
-      </p:nvGrpSpPr>
-      <p:grpSpPr>
-        <a:xfrm>
-          <a:off x="0" y="0"/>
-          <a:ext cx="0" cy="0"/>
-          <a:chOff x="0" y="0"/>
-          <a:chExt cx="0" cy="0"/>
-        </a:xfrm>
-      </p:grpSpPr>
-      <p:sp>
-        <p:nvSpPr>
-          <p:cNvPr id="2" name="Slide Image Placeholder 1"/>
-          <p:cNvSpPr>
-            <a:spLocks noGrp="1" noRot="1" noChangeAspect="1"/>
-          </p:cNvSpPr>
-          <p:nvPr>
-            <p:ph type="sldImg"/>
-          </p:nvPr>
-        </p:nvSpPr>
-        <p:spPr/>
-      </p:sp>
-      <p:sp>
-        <p:nvSpPr>
-          <p:cNvPr id="3" name="Notes Placeholder 2"/>
-          <p:cNvSpPr>
-            <a:spLocks noGrp="1"/>
-          </p:cNvSpPr>
-          <p:nvPr>
-            <p:ph type="body" idx="1"/>
-          </p:nvPr>
-        </p:nvSpPr>
-        <p:spPr/>
-        <p:txBody>
-          <a:bodyPr/>
-          <a:lstStyle/>
-          <a:p>
-            <a:pPr marL="171450" indent="-171450">
-              <a:buFontTx/>
-              <a:buChar char="-"/>
-            </a:pPr>
-            <a:r>
-              <a:rPr lang="en-AU" dirty="0"/>
-              <a:t>Deduced a mathematical relationship between the branching ratio, coupling strength, and ALP mass </a:t>
-            </a:r>
-          </a:p>
-          <a:p>
-            <a:pPr marL="171450" indent="-171450">
-              <a:buFontTx/>
-              <a:buChar char="-"/>
-            </a:pPr>
-            <a:endParaRPr lang="en-AU" dirty="0"/>
-          </a:p>
-        </p:txBody>
-      </p:sp>
-      <p:sp>
-        <p:nvSpPr>
-          <p:cNvPr id="4" name="Slide Number Placeholder 3"/>
-          <p:cNvSpPr>
-            <a:spLocks noGrp="1"/>
-          </p:cNvSpPr>
-          <p:nvPr>
-            <p:ph type="sldNum" sz="quarter" idx="5"/>
-          </p:nvPr>
-        </p:nvSpPr>
-        <p:spPr/>
-        <p:txBody>
-          <a:bodyPr/>
-          <a:lstStyle/>
-          <a:p>
-            <a:fld id="{E378E624-F4A5-48BF-9337-C65D85C014DE}" type="slidenum">
-              <a:rPr lang="en-AU" smtClean="0"/>
-              <a:t>13</a:t>
-            </a:fld>
-            <a:endParaRPr lang="en-AU"/>
-          </a:p>
-        </p:txBody>
-      </p:sp>
-    </p:spTree>
-    <p:extLst>
-      <p:ext uri="{BB962C8B-B14F-4D97-AF65-F5344CB8AC3E}">
-        <p14:creationId xmlns:p14="http://schemas.microsoft.com/office/powerpoint/2010/main" val="3238101076"/>
-      </p:ext>
-    </p:extLst>
-  </p:cSld>
-  <p:clrMapOvr>
-    <a:masterClrMapping/>
-  </p:clrMapOvr>
-</p:notes>
-</file>
-
-<file path=ppt/notesSlides/notesSlide12.xml><?xml version="1.0" encoding="utf-8"?>
-<p:notes xmlns:a="http://schemas.openxmlformats.org/drawingml/2006/main" xmlns:r="http://schemas.openxmlformats.org/officeDocument/2006/relationships" xmlns:p="http://schemas.openxmlformats.org/presentationml/2006/main">
-  <p:cSld>
-    <p:spTree>
-      <p:nvGrpSpPr>
-        <p:cNvPr id="1" name=""/>
-        <p:cNvGrpSpPr/>
-        <p:nvPr/>
-      </p:nvGrpSpPr>
-      <p:grpSpPr>
-        <a:xfrm>
-          <a:off x="0" y="0"/>
-          <a:ext cx="0" cy="0"/>
-          <a:chOff x="0" y="0"/>
-          <a:chExt cx="0" cy="0"/>
-        </a:xfrm>
-      </p:grpSpPr>
-      <p:sp>
-        <p:nvSpPr>
-          <p:cNvPr id="2" name="Slide Image Placeholder 1"/>
-          <p:cNvSpPr>
-            <a:spLocks noGrp="1" noRot="1" noChangeAspect="1"/>
-          </p:cNvSpPr>
-          <p:nvPr>
-            <p:ph type="sldImg"/>
-          </p:nvPr>
-        </p:nvSpPr>
-        <p:spPr/>
-      </p:sp>
-      <p:sp>
-        <p:nvSpPr>
-          <p:cNvPr id="3" name="Notes Placeholder 2"/>
-          <p:cNvSpPr>
-            <a:spLocks noGrp="1"/>
-          </p:cNvSpPr>
-          <p:nvPr>
-            <p:ph type="body" idx="1"/>
-          </p:nvPr>
-        </p:nvSpPr>
-        <p:spPr/>
-        <p:txBody>
-          <a:bodyPr/>
-          <a:lstStyle/>
-          <a:p>
-            <a:pPr marL="171450" indent="-171450">
-              <a:buFontTx/>
-              <a:buChar char="-"/>
-            </a:pPr>
-            <a:r>
-              <a:rPr lang="en-AU" dirty="0"/>
-              <a:t>Have to be aware of BR of other decay modes of ALPs (only considering decay for two photons in initial analysis)</a:t>
-            </a:r>
-          </a:p>
-          <a:p>
-            <a:pPr marL="171450" indent="-171450">
-              <a:buFontTx/>
-              <a:buChar char="-"/>
-            </a:pPr>
-            <a:r>
-              <a:rPr lang="en-AU" dirty="0"/>
-              <a:t>Light green line is the decay mode of ALP of interest at </a:t>
-            </a:r>
-            <a:r>
-              <a:rPr lang="en-AU" dirty="0" err="1"/>
-              <a:t>LHCb</a:t>
-            </a:r>
-            <a:endParaRPr lang="en-AU" dirty="0"/>
-          </a:p>
-        </p:txBody>
-      </p:sp>
-      <p:sp>
-        <p:nvSpPr>
-          <p:cNvPr id="4" name="Slide Number Placeholder 3"/>
-          <p:cNvSpPr>
-            <a:spLocks noGrp="1"/>
-          </p:cNvSpPr>
-          <p:nvPr>
-            <p:ph type="sldNum" sz="quarter" idx="5"/>
-          </p:nvPr>
-        </p:nvSpPr>
-        <p:spPr/>
-        <p:txBody>
-          <a:bodyPr/>
-          <a:lstStyle/>
-          <a:p>
-            <a:fld id="{CB1C56AD-EC86-4840-9BA7-064D59FA2DEC}" type="slidenum">
-              <a:rPr lang="en-AU" smtClean="0"/>
-              <a:t>15</a:t>
-            </a:fld>
-            <a:endParaRPr lang="en-AU"/>
-          </a:p>
-        </p:txBody>
-      </p:sp>
-    </p:spTree>
-    <p:extLst>
-      <p:ext uri="{BB962C8B-B14F-4D97-AF65-F5344CB8AC3E}">
-        <p14:creationId xmlns:p14="http://schemas.microsoft.com/office/powerpoint/2010/main" val="1710170312"/>
-      </p:ext>
-    </p:extLst>
-  </p:cSld>
-  <p:clrMapOvr>
-    <a:masterClrMapping/>
-  </p:clrMapOvr>
-</p:notes>
-</file>
-
-<file path=ppt/notesSlides/notesSlide13.xml><?xml version="1.0" encoding="utf-8"?>
-<p:notes xmlns:a="http://schemas.openxmlformats.org/drawingml/2006/main" xmlns:r="http://schemas.openxmlformats.org/officeDocument/2006/relationships" xmlns:p="http://schemas.openxmlformats.org/presentationml/2006/main">
-  <p:cSld>
-    <p:spTree>
-      <p:nvGrpSpPr>
-        <p:cNvPr id="1" name=""/>
-        <p:cNvGrpSpPr/>
-        <p:nvPr/>
-      </p:nvGrpSpPr>
-      <p:grpSpPr>
-        <a:xfrm>
-          <a:off x="0" y="0"/>
-          <a:ext cx="0" cy="0"/>
-          <a:chOff x="0" y="0"/>
-          <a:chExt cx="0" cy="0"/>
-        </a:xfrm>
-      </p:grpSpPr>
-      <p:sp>
-        <p:nvSpPr>
-          <p:cNvPr id="2" name="Slide Image Placeholder 1"/>
-          <p:cNvSpPr>
-            <a:spLocks noGrp="1" noRot="1" noChangeAspect="1"/>
-          </p:cNvSpPr>
-          <p:nvPr>
-            <p:ph type="sldImg"/>
-          </p:nvPr>
-        </p:nvSpPr>
-        <p:spPr/>
-      </p:sp>
-      <p:sp>
-        <p:nvSpPr>
-          <p:cNvPr id="3" name="Notes Placeholder 2"/>
-          <p:cNvSpPr>
-            <a:spLocks noGrp="1"/>
-          </p:cNvSpPr>
-          <p:nvPr>
-            <p:ph type="body" idx="1"/>
-          </p:nvPr>
-        </p:nvSpPr>
-        <p:spPr/>
-        <p:txBody>
-          <a:bodyPr/>
-          <a:lstStyle/>
-          <a:p>
-            <a:r>
-              <a:rPr lang="en-AU" dirty="0"/>
-              <a:t>- Plot of the Coupling strength of ALP to the W boson as a function of the ALP mass (at a fixed branching ratio)</a:t>
-            </a:r>
-          </a:p>
-          <a:p>
-            <a:pPr marL="171450" indent="-171450">
-              <a:buFontTx/>
-              <a:buChar char="-"/>
-            </a:pPr>
-            <a:r>
-              <a:rPr lang="en-AU" dirty="0"/>
-              <a:t>Deduced an upper limit on BR at which our analysis is viable (10^-7)</a:t>
-            </a:r>
-          </a:p>
-          <a:p>
-            <a:pPr marL="0" indent="0">
-              <a:buFontTx/>
-              <a:buNone/>
-            </a:pPr>
-            <a:endParaRPr lang="en-AU" dirty="0"/>
-          </a:p>
-        </p:txBody>
-      </p:sp>
-      <p:sp>
-        <p:nvSpPr>
-          <p:cNvPr id="4" name="Slide Number Placeholder 3"/>
-          <p:cNvSpPr>
-            <a:spLocks noGrp="1"/>
-          </p:cNvSpPr>
-          <p:nvPr>
-            <p:ph type="sldNum" sz="quarter" idx="5"/>
-          </p:nvPr>
-        </p:nvSpPr>
-        <p:spPr/>
-        <p:txBody>
-          <a:bodyPr/>
-          <a:lstStyle/>
-          <a:p>
-            <a:fld id="{E378E624-F4A5-48BF-9337-C65D85C014DE}" type="slidenum">
-              <a:rPr lang="en-AU" smtClean="0"/>
-              <a:t>16</a:t>
-            </a:fld>
-            <a:endParaRPr lang="en-AU"/>
-          </a:p>
-        </p:txBody>
-      </p:sp>
-    </p:spTree>
-    <p:extLst>
-      <p:ext uri="{BB962C8B-B14F-4D97-AF65-F5344CB8AC3E}">
-        <p14:creationId xmlns:p14="http://schemas.microsoft.com/office/powerpoint/2010/main" val="1031190962"/>
-      </p:ext>
-    </p:extLst>
-  </p:cSld>
-  <p:clrMapOvr>
-    <a:masterClrMapping/>
-  </p:clrMapOvr>
-</p:notes>
-</file>
-
-<file path=ppt/notesSlides/notesSlide14.xml><?xml version="1.0" encoding="utf-8"?>
-<p:notes xmlns:a="http://schemas.openxmlformats.org/drawingml/2006/main" xmlns:r="http://schemas.openxmlformats.org/officeDocument/2006/relationships" xmlns:p="http://schemas.openxmlformats.org/presentationml/2006/main">
-  <p:cSld>
-    <p:spTree>
-      <p:nvGrpSpPr>
-        <p:cNvPr id="1" name=""/>
-        <p:cNvGrpSpPr/>
-        <p:nvPr/>
-      </p:nvGrpSpPr>
-      <p:grpSpPr>
-        <a:xfrm>
-          <a:off x="0" y="0"/>
-          <a:ext cx="0" cy="0"/>
-          <a:chOff x="0" y="0"/>
-          <a:chExt cx="0" cy="0"/>
-        </a:xfrm>
-      </p:grpSpPr>
-      <p:sp>
-        <p:nvSpPr>
-          <p:cNvPr id="2" name="Slide Image Placeholder 1"/>
-          <p:cNvSpPr>
-            <a:spLocks noGrp="1" noRot="1" noChangeAspect="1"/>
-          </p:cNvSpPr>
-          <p:nvPr>
-            <p:ph type="sldImg"/>
-          </p:nvPr>
-        </p:nvSpPr>
-        <p:spPr/>
-      </p:sp>
-      <p:sp>
-        <p:nvSpPr>
-          <p:cNvPr id="3" name="Notes Placeholder 2"/>
-          <p:cNvSpPr>
-            <a:spLocks noGrp="1"/>
-          </p:cNvSpPr>
-          <p:nvPr>
-            <p:ph type="body" idx="1"/>
-          </p:nvPr>
-        </p:nvSpPr>
-        <p:spPr/>
-        <p:txBody>
-          <a:bodyPr/>
-          <a:lstStyle/>
-          <a:p>
-            <a:r>
-              <a:rPr lang="en-AU" dirty="0"/>
-              <a:t>Left hand side plot = collider constraints</a:t>
-            </a:r>
-          </a:p>
-          <a:p>
-            <a:r>
-              <a:rPr lang="en-AU" dirty="0"/>
-              <a:t>RHS plot = all experimental constraints. Far right = region probed by colliders</a:t>
-            </a:r>
-          </a:p>
-        </p:txBody>
-      </p:sp>
-      <p:sp>
-        <p:nvSpPr>
-          <p:cNvPr id="4" name="Slide Number Placeholder 3"/>
-          <p:cNvSpPr>
-            <a:spLocks noGrp="1"/>
-          </p:cNvSpPr>
-          <p:nvPr>
-            <p:ph type="sldNum" sz="quarter" idx="5"/>
-          </p:nvPr>
-        </p:nvSpPr>
-        <p:spPr/>
-        <p:txBody>
-          <a:bodyPr/>
-          <a:lstStyle/>
-          <a:p>
-            <a:fld id="{E378E624-F4A5-48BF-9337-C65D85C014DE}" type="slidenum">
-              <a:rPr lang="en-AU" smtClean="0"/>
-              <a:t>17</a:t>
-            </a:fld>
-            <a:endParaRPr lang="en-AU"/>
-          </a:p>
-        </p:txBody>
-      </p:sp>
-    </p:spTree>
-    <p:extLst>
-      <p:ext uri="{BB962C8B-B14F-4D97-AF65-F5344CB8AC3E}">
-        <p14:creationId xmlns:p14="http://schemas.microsoft.com/office/powerpoint/2010/main" val="2219245655"/>
-      </p:ext>
-    </p:extLst>
-  </p:cSld>
-  <p:clrMapOvr>
-    <a:masterClrMapping/>
-  </p:clrMapOvr>
-</p:notes>
-</file>
-
-<file path=ppt/notesSlides/notesSlide15.xml><?xml version="1.0" encoding="utf-8"?>
-<p:notes xmlns:a="http://schemas.openxmlformats.org/drawingml/2006/main" xmlns:r="http://schemas.openxmlformats.org/officeDocument/2006/relationships" xmlns:p="http://schemas.openxmlformats.org/presentationml/2006/main">
-  <p:cSld>
-    <p:spTree>
-      <p:nvGrpSpPr>
-        <p:cNvPr id="1" name=""/>
-        <p:cNvGrpSpPr/>
-        <p:nvPr/>
-      </p:nvGrpSpPr>
-      <p:grpSpPr>
-        <a:xfrm>
-          <a:off x="0" y="0"/>
-          <a:ext cx="0" cy="0"/>
-          <a:chOff x="0" y="0"/>
-          <a:chExt cx="0" cy="0"/>
-        </a:xfrm>
-      </p:grpSpPr>
-      <p:sp>
-        <p:nvSpPr>
-          <p:cNvPr id="2" name="Slide Image Placeholder 1"/>
-          <p:cNvSpPr>
-            <a:spLocks noGrp="1" noRot="1" noChangeAspect="1"/>
-          </p:cNvSpPr>
-          <p:nvPr>
-            <p:ph type="sldImg"/>
-          </p:nvPr>
-        </p:nvSpPr>
-        <p:spPr/>
-      </p:sp>
-      <mc:AlternateContent xmlns:mc="http://schemas.openxmlformats.org/markup-compatibility/2006" xmlns:a14="http://schemas.microsoft.com/office/drawing/2010/main">
-        <mc:Choice Requires="a14">
-          <p:sp>
-            <p:nvSpPr>
-              <p:cNvPr id="3" name="Notes Placeholder 2"/>
-              <p:cNvSpPr>
-                <a:spLocks noGrp="1"/>
-              </p:cNvSpPr>
-              <p:nvPr>
-                <p:ph type="body" idx="1"/>
-              </p:nvPr>
-            </p:nvSpPr>
-            <p:spPr/>
-            <p:txBody>
-              <a:bodyPr/>
-              <a:lstStyle/>
-              <a:p>
-                <a:r>
-                  <a:rPr lang="en-AU" dirty="0"/>
-                  <a:t>- Decay mode has a clear signal at </a:t>
-                </a:r>
-                <a14:m>
-                  <m:oMath xmlns:m="http://schemas.openxmlformats.org/officeDocument/2006/math">
-                    <m:r>
-                      <a:rPr lang="en-AU" b="0" i="1" smtClean="0">
-                        <a:latin typeface="Cambria Math" panose="02040503050406030204" pitchFamily="18" charset="0"/>
-                      </a:rPr>
-                      <m:t>4×</m:t>
-                    </m:r>
-                    <m:sSup>
-                      <m:sSupPr>
-                        <m:ctrlPr>
-                          <a:rPr lang="en-AU" b="0" i="1" smtClean="0">
-                            <a:latin typeface="Cambria Math" panose="02040503050406030204" pitchFamily="18" charset="0"/>
-                          </a:rPr>
-                        </m:ctrlPr>
-                      </m:sSupPr>
-                      <m:e>
-                        <m:r>
-                          <a:rPr lang="en-AU" b="0" i="1" smtClean="0">
-                            <a:latin typeface="Cambria Math" panose="02040503050406030204" pitchFamily="18" charset="0"/>
-                          </a:rPr>
-                          <m:t>10</m:t>
-                        </m:r>
-                      </m:e>
-                      <m:sup>
-                        <m:r>
-                          <a:rPr lang="en-AU" b="0" i="1" smtClean="0">
-                            <a:latin typeface="Cambria Math" panose="02040503050406030204" pitchFamily="18" charset="0"/>
-                          </a:rPr>
-                          <m:t>−5</m:t>
-                        </m:r>
-                      </m:sup>
-                    </m:sSup>
-                  </m:oMath>
-                </a14:m>
-                <a:r>
-                  <a:rPr lang="en-AU" dirty="0"/>
-                  <a:t> with 547 signal events and 2475 background events</a:t>
-                </a:r>
-              </a:p>
-            </p:txBody>
-          </p:sp>
-        </mc:Choice>
-        <mc:Fallback xmlns="">
-          <p:sp>
-            <p:nvSpPr>
-              <p:cNvPr id="3" name="Notes Placeholder 2"/>
-              <p:cNvSpPr>
-                <a:spLocks noGrp="1"/>
-              </p:cNvSpPr>
-              <p:nvPr>
-                <p:ph type="body" idx="1"/>
-              </p:nvPr>
-            </p:nvSpPr>
-            <p:spPr/>
-            <p:txBody>
-              <a:bodyPr/>
-              <a:lstStyle/>
-              <a:p>
-                <a:r>
-                  <a:rPr lang="en-AU" dirty="0"/>
-                  <a:t>- Decay mode has a clear signal at </a:t>
-                </a:r>
-                <a:r>
-                  <a:rPr lang="en-AU" b="0" i="0">
-                    <a:latin typeface="Cambria Math" panose="02040503050406030204" pitchFamily="18" charset="0"/>
-                  </a:rPr>
-                  <a:t>4×10^(−5)</a:t>
-                </a:r>
-                <a:r>
-                  <a:rPr lang="en-AU" dirty="0"/>
-                  <a:t> with 547 signal events and 2475 background events</a:t>
-                </a:r>
-              </a:p>
-            </p:txBody>
-          </p:sp>
-        </mc:Fallback>
-      </mc:AlternateContent>
-      <p:sp>
-        <p:nvSpPr>
-          <p:cNvPr id="4" name="Slide Number Placeholder 3"/>
-          <p:cNvSpPr>
-            <a:spLocks noGrp="1"/>
-          </p:cNvSpPr>
-          <p:nvPr>
-            <p:ph type="sldNum" sz="quarter" idx="5"/>
-          </p:nvPr>
-        </p:nvSpPr>
-        <p:spPr/>
-        <p:txBody>
-          <a:bodyPr/>
-          <a:lstStyle/>
-          <a:p>
-            <a:fld id="{E378E624-F4A5-48BF-9337-C65D85C014DE}" type="slidenum">
-              <a:rPr lang="en-AU" smtClean="0"/>
-              <a:t>18</a:t>
-            </a:fld>
-            <a:endParaRPr lang="en-AU"/>
-          </a:p>
-        </p:txBody>
-      </p:sp>
-    </p:spTree>
-    <p:extLst>
-      <p:ext uri="{BB962C8B-B14F-4D97-AF65-F5344CB8AC3E}">
-        <p14:creationId xmlns:p14="http://schemas.microsoft.com/office/powerpoint/2010/main" val="3462593255"/>
-      </p:ext>
-    </p:extLst>
-  </p:cSld>
-  <p:clrMapOvr>
-    <a:masterClrMapping/>
-  </p:clrMapOvr>
-</p:notes>
-</file>
-
-<file path=ppt/notesSlides/notesSlide2.xml><?xml version="1.0" encoding="utf-8"?>
-<p:notes xmlns:a="http://schemas.openxmlformats.org/drawingml/2006/main" xmlns:r="http://schemas.openxmlformats.org/officeDocument/2006/relationships" xmlns:p="http://schemas.openxmlformats.org/presentationml/2006/main">
-  <p:cSld>
-    <p:spTree>
-      <p:nvGrpSpPr>
-        <p:cNvPr id="1" name=""/>
-        <p:cNvGrpSpPr/>
-        <p:nvPr/>
-      </p:nvGrpSpPr>
-      <p:grpSpPr>
-        <a:xfrm>
-          <a:off x="0" y="0"/>
-          <a:ext cx="0" cy="0"/>
-          <a:chOff x="0" y="0"/>
-          <a:chExt cx="0" cy="0"/>
-        </a:xfrm>
-      </p:grpSpPr>
-      <p:sp>
-        <p:nvSpPr>
-          <p:cNvPr id="2" name="Slide Image Placeholder 1"/>
-          <p:cNvSpPr>
-            <a:spLocks noGrp="1" noRot="1" noChangeAspect="1"/>
-          </p:cNvSpPr>
-          <p:nvPr>
-            <p:ph type="sldImg"/>
-          </p:nvPr>
-        </p:nvSpPr>
-        <p:spPr/>
-      </p:sp>
-      <p:sp>
-        <p:nvSpPr>
-          <p:cNvPr id="3" name="Notes Placeholder 2"/>
-          <p:cNvSpPr>
-            <a:spLocks noGrp="1"/>
-          </p:cNvSpPr>
-          <p:nvPr>
-            <p:ph type="body" idx="1"/>
-          </p:nvPr>
-        </p:nvSpPr>
-        <p:spPr/>
-        <p:txBody>
-          <a:bodyPr/>
-          <a:lstStyle/>
-          <a:p>
-            <a:pPr marL="171450" marR="0" lvl="0" indent="-171450" algn="l" defTabSz="914400" rtl="0" eaLnBrk="1" fontAlgn="auto" latinLnBrk="0" hangingPunct="1">
-              <a:lnSpc>
-                <a:spcPct val="100000"/>
-              </a:lnSpc>
-              <a:spcBef>
-                <a:spcPts val="0"/>
-              </a:spcBef>
-              <a:spcAft>
-                <a:spcPts val="0"/>
-              </a:spcAft>
-              <a:buClrTx/>
-              <a:buSzTx/>
-              <a:buFontTx/>
-              <a:buChar char="-"/>
-              <a:tabLst/>
-              <a:defRPr/>
-            </a:pPr>
-            <a:r>
-              <a:rPr lang="en-AU" dirty="0"/>
-              <a:t>CP symmetry = preserved in EM interactions and violated in weak interactions (e.g. Cronin and Fitch’s study of neutral kaon decay in 1964)</a:t>
-            </a:r>
-          </a:p>
-          <a:p>
-            <a:pPr marL="171450" marR="0" lvl="0" indent="-171450" algn="l" defTabSz="914400" rtl="0" eaLnBrk="1" fontAlgn="auto" latinLnBrk="0" hangingPunct="1">
-              <a:lnSpc>
-                <a:spcPct val="100000"/>
-              </a:lnSpc>
-              <a:spcBef>
-                <a:spcPts val="0"/>
-              </a:spcBef>
-              <a:spcAft>
-                <a:spcPts val="0"/>
-              </a:spcAft>
-              <a:buClrTx/>
-              <a:buSzTx/>
-              <a:buFontTx/>
-              <a:buChar char="-"/>
-              <a:tabLst/>
-              <a:defRPr/>
-            </a:pPr>
-            <a:r>
-              <a:rPr lang="en-AU" dirty="0"/>
-              <a:t>CP violation is not observed experimentally in the strong force, despite being theoretically allowed (Strong CP problem). Significant limitation of the Standard Model</a:t>
-            </a:r>
-          </a:p>
-          <a:p>
-            <a:endParaRPr lang="en-AU" dirty="0"/>
-          </a:p>
-        </p:txBody>
-      </p:sp>
-      <p:sp>
-        <p:nvSpPr>
-          <p:cNvPr id="4" name="Slide Number Placeholder 3"/>
-          <p:cNvSpPr>
-            <a:spLocks noGrp="1"/>
-          </p:cNvSpPr>
-          <p:nvPr>
-            <p:ph type="sldNum" sz="quarter" idx="5"/>
-          </p:nvPr>
-        </p:nvSpPr>
-        <p:spPr/>
-        <p:txBody>
-          <a:bodyPr/>
-          <a:lstStyle/>
-          <a:p>
-            <a:fld id="{E378E624-F4A5-48BF-9337-C65D85C014DE}" type="slidenum">
-              <a:rPr lang="en-AU" smtClean="0"/>
-              <a:t>2</a:t>
-            </a:fld>
-            <a:endParaRPr lang="en-AU"/>
-          </a:p>
-        </p:txBody>
-      </p:sp>
-    </p:spTree>
-    <p:extLst>
-      <p:ext uri="{BB962C8B-B14F-4D97-AF65-F5344CB8AC3E}">
-        <p14:creationId xmlns:p14="http://schemas.microsoft.com/office/powerpoint/2010/main" val="2837674645"/>
-      </p:ext>
-    </p:extLst>
-  </p:cSld>
-  <p:clrMapOvr>
-    <a:masterClrMapping/>
-  </p:clrMapOvr>
-</p:notes>
-</file>
-
-<file path=ppt/notesSlides/notesSlide3.xml><?xml version="1.0" encoding="utf-8"?>
-<p:notes xmlns:a="http://schemas.openxmlformats.org/drawingml/2006/main" xmlns:r="http://schemas.openxmlformats.org/officeDocument/2006/relationships" xmlns:p="http://schemas.openxmlformats.org/presentationml/2006/main">
-  <p:cSld>
-    <p:spTree>
-      <p:nvGrpSpPr>
-        <p:cNvPr id="1" name=""/>
-        <p:cNvGrpSpPr/>
-        <p:nvPr/>
-      </p:nvGrpSpPr>
-      <p:grpSpPr>
-        <a:xfrm>
-          <a:off x="0" y="0"/>
-          <a:ext cx="0" cy="0"/>
-          <a:chOff x="0" y="0"/>
-          <a:chExt cx="0" cy="0"/>
-        </a:xfrm>
-      </p:grpSpPr>
-      <p:sp>
-        <p:nvSpPr>
-          <p:cNvPr id="2" name="Slide Image Placeholder 1"/>
-          <p:cNvSpPr>
-            <a:spLocks noGrp="1" noRot="1" noChangeAspect="1"/>
-          </p:cNvSpPr>
-          <p:nvPr>
-            <p:ph type="sldImg"/>
-          </p:nvPr>
-        </p:nvSpPr>
-        <p:spPr/>
-      </p:sp>
-      <mc:AlternateContent xmlns:mc="http://schemas.openxmlformats.org/markup-compatibility/2006" xmlns:a14="http://schemas.microsoft.com/office/drawing/2010/main">
-        <mc:Choice Requires="a14">
-          <p:sp>
-            <p:nvSpPr>
-              <p:cNvPr id="3" name="Notes Placeholder 2"/>
-              <p:cNvSpPr>
-                <a:spLocks noGrp="1"/>
-              </p:cNvSpPr>
-              <p:nvPr>
-                <p:ph type="body" idx="1"/>
-              </p:nvPr>
-            </p:nvSpPr>
-            <p:spPr/>
-            <p:txBody>
-              <a:bodyPr/>
-              <a:lstStyle/>
-              <a:p>
-                <a:pPr marL="171450" indent="-171450">
-                  <a:buFontTx/>
-                  <a:buChar char="-"/>
-                </a:pPr>
-                <a:r>
-                  <a:rPr lang="en-AU" b="1" dirty="0"/>
-                  <a:t>QED = CP symmetry is preserved. Included the </a:t>
-                </a:r>
-                <a:r>
-                  <a:rPr lang="en-AU" b="1" dirty="0" err="1"/>
-                  <a:t>Lagrangian</a:t>
-                </a:r>
-                <a:r>
-                  <a:rPr lang="en-AU" b="1" dirty="0"/>
-                  <a:t> for comparison purposes</a:t>
-                </a:r>
-              </a:p>
-              <a:p>
-                <a:pPr marL="171450" indent="-171450">
-                  <a:buFontTx/>
-                  <a:buChar char="-"/>
-                </a:pPr>
-                <a:r>
-                  <a:rPr lang="en-AU" b="1" dirty="0"/>
-                  <a:t>Effects of theta term are not observed in QCD. Hence, one concludes that </a:t>
-                </a:r>
-                <a14:m>
-                  <m:oMath xmlns:m="http://schemas.openxmlformats.org/officeDocument/2006/math">
-                    <m:r>
-                      <a:rPr lang="en-AU" b="1" i="1" smtClean="0">
-                        <a:latin typeface="Cambria Math" panose="02040503050406030204" pitchFamily="18" charset="0"/>
-                      </a:rPr>
-                      <m:t>𝜽</m:t>
-                    </m:r>
-                  </m:oMath>
-                </a14:m>
-                <a:r>
-                  <a:rPr lang="en-AU" b="1" dirty="0"/>
-                  <a:t> must be very small</a:t>
-                </a:r>
-              </a:p>
-              <a:p>
-                <a:endParaRPr lang="en-AU" b="1" dirty="0"/>
-              </a:p>
-            </p:txBody>
-          </p:sp>
-        </mc:Choice>
-        <mc:Fallback xmlns="">
-          <p:sp>
-            <p:nvSpPr>
-              <p:cNvPr id="3" name="Notes Placeholder 2"/>
-              <p:cNvSpPr>
-                <a:spLocks noGrp="1"/>
-              </p:cNvSpPr>
-              <p:nvPr>
-                <p:ph type="body" idx="1"/>
-              </p:nvPr>
-            </p:nvSpPr>
-            <p:spPr/>
-            <p:txBody>
-              <a:bodyPr/>
-              <a:lstStyle/>
-              <a:p>
-                <a:pPr marL="171450" indent="-171450">
-                  <a:buFontTx/>
-                  <a:buChar char="-"/>
-                </a:pPr>
-                <a:r>
-                  <a:rPr lang="en-AU" b="1" dirty="0"/>
-                  <a:t>QED = CP symmetry is preserved. Included the </a:t>
-                </a:r>
-                <a:r>
-                  <a:rPr lang="en-AU" b="1" dirty="0" err="1"/>
-                  <a:t>Lagrangian</a:t>
-                </a:r>
-                <a:r>
-                  <a:rPr lang="en-AU" b="1" dirty="0"/>
-                  <a:t> for comparison purposes</a:t>
-                </a:r>
-              </a:p>
-              <a:p>
-                <a:pPr marL="171450" indent="-171450">
-                  <a:buFontTx/>
-                  <a:buChar char="-"/>
-                </a:pPr>
-                <a:r>
-                  <a:rPr lang="en-AU" b="1" dirty="0"/>
-                  <a:t>Effects of theta term are not observed in QCD. Hence, one concludes that </a:t>
-                </a:r>
-                <a:r>
-                  <a:rPr lang="en-AU" b="1" i="0">
-                    <a:latin typeface="Cambria Math" panose="02040503050406030204" pitchFamily="18" charset="0"/>
-                  </a:rPr>
-                  <a:t>𝜽</a:t>
-                </a:r>
-                <a:r>
-                  <a:rPr lang="en-AU" b="1" dirty="0"/>
-                  <a:t> must be very small</a:t>
-                </a:r>
-              </a:p>
-              <a:p>
-                <a:endParaRPr lang="en-AU" b="1" dirty="0"/>
-              </a:p>
-            </p:txBody>
-          </p:sp>
-        </mc:Fallback>
-      </mc:AlternateContent>
-      <p:sp>
-        <p:nvSpPr>
-          <p:cNvPr id="4" name="Slide Number Placeholder 3"/>
-          <p:cNvSpPr>
-            <a:spLocks noGrp="1"/>
-          </p:cNvSpPr>
-          <p:nvPr>
-            <p:ph type="sldNum" sz="quarter" idx="5"/>
-          </p:nvPr>
-        </p:nvSpPr>
-        <p:spPr/>
-        <p:txBody>
-          <a:bodyPr/>
-          <a:lstStyle/>
-          <a:p>
-            <a:fld id="{CB1C56AD-EC86-4840-9BA7-064D59FA2DEC}" type="slidenum">
-              <a:rPr lang="en-AU" smtClean="0"/>
-              <a:t>3</a:t>
-            </a:fld>
-            <a:endParaRPr lang="en-AU"/>
-          </a:p>
-        </p:txBody>
-      </p:sp>
-    </p:spTree>
-    <p:extLst>
-      <p:ext uri="{BB962C8B-B14F-4D97-AF65-F5344CB8AC3E}">
-        <p14:creationId xmlns:p14="http://schemas.microsoft.com/office/powerpoint/2010/main" val="682082831"/>
-      </p:ext>
-    </p:extLst>
-  </p:cSld>
-  <p:clrMapOvr>
-    <a:masterClrMapping/>
-  </p:clrMapOvr>
-</p:notes>
-</file>
-
-<file path=ppt/notesSlides/notesSlide4.xml><?xml version="1.0" encoding="utf-8"?>
-<p:notes xmlns:a="http://schemas.openxmlformats.org/drawingml/2006/main" xmlns:r="http://schemas.openxmlformats.org/officeDocument/2006/relationships" xmlns:p="http://schemas.openxmlformats.org/presentationml/2006/main">
-  <p:cSld>
-    <p:spTree>
-      <p:nvGrpSpPr>
-        <p:cNvPr id="1" name=""/>
-        <p:cNvGrpSpPr/>
-        <p:nvPr/>
-      </p:nvGrpSpPr>
-      <p:grpSpPr>
-        <a:xfrm>
-          <a:off x="0" y="0"/>
-          <a:ext cx="0" cy="0"/>
-          <a:chOff x="0" y="0"/>
-          <a:chExt cx="0" cy="0"/>
-        </a:xfrm>
-      </p:grpSpPr>
-      <p:sp>
-        <p:nvSpPr>
-          <p:cNvPr id="2" name="Slide Image Placeholder 1"/>
-          <p:cNvSpPr>
-            <a:spLocks noGrp="1" noRot="1" noChangeAspect="1"/>
-          </p:cNvSpPr>
-          <p:nvPr>
-            <p:ph type="sldImg"/>
-          </p:nvPr>
-        </p:nvSpPr>
-        <p:spPr/>
-      </p:sp>
-      <p:sp>
-        <p:nvSpPr>
-          <p:cNvPr id="3" name="Notes Placeholder 2"/>
-          <p:cNvSpPr>
-            <a:spLocks noGrp="1"/>
-          </p:cNvSpPr>
-          <p:nvPr>
-            <p:ph type="body" idx="1"/>
-          </p:nvPr>
-        </p:nvSpPr>
-        <p:spPr/>
-        <p:txBody>
-          <a:bodyPr/>
-          <a:lstStyle/>
-          <a:p>
-            <a:pPr marL="171450" indent="-171450">
-              <a:buFontTx/>
-              <a:buChar char="-"/>
-            </a:pPr>
-            <a:r>
-              <a:rPr lang="en-AU" dirty="0"/>
-              <a:t>Absence of experimental evidence of CP violation =&gt; angular terms are close to 0</a:t>
-            </a:r>
-          </a:p>
-          <a:p>
-            <a:pPr marL="171450" indent="-171450">
-              <a:buFontTx/>
-              <a:buChar char="-"/>
-            </a:pPr>
-            <a:r>
-              <a:rPr lang="en-AU" dirty="0"/>
-              <a:t>Experimental measurements of neutron EDM help constrain the value of these terms to below 10^-10 (fine tuning problem)</a:t>
-            </a:r>
-          </a:p>
-          <a:p>
-            <a:pPr marL="171450" indent="-171450">
-              <a:buFontTx/>
-              <a:buChar char="-"/>
-            </a:pPr>
-            <a:r>
-              <a:rPr lang="en-AU" dirty="0"/>
-              <a:t>Can promote theta to a dynamic field by introducing a new symmetry that is spontaneously broken (Peccei and Quinn, 1977)</a:t>
-            </a:r>
-          </a:p>
-          <a:p>
-            <a:pPr marL="171450" indent="-171450">
-              <a:buFontTx/>
-              <a:buChar char="-"/>
-            </a:pPr>
-            <a:r>
-              <a:rPr lang="en-AU" dirty="0"/>
-              <a:t>Theta is a field =&gt; it has a potential and excitations in this potential will produce new particles</a:t>
-            </a:r>
-          </a:p>
-          <a:p>
-            <a:pPr marL="171450" indent="-171450">
-              <a:buFontTx/>
-              <a:buChar char="-"/>
-            </a:pPr>
-            <a:r>
-              <a:rPr lang="en-AU" dirty="0"/>
-              <a:t>New particle = pseudoscalar (spin 0 and odd parity) as known as the </a:t>
-            </a:r>
-            <a:r>
-              <a:rPr lang="en-AU" b="1" dirty="0"/>
-              <a:t>axion (NO EXPERIMENTAL EVIDENCE OF THIS, AND THIS HAS BEEN RULED OUT)</a:t>
-            </a:r>
-          </a:p>
-          <a:p>
-            <a:pPr marL="171450" indent="-171450">
-              <a:buFontTx/>
-              <a:buChar char="-"/>
-            </a:pPr>
-            <a:r>
-              <a:rPr lang="en-AU" dirty="0"/>
-              <a:t>Axion will sit at the bottom of its field potential, thereby leading to CP violating parameters being equal to 0 w/o fine tuning</a:t>
-            </a:r>
-          </a:p>
-          <a:p>
-            <a:pPr marL="171450" indent="-171450">
-              <a:buFontTx/>
-              <a:buChar char="-"/>
-            </a:pPr>
-            <a:endParaRPr lang="en-AU" dirty="0"/>
-          </a:p>
-          <a:p>
-            <a:pPr marL="171450" indent="-171450">
-              <a:buFontTx/>
-              <a:buChar char="-"/>
-            </a:pPr>
-            <a:endParaRPr lang="en-AU" dirty="0"/>
-          </a:p>
-        </p:txBody>
-      </p:sp>
-      <p:sp>
-        <p:nvSpPr>
-          <p:cNvPr id="4" name="Slide Number Placeholder 3"/>
-          <p:cNvSpPr>
-            <a:spLocks noGrp="1"/>
-          </p:cNvSpPr>
-          <p:nvPr>
-            <p:ph type="sldNum" sz="quarter" idx="5"/>
-          </p:nvPr>
-        </p:nvSpPr>
-        <p:spPr/>
-        <p:txBody>
-          <a:bodyPr/>
-          <a:lstStyle/>
-          <a:p>
-            <a:fld id="{CB1C56AD-EC86-4840-9BA7-064D59FA2DEC}" type="slidenum">
-              <a:rPr lang="en-AU" smtClean="0"/>
-              <a:t>4</a:t>
-            </a:fld>
-            <a:endParaRPr lang="en-AU"/>
-          </a:p>
-        </p:txBody>
-      </p:sp>
-    </p:spTree>
-    <p:extLst>
-      <p:ext uri="{BB962C8B-B14F-4D97-AF65-F5344CB8AC3E}">
-        <p14:creationId xmlns:p14="http://schemas.microsoft.com/office/powerpoint/2010/main" val="3379694139"/>
-      </p:ext>
-    </p:extLst>
-  </p:cSld>
-  <p:clrMapOvr>
-    <a:masterClrMapping/>
-  </p:clrMapOvr>
-</p:notes>
-</file>
-
-<file path=ppt/notesSlides/notesSlide5.xml><?xml version="1.0" encoding="utf-8"?>
-<p:notes xmlns:a="http://schemas.openxmlformats.org/drawingml/2006/main" xmlns:r="http://schemas.openxmlformats.org/officeDocument/2006/relationships" xmlns:p="http://schemas.openxmlformats.org/presentationml/2006/main">
-  <p:cSld>
-    <p:spTree>
-      <p:nvGrpSpPr>
-        <p:cNvPr id="1" name=""/>
-        <p:cNvGrpSpPr/>
-        <p:nvPr/>
-      </p:nvGrpSpPr>
-      <p:grpSpPr>
-        <a:xfrm>
-          <a:off x="0" y="0"/>
-          <a:ext cx="0" cy="0"/>
-          <a:chOff x="0" y="0"/>
-          <a:chExt cx="0" cy="0"/>
-        </a:xfrm>
-      </p:grpSpPr>
-      <p:sp>
-        <p:nvSpPr>
-          <p:cNvPr id="2" name="Slide Image Placeholder 1"/>
-          <p:cNvSpPr>
-            <a:spLocks noGrp="1" noRot="1" noChangeAspect="1"/>
-          </p:cNvSpPr>
-          <p:nvPr>
-            <p:ph type="sldImg"/>
-          </p:nvPr>
-        </p:nvSpPr>
-        <p:spPr/>
-      </p:sp>
-      <p:sp>
-        <p:nvSpPr>
-          <p:cNvPr id="3" name="Notes Placeholder 2"/>
-          <p:cNvSpPr>
-            <a:spLocks noGrp="1"/>
-          </p:cNvSpPr>
-          <p:nvPr>
-            <p:ph type="body" idx="1"/>
-          </p:nvPr>
-        </p:nvSpPr>
-        <p:spPr/>
-        <p:txBody>
-          <a:bodyPr/>
-          <a:lstStyle/>
-          <a:p>
-            <a:pPr marL="171450" indent="-171450">
-              <a:buFontTx/>
-              <a:buChar char="-"/>
-            </a:pPr>
-            <a:r>
-              <a:rPr lang="en-AU" b="0" dirty="0"/>
-              <a:t>SB of approximate symmetry (NOT PQ symmetry) can generate ALPs (they are similar to axions)</a:t>
-            </a:r>
-          </a:p>
-          <a:p>
-            <a:pPr marL="171450" indent="-171450">
-              <a:buFontTx/>
-              <a:buChar char="-"/>
-            </a:pPr>
-            <a:r>
-              <a:rPr lang="en-AU" b="0" dirty="0"/>
-              <a:t>Masses and couplings to photons are independent for ALPs, whereas they vary inversely in the case of axions</a:t>
-            </a:r>
-          </a:p>
-          <a:p>
-            <a:pPr marL="171450" indent="-171450">
-              <a:buFontTx/>
-              <a:buChar char="-"/>
-            </a:pPr>
-            <a:r>
-              <a:rPr lang="en-AU" b="0" dirty="0"/>
-              <a:t>Couple predominantly to pairs of gauge bosons, depending on model being considered</a:t>
-            </a:r>
-          </a:p>
-          <a:p>
-            <a:pPr marL="171450" indent="-171450">
-              <a:buFontTx/>
-              <a:buChar char="-"/>
-            </a:pPr>
-            <a:r>
-              <a:rPr lang="en-AU" b="0" dirty="0"/>
-              <a:t>Hypothetical, feebly interacting </a:t>
-            </a:r>
-            <a:r>
-              <a:rPr lang="en-AU" b="0" dirty="0" err="1"/>
-              <a:t>pcle</a:t>
-            </a:r>
-            <a:r>
-              <a:rPr lang="en-AU" b="0" dirty="0"/>
-              <a:t> =&gt; Candidate for DM</a:t>
-            </a:r>
-          </a:p>
-          <a:p>
-            <a:pPr marL="171450" indent="-171450">
-              <a:buFontTx/>
-              <a:buChar char="-"/>
-            </a:pPr>
-            <a:r>
-              <a:rPr lang="en-AU" b="0" dirty="0"/>
-              <a:t>Helps solve various astrophysical puzzles (e.g. anomalies in energy loss of white dwarf stars)**</a:t>
-            </a:r>
-          </a:p>
-        </p:txBody>
-      </p:sp>
-      <p:sp>
-        <p:nvSpPr>
-          <p:cNvPr id="4" name="Slide Number Placeholder 3"/>
-          <p:cNvSpPr>
-            <a:spLocks noGrp="1"/>
-          </p:cNvSpPr>
-          <p:nvPr>
-            <p:ph type="sldNum" sz="quarter" idx="5"/>
-          </p:nvPr>
-        </p:nvSpPr>
-        <p:spPr/>
-        <p:txBody>
-          <a:bodyPr/>
-          <a:lstStyle/>
-          <a:p>
-            <a:fld id="{CB1C56AD-EC86-4840-9BA7-064D59FA2DEC}" type="slidenum">
-              <a:rPr lang="en-AU" smtClean="0"/>
-              <a:t>5</a:t>
-            </a:fld>
-            <a:endParaRPr lang="en-AU"/>
-          </a:p>
-        </p:txBody>
-      </p:sp>
-    </p:spTree>
-    <p:extLst>
-      <p:ext uri="{BB962C8B-B14F-4D97-AF65-F5344CB8AC3E}">
-        <p14:creationId xmlns:p14="http://schemas.microsoft.com/office/powerpoint/2010/main" val="3053411718"/>
-      </p:ext>
-    </p:extLst>
-  </p:cSld>
-  <p:clrMapOvr>
-    <a:masterClrMapping/>
-  </p:clrMapOvr>
-</p:notes>
-</file>
-
-<file path=ppt/notesSlides/notesSlide6.xml><?xml version="1.0" encoding="utf-8"?>
-<p:notes xmlns:a="http://schemas.openxmlformats.org/drawingml/2006/main" xmlns:r="http://schemas.openxmlformats.org/officeDocument/2006/relationships" xmlns:p="http://schemas.openxmlformats.org/presentationml/2006/main">
-  <p:cSld>
-    <p:spTree>
-      <p:nvGrpSpPr>
-        <p:cNvPr id="1" name=""/>
-        <p:cNvGrpSpPr/>
-        <p:nvPr/>
-      </p:nvGrpSpPr>
-      <p:grpSpPr>
-        <a:xfrm>
-          <a:off x="0" y="0"/>
-          <a:ext cx="0" cy="0"/>
-          <a:chOff x="0" y="0"/>
-          <a:chExt cx="0" cy="0"/>
-        </a:xfrm>
-      </p:grpSpPr>
-      <p:sp>
-        <p:nvSpPr>
-          <p:cNvPr id="2" name="Slide Image Placeholder 1"/>
-          <p:cNvSpPr>
-            <a:spLocks noGrp="1" noRot="1" noChangeAspect="1"/>
-          </p:cNvSpPr>
-          <p:nvPr>
-            <p:ph type="sldImg"/>
-          </p:nvPr>
-        </p:nvSpPr>
-        <p:spPr/>
-      </p:sp>
-      <p:sp>
-        <p:nvSpPr>
-          <p:cNvPr id="3" name="Notes Placeholder 2"/>
-          <p:cNvSpPr>
-            <a:spLocks noGrp="1"/>
-          </p:cNvSpPr>
-          <p:nvPr>
-            <p:ph type="body" idx="1"/>
-          </p:nvPr>
-        </p:nvSpPr>
-        <p:spPr/>
-        <p:txBody>
-          <a:bodyPr/>
-          <a:lstStyle/>
-          <a:p>
-            <a:pPr marL="171450" indent="-171450">
-              <a:buFontTx/>
-              <a:buChar char="-"/>
-            </a:pPr>
-            <a:r>
-              <a:rPr lang="en-AU" dirty="0"/>
-              <a:t>Spin selection rules =&gt; Axions and ALPs naturally couple to photons</a:t>
-            </a:r>
-          </a:p>
-          <a:p>
-            <a:pPr marL="171450" indent="-171450">
-              <a:buFontTx/>
-              <a:buChar char="-"/>
-            </a:pPr>
-            <a:r>
-              <a:rPr lang="en-AU" dirty="0"/>
-              <a:t>Search strategies generally exploit the (inverse) </a:t>
-            </a:r>
-            <a:r>
-              <a:rPr lang="en-AU" dirty="0" err="1"/>
-              <a:t>Primakoff</a:t>
-            </a:r>
-            <a:r>
-              <a:rPr lang="en-AU" dirty="0"/>
-              <a:t> effect, wherein axions are converted into pairs of photons and vice versa</a:t>
-            </a:r>
-          </a:p>
-          <a:p>
-            <a:pPr marL="171450" indent="-171450">
-              <a:buFontTx/>
-              <a:buChar char="-"/>
-            </a:pPr>
-            <a:r>
-              <a:rPr lang="en-AU" dirty="0"/>
-              <a:t>Notable search strategies include: </a:t>
-            </a:r>
-          </a:p>
-          <a:p>
-            <a:pPr marL="628650" lvl="1" indent="-171450">
-              <a:buFontTx/>
-              <a:buChar char="-"/>
-            </a:pPr>
-            <a:r>
-              <a:rPr lang="en-AU" dirty="0"/>
-              <a:t>LSW: Send laser photons along strong B field and allow for conversion to ALPs on one side of a wall. ALPs might reconvert into photons on the other side of the wall</a:t>
-            </a:r>
-          </a:p>
-          <a:p>
-            <a:pPr marL="628650" lvl="1" indent="-171450">
-              <a:buFontTx/>
-              <a:buChar char="-"/>
-            </a:pPr>
-            <a:r>
-              <a:rPr lang="en-AU" dirty="0"/>
-              <a:t>Helioscope: Detecting solar ALPs which convert into photons in presence of strong B-field</a:t>
-            </a:r>
-          </a:p>
-          <a:p>
-            <a:pPr marL="628650" lvl="1" indent="-171450">
-              <a:buFontTx/>
-              <a:buChar char="-"/>
-            </a:pPr>
-            <a:r>
-              <a:rPr lang="en-AU" dirty="0" err="1"/>
-              <a:t>Haloscope</a:t>
-            </a:r>
-            <a:r>
-              <a:rPr lang="en-AU" dirty="0"/>
-              <a:t>: Direct search for galactic halo DM axions and ALPs in the lab</a:t>
-            </a:r>
-          </a:p>
-          <a:p>
-            <a:pPr marL="628650" lvl="1" indent="-171450">
-              <a:buFontTx/>
-              <a:buChar char="-"/>
-            </a:pPr>
-            <a:endParaRPr lang="en-AU" dirty="0"/>
-          </a:p>
-          <a:p>
-            <a:pPr marL="628650" lvl="1" indent="-171450">
-              <a:buFontTx/>
-              <a:buChar char="-"/>
-            </a:pPr>
-            <a:r>
-              <a:rPr lang="en-AU" dirty="0"/>
-              <a:t>Plot: constraints imposed on the mass and coupling strength to photons of ALPs by the different search strategies. </a:t>
-            </a:r>
-          </a:p>
-        </p:txBody>
-      </p:sp>
-      <p:sp>
-        <p:nvSpPr>
-          <p:cNvPr id="4" name="Slide Number Placeholder 3"/>
-          <p:cNvSpPr>
-            <a:spLocks noGrp="1"/>
-          </p:cNvSpPr>
-          <p:nvPr>
-            <p:ph type="sldNum" sz="quarter" idx="5"/>
-          </p:nvPr>
-        </p:nvSpPr>
-        <p:spPr/>
-        <p:txBody>
-          <a:bodyPr/>
-          <a:lstStyle/>
-          <a:p>
-            <a:fld id="{E378E624-F4A5-48BF-9337-C65D85C014DE}" type="slidenum">
-              <a:rPr lang="en-AU" smtClean="0"/>
-              <a:t>6</a:t>
-            </a:fld>
-            <a:endParaRPr lang="en-AU"/>
-          </a:p>
-        </p:txBody>
-      </p:sp>
-    </p:spTree>
-    <p:extLst>
-      <p:ext uri="{BB962C8B-B14F-4D97-AF65-F5344CB8AC3E}">
-        <p14:creationId xmlns:p14="http://schemas.microsoft.com/office/powerpoint/2010/main" val="2863839789"/>
-      </p:ext>
-    </p:extLst>
-  </p:cSld>
-  <p:clrMapOvr>
-    <a:masterClrMapping/>
-  </p:clrMapOvr>
-</p:notes>
-</file>
-
-<file path=ppt/notesSlides/notesSlide7.xml><?xml version="1.0" encoding="utf-8"?>
-<p:notes xmlns:a="http://schemas.openxmlformats.org/drawingml/2006/main" xmlns:r="http://schemas.openxmlformats.org/officeDocument/2006/relationships" xmlns:p="http://schemas.openxmlformats.org/presentationml/2006/main">
-  <p:cSld>
-    <p:spTree>
-      <p:nvGrpSpPr>
-        <p:cNvPr id="1" name=""/>
-        <p:cNvGrpSpPr/>
-        <p:nvPr/>
-      </p:nvGrpSpPr>
-      <p:grpSpPr>
-        <a:xfrm>
-          <a:off x="0" y="0"/>
-          <a:ext cx="0" cy="0"/>
-          <a:chOff x="0" y="0"/>
-          <a:chExt cx="0" cy="0"/>
-        </a:xfrm>
-      </p:grpSpPr>
-      <p:sp>
-        <p:nvSpPr>
-          <p:cNvPr id="2" name="Slide Image Placeholder 1"/>
-          <p:cNvSpPr>
-            <a:spLocks noGrp="1" noRot="1" noChangeAspect="1"/>
-          </p:cNvSpPr>
-          <p:nvPr>
-            <p:ph type="sldImg"/>
-          </p:nvPr>
-        </p:nvSpPr>
-        <p:spPr/>
-      </p:sp>
-      <p:sp>
-        <p:nvSpPr>
-          <p:cNvPr id="3" name="Notes Placeholder 2"/>
-          <p:cNvSpPr>
-            <a:spLocks noGrp="1"/>
-          </p:cNvSpPr>
-          <p:nvPr>
-            <p:ph type="body" idx="1"/>
-          </p:nvPr>
-        </p:nvSpPr>
-        <p:spPr/>
-        <p:txBody>
-          <a:bodyPr/>
-          <a:lstStyle/>
-          <a:p>
-            <a:r>
-              <a:rPr lang="en-AU" b="1" u="sng" dirty="0"/>
-              <a:t>Analysis steps</a:t>
-            </a:r>
-          </a:p>
-          <a:p>
-            <a:pPr marL="0" indent="0">
-              <a:buNone/>
-            </a:pPr>
-            <a:r>
-              <a:rPr lang="en-AU" sz="1200" b="1" dirty="0"/>
-              <a:t>0.  Set limit on branching fraction of decay of interest using     MC simulated data to determine if analysis is viable/worth pursuing</a:t>
-            </a:r>
-          </a:p>
-          <a:p>
-            <a:pPr marL="457200" indent="-457200">
-              <a:buAutoNum type="arabicPeriod"/>
-            </a:pPr>
-            <a:r>
-              <a:rPr lang="en-AU" sz="1200" b="1" dirty="0"/>
-              <a:t>Event selection (i.e. impose constraints on kinematic and shape variables to distinguish signal </a:t>
-            </a:r>
-            <a:r>
-              <a:rPr lang="en-AU" b="1" dirty="0"/>
-              <a:t>from </a:t>
-            </a:r>
-            <a:r>
-              <a:rPr lang="en-AU" sz="1200" b="1" dirty="0"/>
-              <a:t>background within MC simulated data)</a:t>
-            </a:r>
-          </a:p>
-          <a:p>
-            <a:pPr marL="457200" indent="-457200">
-              <a:buAutoNum type="arabicPeriod"/>
-            </a:pPr>
-            <a:r>
-              <a:rPr lang="en-AU" sz="1200" b="1" dirty="0"/>
-              <a:t>Check optimised event selection against a real data sample to verify that MC simulation models the data</a:t>
-            </a:r>
-          </a:p>
-          <a:p>
-            <a:pPr marL="457200" indent="-457200">
-              <a:buAutoNum type="arabicPeriod"/>
-            </a:pPr>
-            <a:r>
-              <a:rPr lang="en-AU" sz="1200" b="1" dirty="0"/>
-              <a:t>Perform a fit to extract the signal yield</a:t>
-            </a:r>
-          </a:p>
-          <a:p>
-            <a:pPr marL="457200" indent="-457200">
-              <a:buAutoNum type="arabicPeriod"/>
-            </a:pPr>
-            <a:r>
-              <a:rPr lang="en-AU" sz="1200" b="1" dirty="0"/>
-              <a:t>Estimate systematic errors </a:t>
-            </a:r>
-            <a:endParaRPr lang="en-AU" sz="800" b="1" dirty="0"/>
-          </a:p>
-          <a:p>
-            <a:endParaRPr lang="en-AU" dirty="0"/>
-          </a:p>
-        </p:txBody>
-      </p:sp>
-      <p:sp>
-        <p:nvSpPr>
-          <p:cNvPr id="4" name="Slide Number Placeholder 3"/>
-          <p:cNvSpPr>
-            <a:spLocks noGrp="1"/>
-          </p:cNvSpPr>
-          <p:nvPr>
-            <p:ph type="sldNum" sz="quarter" idx="5"/>
-          </p:nvPr>
-        </p:nvSpPr>
-        <p:spPr/>
-        <p:txBody>
-          <a:bodyPr/>
-          <a:lstStyle/>
-          <a:p>
-            <a:fld id="{E378E624-F4A5-48BF-9337-C65D85C014DE}" type="slidenum">
-              <a:rPr lang="en-AU" smtClean="0"/>
-              <a:t>7</a:t>
-            </a:fld>
-            <a:endParaRPr lang="en-AU"/>
-          </a:p>
-        </p:txBody>
-      </p:sp>
-    </p:spTree>
-    <p:extLst>
-      <p:ext uri="{BB962C8B-B14F-4D97-AF65-F5344CB8AC3E}">
-        <p14:creationId xmlns:p14="http://schemas.microsoft.com/office/powerpoint/2010/main" val="3106477125"/>
-      </p:ext>
-    </p:extLst>
-  </p:cSld>
-  <p:clrMapOvr>
-    <a:masterClrMapping/>
-  </p:clrMapOvr>
-</p:notes>
-</file>
-
-<file path=ppt/notesSlides/notesSlide8.xml><?xml version="1.0" encoding="utf-8"?>
-<p:notes xmlns:a="http://schemas.openxmlformats.org/drawingml/2006/main" xmlns:r="http://schemas.openxmlformats.org/officeDocument/2006/relationships" xmlns:p="http://schemas.openxmlformats.org/presentationml/2006/main">
-  <p:cSld>
-    <p:spTree>
-      <p:nvGrpSpPr>
-        <p:cNvPr id="1" name=""/>
-        <p:cNvGrpSpPr/>
-        <p:nvPr/>
-      </p:nvGrpSpPr>
-      <p:grpSpPr>
-        <a:xfrm>
-          <a:off x="0" y="0"/>
-          <a:ext cx="0" cy="0"/>
-          <a:chOff x="0" y="0"/>
-          <a:chExt cx="0" cy="0"/>
-        </a:xfrm>
-      </p:grpSpPr>
-      <p:sp>
-        <p:nvSpPr>
-          <p:cNvPr id="2" name="Slide Image Placeholder 1"/>
-          <p:cNvSpPr>
-            <a:spLocks noGrp="1" noRot="1" noChangeAspect="1"/>
-          </p:cNvSpPr>
-          <p:nvPr>
-            <p:ph type="sldImg"/>
-          </p:nvPr>
-        </p:nvSpPr>
-        <p:spPr/>
-      </p:sp>
-      <p:sp>
-        <p:nvSpPr>
-          <p:cNvPr id="3" name="Notes Placeholder 2"/>
-          <p:cNvSpPr>
-            <a:spLocks noGrp="1"/>
-          </p:cNvSpPr>
-          <p:nvPr>
-            <p:ph type="body" idx="1"/>
-          </p:nvPr>
-        </p:nvSpPr>
-        <p:spPr/>
-        <p:txBody>
-          <a:bodyPr/>
-          <a:lstStyle/>
-          <a:p>
-            <a:pPr marL="171450" indent="-171450">
-              <a:buFontTx/>
-              <a:buChar char="-"/>
-            </a:pPr>
-            <a:r>
-              <a:rPr lang="en-AU" dirty="0"/>
-              <a:t>Seek diphoton resonance structures (contributions from pi0, eta and eta’ in the purple regions in the graph). Otherwise nothing else is of interest</a:t>
-            </a:r>
-          </a:p>
-          <a:p>
-            <a:pPr marL="171450" indent="-171450">
-              <a:buFontTx/>
-              <a:buChar char="-"/>
-            </a:pPr>
-            <a:r>
-              <a:rPr lang="en-AU" dirty="0"/>
-              <a:t>Max mass of ALPs being produced here is 4785.58 MeV (since rest mass of B0 is 5 GeV)</a:t>
-            </a:r>
-          </a:p>
-          <a:p>
-            <a:pPr marL="171450" indent="-171450">
-              <a:buFontTx/>
-              <a:buChar char="-"/>
-            </a:pPr>
-            <a:r>
-              <a:rPr lang="en-AU" dirty="0"/>
-              <a:t>Explain plot in further detail (different coloured regions = different meson-anti-meson pairs produced from e+ e- collisions)</a:t>
-            </a:r>
-          </a:p>
-          <a:p>
-            <a:endParaRPr lang="en-AU" b="1" u="sng" dirty="0"/>
-          </a:p>
-        </p:txBody>
-      </p:sp>
-      <p:sp>
-        <p:nvSpPr>
-          <p:cNvPr id="4" name="Slide Number Placeholder 3"/>
-          <p:cNvSpPr>
-            <a:spLocks noGrp="1"/>
-          </p:cNvSpPr>
-          <p:nvPr>
-            <p:ph type="sldNum" sz="quarter" idx="5"/>
-          </p:nvPr>
-        </p:nvSpPr>
-        <p:spPr/>
-        <p:txBody>
-          <a:bodyPr/>
-          <a:lstStyle/>
-          <a:p>
-            <a:fld id="{CB1C56AD-EC86-4840-9BA7-064D59FA2DEC}" type="slidenum">
-              <a:rPr lang="en-AU" smtClean="0"/>
-              <a:t>8</a:t>
-            </a:fld>
-            <a:endParaRPr lang="en-AU"/>
-          </a:p>
-        </p:txBody>
-      </p:sp>
-    </p:spTree>
-    <p:extLst>
-      <p:ext uri="{BB962C8B-B14F-4D97-AF65-F5344CB8AC3E}">
-        <p14:creationId xmlns:p14="http://schemas.microsoft.com/office/powerpoint/2010/main" val="1674866760"/>
-      </p:ext>
-    </p:extLst>
-  </p:cSld>
-  <p:clrMapOvr>
-    <a:masterClrMapping/>
-  </p:clrMapOvr>
-</p:notes>
-</file>
-
-<file path=ppt/notesSlides/notesSlide9.xml><?xml version="1.0" encoding="utf-8"?>
 <p:notes xmlns:a="http://schemas.openxmlformats.org/drawingml/2006/main" xmlns:r="http://schemas.openxmlformats.org/officeDocument/2006/relationships" xmlns:p="http://schemas.openxmlformats.org/presentationml/2006/main">
   <p:cSld>
     <p:spTree>
@@ -2605,7 +875,7 @@
           <a:p>
             <a:fld id="{CB1C56AD-EC86-4840-9BA7-064D59FA2DEC}" type="slidenum">
               <a:rPr lang="en-AU" smtClean="0"/>
-              <a:t>9</a:t>
+              <a:t>10</a:t>
             </a:fld>
             <a:endParaRPr lang="en-AU"/>
           </a:p>
@@ -2615,6 +885,1926 @@
     <p:extLst>
       <p:ext uri="{BB962C8B-B14F-4D97-AF65-F5344CB8AC3E}">
         <p14:creationId xmlns:p14="http://schemas.microsoft.com/office/powerpoint/2010/main" val="2812789133"/>
+      </p:ext>
+    </p:extLst>
+  </p:cSld>
+  <p:clrMapOvr>
+    <a:masterClrMapping/>
+  </p:clrMapOvr>
+</p:notes>
+</file>
+
+<file path=ppt/notesSlides/notesSlide11.xml><?xml version="1.0" encoding="utf-8"?>
+<p:notes xmlns:a="http://schemas.openxmlformats.org/drawingml/2006/main" xmlns:r="http://schemas.openxmlformats.org/officeDocument/2006/relationships" xmlns:p="http://schemas.openxmlformats.org/presentationml/2006/main">
+  <p:cSld>
+    <p:spTree>
+      <p:nvGrpSpPr>
+        <p:cNvPr id="1" name=""/>
+        <p:cNvGrpSpPr/>
+        <p:nvPr/>
+      </p:nvGrpSpPr>
+      <p:grpSpPr>
+        <a:xfrm>
+          <a:off x="0" y="0"/>
+          <a:ext cx="0" cy="0"/>
+          <a:chOff x="0" y="0"/>
+          <a:chExt cx="0" cy="0"/>
+        </a:xfrm>
+      </p:grpSpPr>
+      <p:sp>
+        <p:nvSpPr>
+          <p:cNvPr id="2" name="Slide Image Placeholder 1"/>
+          <p:cNvSpPr>
+            <a:spLocks noGrp="1" noRot="1" noChangeAspect="1"/>
+          </p:cNvSpPr>
+          <p:nvPr>
+            <p:ph type="sldImg"/>
+          </p:nvPr>
+        </p:nvSpPr>
+        <p:spPr/>
+      </p:sp>
+      <p:sp>
+        <p:nvSpPr>
+          <p:cNvPr id="3" name="Notes Placeholder 2"/>
+          <p:cNvSpPr>
+            <a:spLocks noGrp="1"/>
+          </p:cNvSpPr>
+          <p:nvPr>
+            <p:ph type="body" idx="1"/>
+          </p:nvPr>
+        </p:nvSpPr>
+        <p:spPr/>
+        <p:txBody>
+          <a:bodyPr/>
+          <a:lstStyle/>
+          <a:p>
+            <a:r>
+              <a:rPr lang="en-AU" sz="1200" b="1" dirty="0"/>
+              <a:t>Setting limit on branching fraction of decay process to determine if analysis is viable/worth pursuing (i.e. Step 0 on previous slide =&gt; preliminary stages)</a:t>
+            </a:r>
+          </a:p>
+          <a:p>
+            <a:r>
+              <a:rPr lang="en-AU" sz="1200" dirty="0"/>
+              <a:t>Relating the branching ratio to the mass and coupling strength of the ALP to photons</a:t>
+            </a:r>
+          </a:p>
+          <a:p>
+            <a:r>
+              <a:rPr lang="en-AU" sz="1200" dirty="0"/>
+              <a:t>Comparing the limits set on the mass and coupling strength to those in existing literature </a:t>
+            </a:r>
+            <a:r>
+              <a:rPr lang="en-AU" b="1" dirty="0"/>
+              <a:t>(LH plot: we are trying to exclude more of the white region if not find the ALP itself). ATLAS has </a:t>
+            </a:r>
+            <a:r>
+              <a:rPr lang="en-AU" b="1" dirty="0" err="1"/>
+              <a:t>PbPb</a:t>
+            </a:r>
+            <a:r>
+              <a:rPr lang="en-AU" b="1" dirty="0"/>
+              <a:t> collisions for the same and has set different limits to what we can. </a:t>
+            </a:r>
+          </a:p>
+          <a:p>
+            <a:r>
+              <a:rPr lang="en-AU" sz="1200" b="1" dirty="0"/>
+              <a:t>LHCb =&gt; Can try and exclude regions in the low-mass (below 5 GeV) range</a:t>
+            </a:r>
+            <a:endParaRPr lang="en-AU" sz="1200" dirty="0"/>
+          </a:p>
+          <a:p>
+            <a:endParaRPr lang="en-AU" b="1" u="sng" dirty="0"/>
+          </a:p>
+        </p:txBody>
+      </p:sp>
+      <p:sp>
+        <p:nvSpPr>
+          <p:cNvPr id="4" name="Slide Number Placeholder 3"/>
+          <p:cNvSpPr>
+            <a:spLocks noGrp="1"/>
+          </p:cNvSpPr>
+          <p:nvPr>
+            <p:ph type="sldNum" sz="quarter" idx="5"/>
+          </p:nvPr>
+        </p:nvSpPr>
+        <p:spPr/>
+        <p:txBody>
+          <a:bodyPr/>
+          <a:lstStyle/>
+          <a:p>
+            <a:fld id="{CB1C56AD-EC86-4840-9BA7-064D59FA2DEC}" type="slidenum">
+              <a:rPr lang="en-AU" smtClean="0"/>
+              <a:t>11</a:t>
+            </a:fld>
+            <a:endParaRPr lang="en-AU"/>
+          </a:p>
+        </p:txBody>
+      </p:sp>
+    </p:spTree>
+    <p:extLst>
+      <p:ext uri="{BB962C8B-B14F-4D97-AF65-F5344CB8AC3E}">
+        <p14:creationId xmlns:p14="http://schemas.microsoft.com/office/powerpoint/2010/main" val="1865635745"/>
+      </p:ext>
+    </p:extLst>
+  </p:cSld>
+  <p:clrMapOvr>
+    <a:masterClrMapping/>
+  </p:clrMapOvr>
+</p:notes>
+</file>
+
+<file path=ppt/notesSlides/notesSlide12.xml><?xml version="1.0" encoding="utf-8"?>
+<p:notes xmlns:a="http://schemas.openxmlformats.org/drawingml/2006/main" xmlns:r="http://schemas.openxmlformats.org/officeDocument/2006/relationships" xmlns:p="http://schemas.openxmlformats.org/presentationml/2006/main">
+  <p:cSld>
+    <p:spTree>
+      <p:nvGrpSpPr>
+        <p:cNvPr id="1" name=""/>
+        <p:cNvGrpSpPr/>
+        <p:nvPr/>
+      </p:nvGrpSpPr>
+      <p:grpSpPr>
+        <a:xfrm>
+          <a:off x="0" y="0"/>
+          <a:ext cx="0" cy="0"/>
+          <a:chOff x="0" y="0"/>
+          <a:chExt cx="0" cy="0"/>
+        </a:xfrm>
+      </p:grpSpPr>
+      <p:sp>
+        <p:nvSpPr>
+          <p:cNvPr id="2" name="Slide Image Placeholder 1"/>
+          <p:cNvSpPr>
+            <a:spLocks noGrp="1" noRot="1" noChangeAspect="1"/>
+          </p:cNvSpPr>
+          <p:nvPr>
+            <p:ph type="sldImg"/>
+          </p:nvPr>
+        </p:nvSpPr>
+        <p:spPr/>
+      </p:sp>
+      <p:sp>
+        <p:nvSpPr>
+          <p:cNvPr id="3" name="Notes Placeholder 2"/>
+          <p:cNvSpPr>
+            <a:spLocks noGrp="1"/>
+          </p:cNvSpPr>
+          <p:nvPr>
+            <p:ph type="body" idx="1"/>
+          </p:nvPr>
+        </p:nvSpPr>
+        <p:spPr/>
+        <p:txBody>
+          <a:bodyPr/>
+          <a:lstStyle/>
+          <a:p>
+            <a:pPr marL="171450" indent="-171450">
+              <a:buFontTx/>
+              <a:buChar char="-"/>
+            </a:pPr>
+            <a:r>
+              <a:rPr lang="en-AU" dirty="0"/>
+              <a:t>Deduced a mathematical relationship between the branching ratio, coupling strength, and ALP mass </a:t>
+            </a:r>
+          </a:p>
+          <a:p>
+            <a:pPr marL="171450" indent="-171450">
+              <a:buFontTx/>
+              <a:buChar char="-"/>
+            </a:pPr>
+            <a:endParaRPr lang="en-AU" dirty="0"/>
+          </a:p>
+        </p:txBody>
+      </p:sp>
+      <p:sp>
+        <p:nvSpPr>
+          <p:cNvPr id="4" name="Slide Number Placeholder 3"/>
+          <p:cNvSpPr>
+            <a:spLocks noGrp="1"/>
+          </p:cNvSpPr>
+          <p:nvPr>
+            <p:ph type="sldNum" sz="quarter" idx="5"/>
+          </p:nvPr>
+        </p:nvSpPr>
+        <p:spPr/>
+        <p:txBody>
+          <a:bodyPr/>
+          <a:lstStyle/>
+          <a:p>
+            <a:fld id="{E378E624-F4A5-48BF-9337-C65D85C014DE}" type="slidenum">
+              <a:rPr lang="en-AU" smtClean="0"/>
+              <a:t>14</a:t>
+            </a:fld>
+            <a:endParaRPr lang="en-AU"/>
+          </a:p>
+        </p:txBody>
+      </p:sp>
+    </p:spTree>
+    <p:extLst>
+      <p:ext uri="{BB962C8B-B14F-4D97-AF65-F5344CB8AC3E}">
+        <p14:creationId xmlns:p14="http://schemas.microsoft.com/office/powerpoint/2010/main" val="3238101076"/>
+      </p:ext>
+    </p:extLst>
+  </p:cSld>
+  <p:clrMapOvr>
+    <a:masterClrMapping/>
+  </p:clrMapOvr>
+</p:notes>
+</file>
+
+<file path=ppt/notesSlides/notesSlide13.xml><?xml version="1.0" encoding="utf-8"?>
+<p:notes xmlns:a="http://schemas.openxmlformats.org/drawingml/2006/main" xmlns:r="http://schemas.openxmlformats.org/officeDocument/2006/relationships" xmlns:p="http://schemas.openxmlformats.org/presentationml/2006/main">
+  <p:cSld>
+    <p:spTree>
+      <p:nvGrpSpPr>
+        <p:cNvPr id="1" name=""/>
+        <p:cNvGrpSpPr/>
+        <p:nvPr/>
+      </p:nvGrpSpPr>
+      <p:grpSpPr>
+        <a:xfrm>
+          <a:off x="0" y="0"/>
+          <a:ext cx="0" cy="0"/>
+          <a:chOff x="0" y="0"/>
+          <a:chExt cx="0" cy="0"/>
+        </a:xfrm>
+      </p:grpSpPr>
+      <p:sp>
+        <p:nvSpPr>
+          <p:cNvPr id="2" name="Slide Image Placeholder 1"/>
+          <p:cNvSpPr>
+            <a:spLocks noGrp="1" noRot="1" noChangeAspect="1"/>
+          </p:cNvSpPr>
+          <p:nvPr>
+            <p:ph type="sldImg"/>
+          </p:nvPr>
+        </p:nvSpPr>
+        <p:spPr/>
+      </p:sp>
+      <p:sp>
+        <p:nvSpPr>
+          <p:cNvPr id="3" name="Notes Placeholder 2"/>
+          <p:cNvSpPr>
+            <a:spLocks noGrp="1"/>
+          </p:cNvSpPr>
+          <p:nvPr>
+            <p:ph type="body" idx="1"/>
+          </p:nvPr>
+        </p:nvSpPr>
+        <p:spPr/>
+        <p:txBody>
+          <a:bodyPr/>
+          <a:lstStyle/>
+          <a:p>
+            <a:pPr marL="171450" indent="-171450">
+              <a:buFontTx/>
+              <a:buChar char="-"/>
+            </a:pPr>
+            <a:r>
+              <a:rPr lang="en-AU" dirty="0"/>
+              <a:t>Have to be aware of BR of other decay modes of ALPs (only considering decay for two photons in initial analysis)</a:t>
+            </a:r>
+          </a:p>
+          <a:p>
+            <a:pPr marL="171450" indent="-171450">
+              <a:buFontTx/>
+              <a:buChar char="-"/>
+            </a:pPr>
+            <a:r>
+              <a:rPr lang="en-AU" dirty="0"/>
+              <a:t>Light green line is the decay mode of ALP of interest at </a:t>
+            </a:r>
+            <a:r>
+              <a:rPr lang="en-AU" dirty="0" err="1"/>
+              <a:t>LHCb</a:t>
+            </a:r>
+            <a:endParaRPr lang="en-AU" dirty="0"/>
+          </a:p>
+        </p:txBody>
+      </p:sp>
+      <p:sp>
+        <p:nvSpPr>
+          <p:cNvPr id="4" name="Slide Number Placeholder 3"/>
+          <p:cNvSpPr>
+            <a:spLocks noGrp="1"/>
+          </p:cNvSpPr>
+          <p:nvPr>
+            <p:ph type="sldNum" sz="quarter" idx="5"/>
+          </p:nvPr>
+        </p:nvSpPr>
+        <p:spPr/>
+        <p:txBody>
+          <a:bodyPr/>
+          <a:lstStyle/>
+          <a:p>
+            <a:fld id="{CB1C56AD-EC86-4840-9BA7-064D59FA2DEC}" type="slidenum">
+              <a:rPr lang="en-AU" smtClean="0"/>
+              <a:t>16</a:t>
+            </a:fld>
+            <a:endParaRPr lang="en-AU"/>
+          </a:p>
+        </p:txBody>
+      </p:sp>
+    </p:spTree>
+    <p:extLst>
+      <p:ext uri="{BB962C8B-B14F-4D97-AF65-F5344CB8AC3E}">
+        <p14:creationId xmlns:p14="http://schemas.microsoft.com/office/powerpoint/2010/main" val="1710170312"/>
+      </p:ext>
+    </p:extLst>
+  </p:cSld>
+  <p:clrMapOvr>
+    <a:masterClrMapping/>
+  </p:clrMapOvr>
+</p:notes>
+</file>
+
+<file path=ppt/notesSlides/notesSlide14.xml><?xml version="1.0" encoding="utf-8"?>
+<p:notes xmlns:a="http://schemas.openxmlformats.org/drawingml/2006/main" xmlns:r="http://schemas.openxmlformats.org/officeDocument/2006/relationships" xmlns:p="http://schemas.openxmlformats.org/presentationml/2006/main">
+  <p:cSld>
+    <p:spTree>
+      <p:nvGrpSpPr>
+        <p:cNvPr id="1" name=""/>
+        <p:cNvGrpSpPr/>
+        <p:nvPr/>
+      </p:nvGrpSpPr>
+      <p:grpSpPr>
+        <a:xfrm>
+          <a:off x="0" y="0"/>
+          <a:ext cx="0" cy="0"/>
+          <a:chOff x="0" y="0"/>
+          <a:chExt cx="0" cy="0"/>
+        </a:xfrm>
+      </p:grpSpPr>
+      <p:sp>
+        <p:nvSpPr>
+          <p:cNvPr id="2" name="Slide Image Placeholder 1"/>
+          <p:cNvSpPr>
+            <a:spLocks noGrp="1" noRot="1" noChangeAspect="1"/>
+          </p:cNvSpPr>
+          <p:nvPr>
+            <p:ph type="sldImg"/>
+          </p:nvPr>
+        </p:nvSpPr>
+        <p:spPr/>
+      </p:sp>
+      <p:sp>
+        <p:nvSpPr>
+          <p:cNvPr id="3" name="Notes Placeholder 2"/>
+          <p:cNvSpPr>
+            <a:spLocks noGrp="1"/>
+          </p:cNvSpPr>
+          <p:nvPr>
+            <p:ph type="body" idx="1"/>
+          </p:nvPr>
+        </p:nvSpPr>
+        <p:spPr/>
+        <p:txBody>
+          <a:bodyPr/>
+          <a:lstStyle/>
+          <a:p>
+            <a:r>
+              <a:rPr lang="en-AU" dirty="0"/>
+              <a:t>- Plot of the Coupling strength of ALP to the W boson as a function of the ALP mass (at a fixed branching ratio)</a:t>
+            </a:r>
+          </a:p>
+          <a:p>
+            <a:pPr marL="171450" indent="-171450">
+              <a:buFontTx/>
+              <a:buChar char="-"/>
+            </a:pPr>
+            <a:r>
+              <a:rPr lang="en-AU" dirty="0"/>
+              <a:t>Deduced an upper limit on BR at which our analysis is viable (10^-7)</a:t>
+            </a:r>
+          </a:p>
+          <a:p>
+            <a:pPr marL="0" indent="0">
+              <a:buFontTx/>
+              <a:buNone/>
+            </a:pPr>
+            <a:endParaRPr lang="en-AU" dirty="0"/>
+          </a:p>
+        </p:txBody>
+      </p:sp>
+      <p:sp>
+        <p:nvSpPr>
+          <p:cNvPr id="4" name="Slide Number Placeholder 3"/>
+          <p:cNvSpPr>
+            <a:spLocks noGrp="1"/>
+          </p:cNvSpPr>
+          <p:nvPr>
+            <p:ph type="sldNum" sz="quarter" idx="5"/>
+          </p:nvPr>
+        </p:nvSpPr>
+        <p:spPr/>
+        <p:txBody>
+          <a:bodyPr/>
+          <a:lstStyle/>
+          <a:p>
+            <a:fld id="{E378E624-F4A5-48BF-9337-C65D85C014DE}" type="slidenum">
+              <a:rPr lang="en-AU" smtClean="0"/>
+              <a:t>17</a:t>
+            </a:fld>
+            <a:endParaRPr lang="en-AU"/>
+          </a:p>
+        </p:txBody>
+      </p:sp>
+    </p:spTree>
+    <p:extLst>
+      <p:ext uri="{BB962C8B-B14F-4D97-AF65-F5344CB8AC3E}">
+        <p14:creationId xmlns:p14="http://schemas.microsoft.com/office/powerpoint/2010/main" val="1031190962"/>
+      </p:ext>
+    </p:extLst>
+  </p:cSld>
+  <p:clrMapOvr>
+    <a:masterClrMapping/>
+  </p:clrMapOvr>
+</p:notes>
+</file>
+
+<file path=ppt/notesSlides/notesSlide15.xml><?xml version="1.0" encoding="utf-8"?>
+<p:notes xmlns:a="http://schemas.openxmlformats.org/drawingml/2006/main" xmlns:r="http://schemas.openxmlformats.org/officeDocument/2006/relationships" xmlns:p="http://schemas.openxmlformats.org/presentationml/2006/main">
+  <p:cSld>
+    <p:spTree>
+      <p:nvGrpSpPr>
+        <p:cNvPr id="1" name=""/>
+        <p:cNvGrpSpPr/>
+        <p:nvPr/>
+      </p:nvGrpSpPr>
+      <p:grpSpPr>
+        <a:xfrm>
+          <a:off x="0" y="0"/>
+          <a:ext cx="0" cy="0"/>
+          <a:chOff x="0" y="0"/>
+          <a:chExt cx="0" cy="0"/>
+        </a:xfrm>
+      </p:grpSpPr>
+      <p:sp>
+        <p:nvSpPr>
+          <p:cNvPr id="2" name="Slide Image Placeholder 1"/>
+          <p:cNvSpPr>
+            <a:spLocks noGrp="1" noRot="1" noChangeAspect="1"/>
+          </p:cNvSpPr>
+          <p:nvPr>
+            <p:ph type="sldImg"/>
+          </p:nvPr>
+        </p:nvSpPr>
+        <p:spPr/>
+      </p:sp>
+      <p:sp>
+        <p:nvSpPr>
+          <p:cNvPr id="3" name="Notes Placeholder 2"/>
+          <p:cNvSpPr>
+            <a:spLocks noGrp="1"/>
+          </p:cNvSpPr>
+          <p:nvPr>
+            <p:ph type="body" idx="1"/>
+          </p:nvPr>
+        </p:nvSpPr>
+        <p:spPr/>
+        <p:txBody>
+          <a:bodyPr/>
+          <a:lstStyle/>
+          <a:p>
+            <a:r>
+              <a:rPr lang="en-AU" dirty="0"/>
+              <a:t>Left hand side plot = collider constraints</a:t>
+            </a:r>
+          </a:p>
+          <a:p>
+            <a:r>
+              <a:rPr lang="en-AU" dirty="0"/>
+              <a:t>RHS plot = all experimental constraints. Far right = region probed by colliders</a:t>
+            </a:r>
+          </a:p>
+        </p:txBody>
+      </p:sp>
+      <p:sp>
+        <p:nvSpPr>
+          <p:cNvPr id="4" name="Slide Number Placeholder 3"/>
+          <p:cNvSpPr>
+            <a:spLocks noGrp="1"/>
+          </p:cNvSpPr>
+          <p:nvPr>
+            <p:ph type="sldNum" sz="quarter" idx="5"/>
+          </p:nvPr>
+        </p:nvSpPr>
+        <p:spPr/>
+        <p:txBody>
+          <a:bodyPr/>
+          <a:lstStyle/>
+          <a:p>
+            <a:fld id="{E378E624-F4A5-48BF-9337-C65D85C014DE}" type="slidenum">
+              <a:rPr lang="en-AU" smtClean="0"/>
+              <a:t>18</a:t>
+            </a:fld>
+            <a:endParaRPr lang="en-AU"/>
+          </a:p>
+        </p:txBody>
+      </p:sp>
+    </p:spTree>
+    <p:extLst>
+      <p:ext uri="{BB962C8B-B14F-4D97-AF65-F5344CB8AC3E}">
+        <p14:creationId xmlns:p14="http://schemas.microsoft.com/office/powerpoint/2010/main" val="2219245655"/>
+      </p:ext>
+    </p:extLst>
+  </p:cSld>
+  <p:clrMapOvr>
+    <a:masterClrMapping/>
+  </p:clrMapOvr>
+</p:notes>
+</file>
+
+<file path=ppt/notesSlides/notesSlide16.xml><?xml version="1.0" encoding="utf-8"?>
+<p:notes xmlns:a="http://schemas.openxmlformats.org/drawingml/2006/main" xmlns:r="http://schemas.openxmlformats.org/officeDocument/2006/relationships" xmlns:p="http://schemas.openxmlformats.org/presentationml/2006/main">
+  <p:cSld>
+    <p:spTree>
+      <p:nvGrpSpPr>
+        <p:cNvPr id="1" name=""/>
+        <p:cNvGrpSpPr/>
+        <p:nvPr/>
+      </p:nvGrpSpPr>
+      <p:grpSpPr>
+        <a:xfrm>
+          <a:off x="0" y="0"/>
+          <a:ext cx="0" cy="0"/>
+          <a:chOff x="0" y="0"/>
+          <a:chExt cx="0" cy="0"/>
+        </a:xfrm>
+      </p:grpSpPr>
+      <p:sp>
+        <p:nvSpPr>
+          <p:cNvPr id="2" name="Slide Image Placeholder 1"/>
+          <p:cNvSpPr>
+            <a:spLocks noGrp="1" noRot="1" noChangeAspect="1"/>
+          </p:cNvSpPr>
+          <p:nvPr>
+            <p:ph type="sldImg"/>
+          </p:nvPr>
+        </p:nvSpPr>
+        <p:spPr/>
+      </p:sp>
+      <mc:AlternateContent xmlns:mc="http://schemas.openxmlformats.org/markup-compatibility/2006" xmlns:a14="http://schemas.microsoft.com/office/drawing/2010/main">
+        <mc:Choice Requires="a14">
+          <p:sp>
+            <p:nvSpPr>
+              <p:cNvPr id="3" name="Notes Placeholder 2"/>
+              <p:cNvSpPr>
+                <a:spLocks noGrp="1"/>
+              </p:cNvSpPr>
+              <p:nvPr>
+                <p:ph type="body" idx="1"/>
+              </p:nvPr>
+            </p:nvSpPr>
+            <p:spPr/>
+            <p:txBody>
+              <a:bodyPr/>
+              <a:lstStyle/>
+              <a:p>
+                <a:r>
+                  <a:rPr lang="en-AU" dirty="0"/>
+                  <a:t>- Decay mode has a clear signal at </a:t>
+                </a:r>
+                <a14:m>
+                  <m:oMath xmlns:m="http://schemas.openxmlformats.org/officeDocument/2006/math">
+                    <m:r>
+                      <a:rPr lang="en-AU" b="0" i="1" smtClean="0">
+                        <a:latin typeface="Cambria Math" panose="02040503050406030204" pitchFamily="18" charset="0"/>
+                      </a:rPr>
+                      <m:t>4×</m:t>
+                    </m:r>
+                    <m:sSup>
+                      <m:sSupPr>
+                        <m:ctrlPr>
+                          <a:rPr lang="en-AU" b="0" i="1" smtClean="0">
+                            <a:latin typeface="Cambria Math" panose="02040503050406030204" pitchFamily="18" charset="0"/>
+                          </a:rPr>
+                        </m:ctrlPr>
+                      </m:sSupPr>
+                      <m:e>
+                        <m:r>
+                          <a:rPr lang="en-AU" b="0" i="1" smtClean="0">
+                            <a:latin typeface="Cambria Math" panose="02040503050406030204" pitchFamily="18" charset="0"/>
+                          </a:rPr>
+                          <m:t>10</m:t>
+                        </m:r>
+                      </m:e>
+                      <m:sup>
+                        <m:r>
+                          <a:rPr lang="en-AU" b="0" i="1" smtClean="0">
+                            <a:latin typeface="Cambria Math" panose="02040503050406030204" pitchFamily="18" charset="0"/>
+                          </a:rPr>
+                          <m:t>−5</m:t>
+                        </m:r>
+                      </m:sup>
+                    </m:sSup>
+                  </m:oMath>
+                </a14:m>
+                <a:r>
+                  <a:rPr lang="en-AU" dirty="0"/>
+                  <a:t> with 547 signal events and 2475 background events</a:t>
+                </a:r>
+              </a:p>
+            </p:txBody>
+          </p:sp>
+        </mc:Choice>
+        <mc:Fallback xmlns="">
+          <p:sp>
+            <p:nvSpPr>
+              <p:cNvPr id="3" name="Notes Placeholder 2"/>
+              <p:cNvSpPr>
+                <a:spLocks noGrp="1"/>
+              </p:cNvSpPr>
+              <p:nvPr>
+                <p:ph type="body" idx="1"/>
+              </p:nvPr>
+            </p:nvSpPr>
+            <p:spPr/>
+            <p:txBody>
+              <a:bodyPr/>
+              <a:lstStyle/>
+              <a:p>
+                <a:r>
+                  <a:rPr lang="en-AU" dirty="0"/>
+                  <a:t>- Decay mode has a clear signal at </a:t>
+                </a:r>
+                <a:r>
+                  <a:rPr lang="en-AU" b="0" i="0">
+                    <a:latin typeface="Cambria Math" panose="02040503050406030204" pitchFamily="18" charset="0"/>
+                  </a:rPr>
+                  <a:t>4×10^(−5)</a:t>
+                </a:r>
+                <a:r>
+                  <a:rPr lang="en-AU" dirty="0"/>
+                  <a:t> with 547 signal events and 2475 background events</a:t>
+                </a:r>
+              </a:p>
+            </p:txBody>
+          </p:sp>
+        </mc:Fallback>
+      </mc:AlternateContent>
+      <p:sp>
+        <p:nvSpPr>
+          <p:cNvPr id="4" name="Slide Number Placeholder 3"/>
+          <p:cNvSpPr>
+            <a:spLocks noGrp="1"/>
+          </p:cNvSpPr>
+          <p:nvPr>
+            <p:ph type="sldNum" sz="quarter" idx="5"/>
+          </p:nvPr>
+        </p:nvSpPr>
+        <p:spPr/>
+        <p:txBody>
+          <a:bodyPr/>
+          <a:lstStyle/>
+          <a:p>
+            <a:fld id="{E378E624-F4A5-48BF-9337-C65D85C014DE}" type="slidenum">
+              <a:rPr lang="en-AU" smtClean="0"/>
+              <a:t>19</a:t>
+            </a:fld>
+            <a:endParaRPr lang="en-AU"/>
+          </a:p>
+        </p:txBody>
+      </p:sp>
+    </p:spTree>
+    <p:extLst>
+      <p:ext uri="{BB962C8B-B14F-4D97-AF65-F5344CB8AC3E}">
+        <p14:creationId xmlns:p14="http://schemas.microsoft.com/office/powerpoint/2010/main" val="3462593255"/>
+      </p:ext>
+    </p:extLst>
+  </p:cSld>
+  <p:clrMapOvr>
+    <a:masterClrMapping/>
+  </p:clrMapOvr>
+</p:notes>
+</file>
+
+<file path=ppt/notesSlides/notesSlide2.xml><?xml version="1.0" encoding="utf-8"?>
+<p:notes xmlns:a="http://schemas.openxmlformats.org/drawingml/2006/main" xmlns:r="http://schemas.openxmlformats.org/officeDocument/2006/relationships" xmlns:p="http://schemas.openxmlformats.org/presentationml/2006/main">
+  <p:cSld>
+    <p:spTree>
+      <p:nvGrpSpPr>
+        <p:cNvPr id="1" name=""/>
+        <p:cNvGrpSpPr/>
+        <p:nvPr/>
+      </p:nvGrpSpPr>
+      <p:grpSpPr>
+        <a:xfrm>
+          <a:off x="0" y="0"/>
+          <a:ext cx="0" cy="0"/>
+          <a:chOff x="0" y="0"/>
+          <a:chExt cx="0" cy="0"/>
+        </a:xfrm>
+      </p:grpSpPr>
+      <p:sp>
+        <p:nvSpPr>
+          <p:cNvPr id="2" name="Slide Image Placeholder 1"/>
+          <p:cNvSpPr>
+            <a:spLocks noGrp="1" noRot="1" noChangeAspect="1"/>
+          </p:cNvSpPr>
+          <p:nvPr>
+            <p:ph type="sldImg"/>
+          </p:nvPr>
+        </p:nvSpPr>
+        <p:spPr/>
+      </p:sp>
+      <p:sp>
+        <p:nvSpPr>
+          <p:cNvPr id="3" name="Notes Placeholder 2"/>
+          <p:cNvSpPr>
+            <a:spLocks noGrp="1"/>
+          </p:cNvSpPr>
+          <p:nvPr>
+            <p:ph type="body" idx="1"/>
+          </p:nvPr>
+        </p:nvSpPr>
+        <p:spPr/>
+        <p:txBody>
+          <a:bodyPr/>
+          <a:lstStyle/>
+          <a:p>
+            <a:pPr marL="171450" marR="0" lvl="0" indent="-171450" algn="l" defTabSz="914400" rtl="0" eaLnBrk="1" fontAlgn="auto" latinLnBrk="0" hangingPunct="1">
+              <a:lnSpc>
+                <a:spcPct val="100000"/>
+              </a:lnSpc>
+              <a:spcBef>
+                <a:spcPts val="0"/>
+              </a:spcBef>
+              <a:spcAft>
+                <a:spcPts val="0"/>
+              </a:spcAft>
+              <a:buClrTx/>
+              <a:buSzTx/>
+              <a:buFontTx/>
+              <a:buChar char="-"/>
+              <a:tabLst/>
+              <a:defRPr/>
+            </a:pPr>
+            <a:r>
+              <a:rPr lang="en-AU" dirty="0"/>
+              <a:t>CP symmetry = preserved in EM interactions and violated in weak interactions (e.g. Cronin and Fitch’s study of neutral kaon decay in 1964)</a:t>
+            </a:r>
+          </a:p>
+          <a:p>
+            <a:pPr marL="171450" marR="0" lvl="0" indent="-171450" algn="l" defTabSz="914400" rtl="0" eaLnBrk="1" fontAlgn="auto" latinLnBrk="0" hangingPunct="1">
+              <a:lnSpc>
+                <a:spcPct val="100000"/>
+              </a:lnSpc>
+              <a:spcBef>
+                <a:spcPts val="0"/>
+              </a:spcBef>
+              <a:spcAft>
+                <a:spcPts val="0"/>
+              </a:spcAft>
+              <a:buClrTx/>
+              <a:buSzTx/>
+              <a:buFontTx/>
+              <a:buChar char="-"/>
+              <a:tabLst/>
+              <a:defRPr/>
+            </a:pPr>
+            <a:r>
+              <a:rPr lang="en-AU" dirty="0"/>
+              <a:t>CP violation is not observed experimentally in the strong force, despite being theoretically allowed (Strong CP problem). Significant limitation of the Standard Model</a:t>
+            </a:r>
+          </a:p>
+          <a:p>
+            <a:endParaRPr lang="en-AU" dirty="0"/>
+          </a:p>
+        </p:txBody>
+      </p:sp>
+      <p:sp>
+        <p:nvSpPr>
+          <p:cNvPr id="4" name="Slide Number Placeholder 3"/>
+          <p:cNvSpPr>
+            <a:spLocks noGrp="1"/>
+          </p:cNvSpPr>
+          <p:nvPr>
+            <p:ph type="sldNum" sz="quarter" idx="5"/>
+          </p:nvPr>
+        </p:nvSpPr>
+        <p:spPr/>
+        <p:txBody>
+          <a:bodyPr/>
+          <a:lstStyle/>
+          <a:p>
+            <a:fld id="{E378E624-F4A5-48BF-9337-C65D85C014DE}" type="slidenum">
+              <a:rPr lang="en-AU" smtClean="0"/>
+              <a:t>2</a:t>
+            </a:fld>
+            <a:endParaRPr lang="en-AU"/>
+          </a:p>
+        </p:txBody>
+      </p:sp>
+    </p:spTree>
+    <p:extLst>
+      <p:ext uri="{BB962C8B-B14F-4D97-AF65-F5344CB8AC3E}">
+        <p14:creationId xmlns:p14="http://schemas.microsoft.com/office/powerpoint/2010/main" val="2837674645"/>
+      </p:ext>
+    </p:extLst>
+  </p:cSld>
+  <p:clrMapOvr>
+    <a:masterClrMapping/>
+  </p:clrMapOvr>
+</p:notes>
+</file>
+
+<file path=ppt/notesSlides/notesSlide3.xml><?xml version="1.0" encoding="utf-8"?>
+<p:notes xmlns:a="http://schemas.openxmlformats.org/drawingml/2006/main" xmlns:r="http://schemas.openxmlformats.org/officeDocument/2006/relationships" xmlns:p="http://schemas.openxmlformats.org/presentationml/2006/main">
+  <p:cSld>
+    <p:spTree>
+      <p:nvGrpSpPr>
+        <p:cNvPr id="1" name=""/>
+        <p:cNvGrpSpPr/>
+        <p:nvPr/>
+      </p:nvGrpSpPr>
+      <p:grpSpPr>
+        <a:xfrm>
+          <a:off x="0" y="0"/>
+          <a:ext cx="0" cy="0"/>
+          <a:chOff x="0" y="0"/>
+          <a:chExt cx="0" cy="0"/>
+        </a:xfrm>
+      </p:grpSpPr>
+      <p:sp>
+        <p:nvSpPr>
+          <p:cNvPr id="2" name="Slide Image Placeholder 1"/>
+          <p:cNvSpPr>
+            <a:spLocks noGrp="1" noRot="1" noChangeAspect="1"/>
+          </p:cNvSpPr>
+          <p:nvPr>
+            <p:ph type="sldImg"/>
+          </p:nvPr>
+        </p:nvSpPr>
+        <p:spPr/>
+      </p:sp>
+      <mc:AlternateContent xmlns:mc="http://schemas.openxmlformats.org/markup-compatibility/2006" xmlns:a14="http://schemas.microsoft.com/office/drawing/2010/main">
+        <mc:Choice Requires="a14">
+          <p:sp>
+            <p:nvSpPr>
+              <p:cNvPr id="3" name="Notes Placeholder 2"/>
+              <p:cNvSpPr>
+                <a:spLocks noGrp="1"/>
+              </p:cNvSpPr>
+              <p:nvPr>
+                <p:ph type="body" idx="1"/>
+              </p:nvPr>
+            </p:nvSpPr>
+            <p:spPr/>
+            <p:txBody>
+              <a:bodyPr/>
+              <a:lstStyle/>
+              <a:p>
+                <a:pPr marL="171450" indent="-171450">
+                  <a:buFontTx/>
+                  <a:buChar char="-"/>
+                </a:pPr>
+                <a:r>
+                  <a:rPr lang="en-AU" b="1" dirty="0"/>
+                  <a:t>QED = CP symmetry is preserved. Included the </a:t>
+                </a:r>
+                <a:r>
+                  <a:rPr lang="en-AU" b="1" dirty="0" err="1"/>
+                  <a:t>Lagrangian</a:t>
+                </a:r>
+                <a:r>
+                  <a:rPr lang="en-AU" b="1" dirty="0"/>
+                  <a:t> for comparison purposes</a:t>
+                </a:r>
+              </a:p>
+              <a:p>
+                <a:pPr marL="171450" indent="-171450">
+                  <a:buFontTx/>
+                  <a:buChar char="-"/>
+                </a:pPr>
+                <a:r>
+                  <a:rPr lang="en-AU" b="1" dirty="0"/>
+                  <a:t>Effects of theta term are not observed in QCD. Hence, one concludes that </a:t>
+                </a:r>
+                <a14:m>
+                  <m:oMath xmlns:m="http://schemas.openxmlformats.org/officeDocument/2006/math">
+                    <m:r>
+                      <a:rPr lang="en-AU" b="1" i="1" smtClean="0">
+                        <a:latin typeface="Cambria Math" panose="02040503050406030204" pitchFamily="18" charset="0"/>
+                      </a:rPr>
+                      <m:t>𝜽</m:t>
+                    </m:r>
+                  </m:oMath>
+                </a14:m>
+                <a:r>
+                  <a:rPr lang="en-AU" b="1" dirty="0"/>
+                  <a:t> must be very small</a:t>
+                </a:r>
+              </a:p>
+              <a:p>
+                <a:endParaRPr lang="en-AU" b="1" dirty="0"/>
+              </a:p>
+            </p:txBody>
+          </p:sp>
+        </mc:Choice>
+        <mc:Fallback xmlns="">
+          <p:sp>
+            <p:nvSpPr>
+              <p:cNvPr id="3" name="Notes Placeholder 2"/>
+              <p:cNvSpPr>
+                <a:spLocks noGrp="1"/>
+              </p:cNvSpPr>
+              <p:nvPr>
+                <p:ph type="body" idx="1"/>
+              </p:nvPr>
+            </p:nvSpPr>
+            <p:spPr/>
+            <p:txBody>
+              <a:bodyPr/>
+              <a:lstStyle/>
+              <a:p>
+                <a:pPr marL="171450" indent="-171450">
+                  <a:buFontTx/>
+                  <a:buChar char="-"/>
+                </a:pPr>
+                <a:r>
+                  <a:rPr lang="en-AU" b="1" dirty="0"/>
+                  <a:t>QED = CP symmetry is preserved. Included the </a:t>
+                </a:r>
+                <a:r>
+                  <a:rPr lang="en-AU" b="1" dirty="0" err="1"/>
+                  <a:t>Lagrangian</a:t>
+                </a:r>
+                <a:r>
+                  <a:rPr lang="en-AU" b="1" dirty="0"/>
+                  <a:t> for comparison purposes</a:t>
+                </a:r>
+              </a:p>
+              <a:p>
+                <a:pPr marL="171450" indent="-171450">
+                  <a:buFontTx/>
+                  <a:buChar char="-"/>
+                </a:pPr>
+                <a:r>
+                  <a:rPr lang="en-AU" b="1" dirty="0"/>
+                  <a:t>Effects of theta term are not observed in QCD. Hence, one concludes that </a:t>
+                </a:r>
+                <a:r>
+                  <a:rPr lang="en-AU" b="1" i="0">
+                    <a:latin typeface="Cambria Math" panose="02040503050406030204" pitchFamily="18" charset="0"/>
+                  </a:rPr>
+                  <a:t>𝜽</a:t>
+                </a:r>
+                <a:r>
+                  <a:rPr lang="en-AU" b="1" dirty="0"/>
+                  <a:t> must be very small</a:t>
+                </a:r>
+              </a:p>
+              <a:p>
+                <a:endParaRPr lang="en-AU" b="1" dirty="0"/>
+              </a:p>
+            </p:txBody>
+          </p:sp>
+        </mc:Fallback>
+      </mc:AlternateContent>
+      <p:sp>
+        <p:nvSpPr>
+          <p:cNvPr id="4" name="Slide Number Placeholder 3"/>
+          <p:cNvSpPr>
+            <a:spLocks noGrp="1"/>
+          </p:cNvSpPr>
+          <p:nvPr>
+            <p:ph type="sldNum" sz="quarter" idx="5"/>
+          </p:nvPr>
+        </p:nvSpPr>
+        <p:spPr/>
+        <p:txBody>
+          <a:bodyPr/>
+          <a:lstStyle/>
+          <a:p>
+            <a:fld id="{CB1C56AD-EC86-4840-9BA7-064D59FA2DEC}" type="slidenum">
+              <a:rPr lang="en-AU" smtClean="0"/>
+              <a:t>3</a:t>
+            </a:fld>
+            <a:endParaRPr lang="en-AU"/>
+          </a:p>
+        </p:txBody>
+      </p:sp>
+    </p:spTree>
+    <p:extLst>
+      <p:ext uri="{BB962C8B-B14F-4D97-AF65-F5344CB8AC3E}">
+        <p14:creationId xmlns:p14="http://schemas.microsoft.com/office/powerpoint/2010/main" val="682082831"/>
+      </p:ext>
+    </p:extLst>
+  </p:cSld>
+  <p:clrMapOvr>
+    <a:masterClrMapping/>
+  </p:clrMapOvr>
+</p:notes>
+</file>
+
+<file path=ppt/notesSlides/notesSlide4.xml><?xml version="1.0" encoding="utf-8"?>
+<p:notes xmlns:a="http://schemas.openxmlformats.org/drawingml/2006/main" xmlns:r="http://schemas.openxmlformats.org/officeDocument/2006/relationships" xmlns:p="http://schemas.openxmlformats.org/presentationml/2006/main">
+  <p:cSld>
+    <p:spTree>
+      <p:nvGrpSpPr>
+        <p:cNvPr id="1" name=""/>
+        <p:cNvGrpSpPr/>
+        <p:nvPr/>
+      </p:nvGrpSpPr>
+      <p:grpSpPr>
+        <a:xfrm>
+          <a:off x="0" y="0"/>
+          <a:ext cx="0" cy="0"/>
+          <a:chOff x="0" y="0"/>
+          <a:chExt cx="0" cy="0"/>
+        </a:xfrm>
+      </p:grpSpPr>
+      <p:sp>
+        <p:nvSpPr>
+          <p:cNvPr id="2" name="Slide Image Placeholder 1"/>
+          <p:cNvSpPr>
+            <a:spLocks noGrp="1" noRot="1" noChangeAspect="1"/>
+          </p:cNvSpPr>
+          <p:nvPr>
+            <p:ph type="sldImg"/>
+          </p:nvPr>
+        </p:nvSpPr>
+        <p:spPr/>
+      </p:sp>
+      <mc:AlternateContent xmlns:mc="http://schemas.openxmlformats.org/markup-compatibility/2006" xmlns:a14="http://schemas.microsoft.com/office/drawing/2010/main">
+        <mc:Choice Requires="a14">
+          <p:sp>
+            <p:nvSpPr>
+              <p:cNvPr id="3" name="Notes Placeholder 2"/>
+              <p:cNvSpPr>
+                <a:spLocks noGrp="1"/>
+              </p:cNvSpPr>
+              <p:nvPr>
+                <p:ph type="body" idx="1"/>
+              </p:nvPr>
+            </p:nvSpPr>
+            <p:spPr/>
+            <p:txBody>
+              <a:bodyPr/>
+              <a:lstStyle/>
+              <a:p>
+                <a:pPr marL="171450" indent="-171450">
+                  <a:buFontTx/>
+                  <a:buChar char="-"/>
+                </a:pPr>
+                <a:r>
+                  <a:rPr lang="en-AU" b="1" dirty="0"/>
+                  <a:t>QED = CP symmetry is preserved. Included the </a:t>
+                </a:r>
+                <a:r>
+                  <a:rPr lang="en-AU" b="1" dirty="0" err="1"/>
+                  <a:t>Lagrangian</a:t>
+                </a:r>
+                <a:r>
+                  <a:rPr lang="en-AU" b="1" dirty="0"/>
+                  <a:t> for comparison purposes</a:t>
+                </a:r>
+              </a:p>
+              <a:p>
+                <a:pPr marL="171450" indent="-171450">
+                  <a:buFontTx/>
+                  <a:buChar char="-"/>
+                </a:pPr>
+                <a:r>
+                  <a:rPr lang="en-AU" b="1" dirty="0"/>
+                  <a:t>Effects of theta term are not observed in QCD. Hence, one concludes that </a:t>
+                </a:r>
+                <a14:m>
+                  <m:oMath xmlns:m="http://schemas.openxmlformats.org/officeDocument/2006/math">
+                    <m:r>
+                      <a:rPr lang="en-AU" b="1" i="1" smtClean="0">
+                        <a:latin typeface="Cambria Math" panose="02040503050406030204" pitchFamily="18" charset="0"/>
+                      </a:rPr>
+                      <m:t>𝜽</m:t>
+                    </m:r>
+                  </m:oMath>
+                </a14:m>
+                <a:r>
+                  <a:rPr lang="en-AU" b="1" dirty="0"/>
+                  <a:t> must be very small</a:t>
+                </a:r>
+              </a:p>
+              <a:p>
+                <a:endParaRPr lang="en-AU" b="1" dirty="0"/>
+              </a:p>
+            </p:txBody>
+          </p:sp>
+        </mc:Choice>
+        <mc:Fallback xmlns="">
+          <p:sp>
+            <p:nvSpPr>
+              <p:cNvPr id="3" name="Notes Placeholder 2"/>
+              <p:cNvSpPr>
+                <a:spLocks noGrp="1"/>
+              </p:cNvSpPr>
+              <p:nvPr>
+                <p:ph type="body" idx="1"/>
+              </p:nvPr>
+            </p:nvSpPr>
+            <p:spPr/>
+            <p:txBody>
+              <a:bodyPr/>
+              <a:lstStyle/>
+              <a:p>
+                <a:pPr marL="171450" indent="-171450">
+                  <a:buFontTx/>
+                  <a:buChar char="-"/>
+                </a:pPr>
+                <a:r>
+                  <a:rPr lang="en-AU" b="1" dirty="0"/>
+                  <a:t>QED = CP symmetry is preserved. Included the </a:t>
+                </a:r>
+                <a:r>
+                  <a:rPr lang="en-AU" b="1" dirty="0" err="1"/>
+                  <a:t>Lagrangian</a:t>
+                </a:r>
+                <a:r>
+                  <a:rPr lang="en-AU" b="1" dirty="0"/>
+                  <a:t> for comparison purposes</a:t>
+                </a:r>
+              </a:p>
+              <a:p>
+                <a:pPr marL="171450" indent="-171450">
+                  <a:buFontTx/>
+                  <a:buChar char="-"/>
+                </a:pPr>
+                <a:r>
+                  <a:rPr lang="en-AU" b="1" dirty="0"/>
+                  <a:t>Effects of theta term are not observed in QCD. Hence, one concludes that </a:t>
+                </a:r>
+                <a:r>
+                  <a:rPr lang="en-AU" b="1" i="0">
+                    <a:latin typeface="Cambria Math" panose="02040503050406030204" pitchFamily="18" charset="0"/>
+                  </a:rPr>
+                  <a:t>𝜽</a:t>
+                </a:r>
+                <a:r>
+                  <a:rPr lang="en-AU" b="1" dirty="0"/>
+                  <a:t> must be very small</a:t>
+                </a:r>
+              </a:p>
+              <a:p>
+                <a:endParaRPr lang="en-AU" b="1" dirty="0"/>
+              </a:p>
+            </p:txBody>
+          </p:sp>
+        </mc:Fallback>
+      </mc:AlternateContent>
+      <p:sp>
+        <p:nvSpPr>
+          <p:cNvPr id="4" name="Slide Number Placeholder 3"/>
+          <p:cNvSpPr>
+            <a:spLocks noGrp="1"/>
+          </p:cNvSpPr>
+          <p:nvPr>
+            <p:ph type="sldNum" sz="quarter" idx="5"/>
+          </p:nvPr>
+        </p:nvSpPr>
+        <p:spPr/>
+        <p:txBody>
+          <a:bodyPr/>
+          <a:lstStyle/>
+          <a:p>
+            <a:fld id="{CB1C56AD-EC86-4840-9BA7-064D59FA2DEC}" type="slidenum">
+              <a:rPr lang="en-AU" smtClean="0"/>
+              <a:t>4</a:t>
+            </a:fld>
+            <a:endParaRPr lang="en-AU"/>
+          </a:p>
+        </p:txBody>
+      </p:sp>
+    </p:spTree>
+    <p:extLst>
+      <p:ext uri="{BB962C8B-B14F-4D97-AF65-F5344CB8AC3E}">
+        <p14:creationId xmlns:p14="http://schemas.microsoft.com/office/powerpoint/2010/main" val="2356978814"/>
+      </p:ext>
+    </p:extLst>
+  </p:cSld>
+  <p:clrMapOvr>
+    <a:masterClrMapping/>
+  </p:clrMapOvr>
+</p:notes>
+</file>
+
+<file path=ppt/notesSlides/notesSlide5.xml><?xml version="1.0" encoding="utf-8"?>
+<p:notes xmlns:a="http://schemas.openxmlformats.org/drawingml/2006/main" xmlns:r="http://schemas.openxmlformats.org/officeDocument/2006/relationships" xmlns:p="http://schemas.openxmlformats.org/presentationml/2006/main">
+  <p:cSld>
+    <p:spTree>
+      <p:nvGrpSpPr>
+        <p:cNvPr id="1" name=""/>
+        <p:cNvGrpSpPr/>
+        <p:nvPr/>
+      </p:nvGrpSpPr>
+      <p:grpSpPr>
+        <a:xfrm>
+          <a:off x="0" y="0"/>
+          <a:ext cx="0" cy="0"/>
+          <a:chOff x="0" y="0"/>
+          <a:chExt cx="0" cy="0"/>
+        </a:xfrm>
+      </p:grpSpPr>
+      <p:sp>
+        <p:nvSpPr>
+          <p:cNvPr id="2" name="Slide Image Placeholder 1"/>
+          <p:cNvSpPr>
+            <a:spLocks noGrp="1" noRot="1" noChangeAspect="1"/>
+          </p:cNvSpPr>
+          <p:nvPr>
+            <p:ph type="sldImg"/>
+          </p:nvPr>
+        </p:nvSpPr>
+        <p:spPr/>
+      </p:sp>
+      <p:sp>
+        <p:nvSpPr>
+          <p:cNvPr id="3" name="Notes Placeholder 2"/>
+          <p:cNvSpPr>
+            <a:spLocks noGrp="1"/>
+          </p:cNvSpPr>
+          <p:nvPr>
+            <p:ph type="body" idx="1"/>
+          </p:nvPr>
+        </p:nvSpPr>
+        <p:spPr/>
+        <p:txBody>
+          <a:bodyPr/>
+          <a:lstStyle/>
+          <a:p>
+            <a:pPr marL="171450" indent="-171450">
+              <a:buFontTx/>
+              <a:buChar char="-"/>
+            </a:pPr>
+            <a:r>
+              <a:rPr lang="en-AU" dirty="0"/>
+              <a:t>Absence of experimental evidence of CP violation =&gt; angular terms are close to 0</a:t>
+            </a:r>
+          </a:p>
+          <a:p>
+            <a:pPr marL="171450" indent="-171450">
+              <a:buFontTx/>
+              <a:buChar char="-"/>
+            </a:pPr>
+            <a:r>
+              <a:rPr lang="en-AU" dirty="0"/>
+              <a:t>Experimental measurements of neutron EDM help constrain the value of these terms to below 10^-10 (fine tuning problem)</a:t>
+            </a:r>
+          </a:p>
+          <a:p>
+            <a:pPr marL="171450" indent="-171450">
+              <a:buFontTx/>
+              <a:buChar char="-"/>
+            </a:pPr>
+            <a:r>
+              <a:rPr lang="en-AU" dirty="0"/>
+              <a:t>Can promote theta to a dynamic field by introducing a new symmetry that is spontaneously broken (Peccei and Quinn, 1977)</a:t>
+            </a:r>
+          </a:p>
+          <a:p>
+            <a:pPr marL="171450" indent="-171450">
+              <a:buFontTx/>
+              <a:buChar char="-"/>
+            </a:pPr>
+            <a:r>
+              <a:rPr lang="en-AU" dirty="0"/>
+              <a:t>Theta is a field =&gt; it has a potential and excitations in this potential will produce new particles</a:t>
+            </a:r>
+          </a:p>
+          <a:p>
+            <a:pPr marL="171450" indent="-171450">
+              <a:buFontTx/>
+              <a:buChar char="-"/>
+            </a:pPr>
+            <a:r>
+              <a:rPr lang="en-AU" dirty="0"/>
+              <a:t>New particle = pseudoscalar (spin 0 and odd parity) as known as the </a:t>
+            </a:r>
+            <a:r>
+              <a:rPr lang="en-AU" b="1" dirty="0"/>
+              <a:t>axion (NO EXPERIMENTAL EVIDENCE OF THIS, AND THIS HAS BEEN RULED OUT)</a:t>
+            </a:r>
+          </a:p>
+          <a:p>
+            <a:pPr marL="171450" indent="-171450">
+              <a:buFontTx/>
+              <a:buChar char="-"/>
+            </a:pPr>
+            <a:r>
+              <a:rPr lang="en-AU" dirty="0"/>
+              <a:t>Axion will sit at the bottom of its field potential, thereby leading to CP violating parameters being equal to 0 w/o fine tuning</a:t>
+            </a:r>
+          </a:p>
+          <a:p>
+            <a:pPr marL="171450" indent="-171450">
+              <a:buFontTx/>
+              <a:buChar char="-"/>
+            </a:pPr>
+            <a:endParaRPr lang="en-AU" dirty="0"/>
+          </a:p>
+          <a:p>
+            <a:pPr marL="171450" indent="-171450">
+              <a:buFontTx/>
+              <a:buChar char="-"/>
+            </a:pPr>
+            <a:endParaRPr lang="en-AU" dirty="0"/>
+          </a:p>
+        </p:txBody>
+      </p:sp>
+      <p:sp>
+        <p:nvSpPr>
+          <p:cNvPr id="4" name="Slide Number Placeholder 3"/>
+          <p:cNvSpPr>
+            <a:spLocks noGrp="1"/>
+          </p:cNvSpPr>
+          <p:nvPr>
+            <p:ph type="sldNum" sz="quarter" idx="5"/>
+          </p:nvPr>
+        </p:nvSpPr>
+        <p:spPr/>
+        <p:txBody>
+          <a:bodyPr/>
+          <a:lstStyle/>
+          <a:p>
+            <a:fld id="{CB1C56AD-EC86-4840-9BA7-064D59FA2DEC}" type="slidenum">
+              <a:rPr lang="en-AU" smtClean="0"/>
+              <a:t>5</a:t>
+            </a:fld>
+            <a:endParaRPr lang="en-AU"/>
+          </a:p>
+        </p:txBody>
+      </p:sp>
+    </p:spTree>
+    <p:extLst>
+      <p:ext uri="{BB962C8B-B14F-4D97-AF65-F5344CB8AC3E}">
+        <p14:creationId xmlns:p14="http://schemas.microsoft.com/office/powerpoint/2010/main" val="177860322"/>
+      </p:ext>
+    </p:extLst>
+  </p:cSld>
+  <p:clrMapOvr>
+    <a:masterClrMapping/>
+  </p:clrMapOvr>
+</p:notes>
+</file>
+
+<file path=ppt/notesSlides/notesSlide6.xml><?xml version="1.0" encoding="utf-8"?>
+<p:notes xmlns:a="http://schemas.openxmlformats.org/drawingml/2006/main" xmlns:r="http://schemas.openxmlformats.org/officeDocument/2006/relationships" xmlns:p="http://schemas.openxmlformats.org/presentationml/2006/main">
+  <p:cSld>
+    <p:spTree>
+      <p:nvGrpSpPr>
+        <p:cNvPr id="1" name=""/>
+        <p:cNvGrpSpPr/>
+        <p:nvPr/>
+      </p:nvGrpSpPr>
+      <p:grpSpPr>
+        <a:xfrm>
+          <a:off x="0" y="0"/>
+          <a:ext cx="0" cy="0"/>
+          <a:chOff x="0" y="0"/>
+          <a:chExt cx="0" cy="0"/>
+        </a:xfrm>
+      </p:grpSpPr>
+      <p:sp>
+        <p:nvSpPr>
+          <p:cNvPr id="2" name="Slide Image Placeholder 1"/>
+          <p:cNvSpPr>
+            <a:spLocks noGrp="1" noRot="1" noChangeAspect="1"/>
+          </p:cNvSpPr>
+          <p:nvPr>
+            <p:ph type="sldImg"/>
+          </p:nvPr>
+        </p:nvSpPr>
+        <p:spPr/>
+      </p:sp>
+      <p:sp>
+        <p:nvSpPr>
+          <p:cNvPr id="3" name="Notes Placeholder 2"/>
+          <p:cNvSpPr>
+            <a:spLocks noGrp="1"/>
+          </p:cNvSpPr>
+          <p:nvPr>
+            <p:ph type="body" idx="1"/>
+          </p:nvPr>
+        </p:nvSpPr>
+        <p:spPr/>
+        <p:txBody>
+          <a:bodyPr/>
+          <a:lstStyle/>
+          <a:p>
+            <a:pPr marL="171450" indent="-171450">
+              <a:buFontTx/>
+              <a:buChar char="-"/>
+            </a:pPr>
+            <a:r>
+              <a:rPr lang="en-AU" b="0" dirty="0"/>
+              <a:t>SB of approximate symmetry (NOT PQ symmetry) can generate ALPs (they are similar to axions)</a:t>
+            </a:r>
+          </a:p>
+          <a:p>
+            <a:pPr marL="171450" indent="-171450">
+              <a:buFontTx/>
+              <a:buChar char="-"/>
+            </a:pPr>
+            <a:r>
+              <a:rPr lang="en-AU" b="0" dirty="0"/>
+              <a:t>Masses and couplings to photons are independent for ALPs, whereas they vary inversely in the case of axions</a:t>
+            </a:r>
+          </a:p>
+          <a:p>
+            <a:pPr marL="171450" indent="-171450">
+              <a:buFontTx/>
+              <a:buChar char="-"/>
+            </a:pPr>
+            <a:r>
+              <a:rPr lang="en-AU" b="0" dirty="0"/>
+              <a:t>Couple predominantly to pairs of gauge bosons, depending on model being considered</a:t>
+            </a:r>
+          </a:p>
+          <a:p>
+            <a:pPr marL="171450" indent="-171450">
+              <a:buFontTx/>
+              <a:buChar char="-"/>
+            </a:pPr>
+            <a:r>
+              <a:rPr lang="en-AU" b="0" dirty="0"/>
+              <a:t>Hypothetical, feebly interacting </a:t>
+            </a:r>
+            <a:r>
+              <a:rPr lang="en-AU" b="0" dirty="0" err="1"/>
+              <a:t>pcle</a:t>
+            </a:r>
+            <a:r>
+              <a:rPr lang="en-AU" b="0" dirty="0"/>
+              <a:t> =&gt; Candidate for DM</a:t>
+            </a:r>
+          </a:p>
+          <a:p>
+            <a:pPr marL="171450" indent="-171450">
+              <a:buFontTx/>
+              <a:buChar char="-"/>
+            </a:pPr>
+            <a:r>
+              <a:rPr lang="en-AU" b="0" dirty="0"/>
+              <a:t>Helps solve various astrophysical puzzles (e.g. anomalies in energy loss of white dwarf stars)**</a:t>
+            </a:r>
+          </a:p>
+        </p:txBody>
+      </p:sp>
+      <p:sp>
+        <p:nvSpPr>
+          <p:cNvPr id="4" name="Slide Number Placeholder 3"/>
+          <p:cNvSpPr>
+            <a:spLocks noGrp="1"/>
+          </p:cNvSpPr>
+          <p:nvPr>
+            <p:ph type="sldNum" sz="quarter" idx="5"/>
+          </p:nvPr>
+        </p:nvSpPr>
+        <p:spPr/>
+        <p:txBody>
+          <a:bodyPr/>
+          <a:lstStyle/>
+          <a:p>
+            <a:fld id="{CB1C56AD-EC86-4840-9BA7-064D59FA2DEC}" type="slidenum">
+              <a:rPr lang="en-AU" smtClean="0"/>
+              <a:t>6</a:t>
+            </a:fld>
+            <a:endParaRPr lang="en-AU"/>
+          </a:p>
+        </p:txBody>
+      </p:sp>
+    </p:spTree>
+    <p:extLst>
+      <p:ext uri="{BB962C8B-B14F-4D97-AF65-F5344CB8AC3E}">
+        <p14:creationId xmlns:p14="http://schemas.microsoft.com/office/powerpoint/2010/main" val="3053411718"/>
+      </p:ext>
+    </p:extLst>
+  </p:cSld>
+  <p:clrMapOvr>
+    <a:masterClrMapping/>
+  </p:clrMapOvr>
+</p:notes>
+</file>
+
+<file path=ppt/notesSlides/notesSlide7.xml><?xml version="1.0" encoding="utf-8"?>
+<p:notes xmlns:a="http://schemas.openxmlformats.org/drawingml/2006/main" xmlns:r="http://schemas.openxmlformats.org/officeDocument/2006/relationships" xmlns:p="http://schemas.openxmlformats.org/presentationml/2006/main">
+  <p:cSld>
+    <p:spTree>
+      <p:nvGrpSpPr>
+        <p:cNvPr id="1" name=""/>
+        <p:cNvGrpSpPr/>
+        <p:nvPr/>
+      </p:nvGrpSpPr>
+      <p:grpSpPr>
+        <a:xfrm>
+          <a:off x="0" y="0"/>
+          <a:ext cx="0" cy="0"/>
+          <a:chOff x="0" y="0"/>
+          <a:chExt cx="0" cy="0"/>
+        </a:xfrm>
+      </p:grpSpPr>
+      <p:sp>
+        <p:nvSpPr>
+          <p:cNvPr id="2" name="Slide Image Placeholder 1"/>
+          <p:cNvSpPr>
+            <a:spLocks noGrp="1" noRot="1" noChangeAspect="1"/>
+          </p:cNvSpPr>
+          <p:nvPr>
+            <p:ph type="sldImg"/>
+          </p:nvPr>
+        </p:nvSpPr>
+        <p:spPr/>
+      </p:sp>
+      <p:sp>
+        <p:nvSpPr>
+          <p:cNvPr id="3" name="Notes Placeholder 2"/>
+          <p:cNvSpPr>
+            <a:spLocks noGrp="1"/>
+          </p:cNvSpPr>
+          <p:nvPr>
+            <p:ph type="body" idx="1"/>
+          </p:nvPr>
+        </p:nvSpPr>
+        <p:spPr/>
+        <p:txBody>
+          <a:bodyPr/>
+          <a:lstStyle/>
+          <a:p>
+            <a:pPr marL="171450" indent="-171450">
+              <a:buFontTx/>
+              <a:buChar char="-"/>
+            </a:pPr>
+            <a:r>
+              <a:rPr lang="en-AU" dirty="0"/>
+              <a:t>Spin selection rules =&gt; Axions and ALPs naturally couple to photons</a:t>
+            </a:r>
+          </a:p>
+          <a:p>
+            <a:pPr marL="171450" indent="-171450">
+              <a:buFontTx/>
+              <a:buChar char="-"/>
+            </a:pPr>
+            <a:r>
+              <a:rPr lang="en-AU" dirty="0"/>
+              <a:t>Search strategies generally exploit the (inverse) </a:t>
+            </a:r>
+            <a:r>
+              <a:rPr lang="en-AU" dirty="0" err="1"/>
+              <a:t>Primakoff</a:t>
+            </a:r>
+            <a:r>
+              <a:rPr lang="en-AU" dirty="0"/>
+              <a:t> effect, wherein axions are converted into pairs of photons and vice versa</a:t>
+            </a:r>
+          </a:p>
+          <a:p>
+            <a:pPr marL="171450" indent="-171450">
+              <a:buFontTx/>
+              <a:buChar char="-"/>
+            </a:pPr>
+            <a:r>
+              <a:rPr lang="en-AU" dirty="0"/>
+              <a:t>Notable search strategies include: </a:t>
+            </a:r>
+          </a:p>
+          <a:p>
+            <a:pPr marL="628650" lvl="1" indent="-171450">
+              <a:buFontTx/>
+              <a:buChar char="-"/>
+            </a:pPr>
+            <a:r>
+              <a:rPr lang="en-AU" dirty="0"/>
+              <a:t>LSW: Send laser photons along strong B field and allow for conversion to ALPs on one side of a wall. ALPs might reconvert into photons on the other side of the wall</a:t>
+            </a:r>
+          </a:p>
+          <a:p>
+            <a:pPr marL="628650" lvl="1" indent="-171450">
+              <a:buFontTx/>
+              <a:buChar char="-"/>
+            </a:pPr>
+            <a:r>
+              <a:rPr lang="en-AU" dirty="0"/>
+              <a:t>Helioscope: Detecting solar ALPs which convert into photons in presence of strong B-field</a:t>
+            </a:r>
+          </a:p>
+          <a:p>
+            <a:pPr marL="628650" lvl="1" indent="-171450">
+              <a:buFontTx/>
+              <a:buChar char="-"/>
+            </a:pPr>
+            <a:r>
+              <a:rPr lang="en-AU" dirty="0" err="1"/>
+              <a:t>Haloscope</a:t>
+            </a:r>
+            <a:r>
+              <a:rPr lang="en-AU" dirty="0"/>
+              <a:t>: Direct search for galactic halo DM axions and ALPs in the lab</a:t>
+            </a:r>
+          </a:p>
+          <a:p>
+            <a:pPr marL="628650" lvl="1" indent="-171450">
+              <a:buFontTx/>
+              <a:buChar char="-"/>
+            </a:pPr>
+            <a:endParaRPr lang="en-AU" dirty="0"/>
+          </a:p>
+          <a:p>
+            <a:pPr marL="628650" lvl="1" indent="-171450">
+              <a:buFontTx/>
+              <a:buChar char="-"/>
+            </a:pPr>
+            <a:r>
+              <a:rPr lang="en-AU" dirty="0"/>
+              <a:t>Plot: constraints imposed on the mass and coupling strength to photons of ALPs by the different search strategies. </a:t>
+            </a:r>
+          </a:p>
+        </p:txBody>
+      </p:sp>
+      <p:sp>
+        <p:nvSpPr>
+          <p:cNvPr id="4" name="Slide Number Placeholder 3"/>
+          <p:cNvSpPr>
+            <a:spLocks noGrp="1"/>
+          </p:cNvSpPr>
+          <p:nvPr>
+            <p:ph type="sldNum" sz="quarter" idx="5"/>
+          </p:nvPr>
+        </p:nvSpPr>
+        <p:spPr/>
+        <p:txBody>
+          <a:bodyPr/>
+          <a:lstStyle/>
+          <a:p>
+            <a:fld id="{E378E624-F4A5-48BF-9337-C65D85C014DE}" type="slidenum">
+              <a:rPr lang="en-AU" smtClean="0"/>
+              <a:t>7</a:t>
+            </a:fld>
+            <a:endParaRPr lang="en-AU"/>
+          </a:p>
+        </p:txBody>
+      </p:sp>
+    </p:spTree>
+    <p:extLst>
+      <p:ext uri="{BB962C8B-B14F-4D97-AF65-F5344CB8AC3E}">
+        <p14:creationId xmlns:p14="http://schemas.microsoft.com/office/powerpoint/2010/main" val="2863839789"/>
+      </p:ext>
+    </p:extLst>
+  </p:cSld>
+  <p:clrMapOvr>
+    <a:masterClrMapping/>
+  </p:clrMapOvr>
+</p:notes>
+</file>
+
+<file path=ppt/notesSlides/notesSlide8.xml><?xml version="1.0" encoding="utf-8"?>
+<p:notes xmlns:a="http://schemas.openxmlformats.org/drawingml/2006/main" xmlns:r="http://schemas.openxmlformats.org/officeDocument/2006/relationships" xmlns:p="http://schemas.openxmlformats.org/presentationml/2006/main">
+  <p:cSld>
+    <p:spTree>
+      <p:nvGrpSpPr>
+        <p:cNvPr id="1" name=""/>
+        <p:cNvGrpSpPr/>
+        <p:nvPr/>
+      </p:nvGrpSpPr>
+      <p:grpSpPr>
+        <a:xfrm>
+          <a:off x="0" y="0"/>
+          <a:ext cx="0" cy="0"/>
+          <a:chOff x="0" y="0"/>
+          <a:chExt cx="0" cy="0"/>
+        </a:xfrm>
+      </p:grpSpPr>
+      <p:sp>
+        <p:nvSpPr>
+          <p:cNvPr id="2" name="Slide Image Placeholder 1"/>
+          <p:cNvSpPr>
+            <a:spLocks noGrp="1" noRot="1" noChangeAspect="1"/>
+          </p:cNvSpPr>
+          <p:nvPr>
+            <p:ph type="sldImg"/>
+          </p:nvPr>
+        </p:nvSpPr>
+        <p:spPr/>
+      </p:sp>
+      <p:sp>
+        <p:nvSpPr>
+          <p:cNvPr id="3" name="Notes Placeholder 2"/>
+          <p:cNvSpPr>
+            <a:spLocks noGrp="1"/>
+          </p:cNvSpPr>
+          <p:nvPr>
+            <p:ph type="body" idx="1"/>
+          </p:nvPr>
+        </p:nvSpPr>
+        <p:spPr/>
+        <p:txBody>
+          <a:bodyPr/>
+          <a:lstStyle/>
+          <a:p>
+            <a:r>
+              <a:rPr lang="en-AU" b="1" u="sng" dirty="0"/>
+              <a:t>Analysis steps</a:t>
+            </a:r>
+          </a:p>
+          <a:p>
+            <a:pPr marL="0" indent="0">
+              <a:buNone/>
+            </a:pPr>
+            <a:r>
+              <a:rPr lang="en-AU" sz="1200" b="1" dirty="0"/>
+              <a:t>0.  Set limit on branching fraction of decay of interest using     MC simulated data to determine if analysis is viable/worth pursuing</a:t>
+            </a:r>
+          </a:p>
+          <a:p>
+            <a:pPr marL="457200" indent="-457200">
+              <a:buAutoNum type="arabicPeriod"/>
+            </a:pPr>
+            <a:r>
+              <a:rPr lang="en-AU" sz="1200" b="1" dirty="0"/>
+              <a:t>Event selection (i.e. impose constraints on kinematic and shape variables to distinguish signal </a:t>
+            </a:r>
+            <a:r>
+              <a:rPr lang="en-AU" b="1" dirty="0"/>
+              <a:t>from </a:t>
+            </a:r>
+            <a:r>
+              <a:rPr lang="en-AU" sz="1200" b="1" dirty="0"/>
+              <a:t>background within MC simulated data)</a:t>
+            </a:r>
+          </a:p>
+          <a:p>
+            <a:pPr marL="457200" indent="-457200">
+              <a:buAutoNum type="arabicPeriod"/>
+            </a:pPr>
+            <a:r>
+              <a:rPr lang="en-AU" sz="1200" b="1" dirty="0"/>
+              <a:t>Check optimised event selection against a real data sample to verify that MC simulation models the data</a:t>
+            </a:r>
+          </a:p>
+          <a:p>
+            <a:pPr marL="457200" indent="-457200">
+              <a:buAutoNum type="arabicPeriod"/>
+            </a:pPr>
+            <a:r>
+              <a:rPr lang="en-AU" sz="1200" b="1" dirty="0"/>
+              <a:t>Perform a fit to extract the signal yield</a:t>
+            </a:r>
+          </a:p>
+          <a:p>
+            <a:pPr marL="457200" indent="-457200">
+              <a:buAutoNum type="arabicPeriod"/>
+            </a:pPr>
+            <a:r>
+              <a:rPr lang="en-AU" sz="1200" b="1" dirty="0"/>
+              <a:t>Estimate systematic errors </a:t>
+            </a:r>
+            <a:endParaRPr lang="en-AU" sz="800" b="1" dirty="0"/>
+          </a:p>
+          <a:p>
+            <a:endParaRPr lang="en-AU" dirty="0"/>
+          </a:p>
+        </p:txBody>
+      </p:sp>
+      <p:sp>
+        <p:nvSpPr>
+          <p:cNvPr id="4" name="Slide Number Placeholder 3"/>
+          <p:cNvSpPr>
+            <a:spLocks noGrp="1"/>
+          </p:cNvSpPr>
+          <p:nvPr>
+            <p:ph type="sldNum" sz="quarter" idx="5"/>
+          </p:nvPr>
+        </p:nvSpPr>
+        <p:spPr/>
+        <p:txBody>
+          <a:bodyPr/>
+          <a:lstStyle/>
+          <a:p>
+            <a:fld id="{E378E624-F4A5-48BF-9337-C65D85C014DE}" type="slidenum">
+              <a:rPr lang="en-AU" smtClean="0"/>
+              <a:t>8</a:t>
+            </a:fld>
+            <a:endParaRPr lang="en-AU"/>
+          </a:p>
+        </p:txBody>
+      </p:sp>
+    </p:spTree>
+    <p:extLst>
+      <p:ext uri="{BB962C8B-B14F-4D97-AF65-F5344CB8AC3E}">
+        <p14:creationId xmlns:p14="http://schemas.microsoft.com/office/powerpoint/2010/main" val="3106477125"/>
+      </p:ext>
+    </p:extLst>
+  </p:cSld>
+  <p:clrMapOvr>
+    <a:masterClrMapping/>
+  </p:clrMapOvr>
+</p:notes>
+</file>
+
+<file path=ppt/notesSlides/notesSlide9.xml><?xml version="1.0" encoding="utf-8"?>
+<p:notes xmlns:a="http://schemas.openxmlformats.org/drawingml/2006/main" xmlns:r="http://schemas.openxmlformats.org/officeDocument/2006/relationships" xmlns:p="http://schemas.openxmlformats.org/presentationml/2006/main">
+  <p:cSld>
+    <p:spTree>
+      <p:nvGrpSpPr>
+        <p:cNvPr id="1" name=""/>
+        <p:cNvGrpSpPr/>
+        <p:nvPr/>
+      </p:nvGrpSpPr>
+      <p:grpSpPr>
+        <a:xfrm>
+          <a:off x="0" y="0"/>
+          <a:ext cx="0" cy="0"/>
+          <a:chOff x="0" y="0"/>
+          <a:chExt cx="0" cy="0"/>
+        </a:xfrm>
+      </p:grpSpPr>
+      <p:sp>
+        <p:nvSpPr>
+          <p:cNvPr id="2" name="Slide Image Placeholder 1"/>
+          <p:cNvSpPr>
+            <a:spLocks noGrp="1" noRot="1" noChangeAspect="1"/>
+          </p:cNvSpPr>
+          <p:nvPr>
+            <p:ph type="sldImg"/>
+          </p:nvPr>
+        </p:nvSpPr>
+        <p:spPr/>
+      </p:sp>
+      <p:sp>
+        <p:nvSpPr>
+          <p:cNvPr id="3" name="Notes Placeholder 2"/>
+          <p:cNvSpPr>
+            <a:spLocks noGrp="1"/>
+          </p:cNvSpPr>
+          <p:nvPr>
+            <p:ph type="body" idx="1"/>
+          </p:nvPr>
+        </p:nvSpPr>
+        <p:spPr/>
+        <p:txBody>
+          <a:bodyPr/>
+          <a:lstStyle/>
+          <a:p>
+            <a:pPr marL="171450" indent="-171450">
+              <a:buFontTx/>
+              <a:buChar char="-"/>
+            </a:pPr>
+            <a:r>
+              <a:rPr lang="en-AU" dirty="0"/>
+              <a:t>Seek diphoton resonance structures (contributions from pi0, eta and eta’ in the purple regions in the graph). Otherwise nothing else is of interest</a:t>
+            </a:r>
+          </a:p>
+          <a:p>
+            <a:pPr marL="171450" indent="-171450">
+              <a:buFontTx/>
+              <a:buChar char="-"/>
+            </a:pPr>
+            <a:r>
+              <a:rPr lang="en-AU" dirty="0"/>
+              <a:t>Max mass of ALPs being produced here is 4785.58 MeV (since rest mass of B0 is 5 GeV)</a:t>
+            </a:r>
+          </a:p>
+          <a:p>
+            <a:pPr marL="171450" indent="-171450">
+              <a:buFontTx/>
+              <a:buChar char="-"/>
+            </a:pPr>
+            <a:r>
+              <a:rPr lang="en-AU" dirty="0"/>
+              <a:t>Explain plot in further detail (different coloured regions = different meson-anti-meson pairs produced from e+ e- collisions)</a:t>
+            </a:r>
+          </a:p>
+          <a:p>
+            <a:endParaRPr lang="en-AU" b="1" u="sng" dirty="0"/>
+          </a:p>
+        </p:txBody>
+      </p:sp>
+      <p:sp>
+        <p:nvSpPr>
+          <p:cNvPr id="4" name="Slide Number Placeholder 3"/>
+          <p:cNvSpPr>
+            <a:spLocks noGrp="1"/>
+          </p:cNvSpPr>
+          <p:nvPr>
+            <p:ph type="sldNum" sz="quarter" idx="5"/>
+          </p:nvPr>
+        </p:nvSpPr>
+        <p:spPr/>
+        <p:txBody>
+          <a:bodyPr/>
+          <a:lstStyle/>
+          <a:p>
+            <a:fld id="{CB1C56AD-EC86-4840-9BA7-064D59FA2DEC}" type="slidenum">
+              <a:rPr lang="en-AU" smtClean="0"/>
+              <a:t>9</a:t>
+            </a:fld>
+            <a:endParaRPr lang="en-AU"/>
+          </a:p>
+        </p:txBody>
+      </p:sp>
+    </p:spTree>
+    <p:extLst>
+      <p:ext uri="{BB962C8B-B14F-4D97-AF65-F5344CB8AC3E}">
+        <p14:creationId xmlns:p14="http://schemas.microsoft.com/office/powerpoint/2010/main" val="1674866760"/>
       </p:ext>
     </p:extLst>
   </p:cSld>
@@ -2773,7 +2963,7 @@
           <a:p>
             <a:fld id="{7F566F2C-482B-48A7-BAD4-BFEA4106DEB5}" type="datetimeFigureOut">
               <a:rPr lang="en-AU" smtClean="0"/>
-              <a:t>5/12/2022</a:t>
+              <a:t>16/01/2023</a:t>
             </a:fld>
             <a:endParaRPr lang="en-AU"/>
           </a:p>
@@ -2973,7 +3163,7 @@
           <a:p>
             <a:fld id="{7F566F2C-482B-48A7-BAD4-BFEA4106DEB5}" type="datetimeFigureOut">
               <a:rPr lang="en-AU" smtClean="0"/>
-              <a:t>5/12/2022</a:t>
+              <a:t>16/01/2023</a:t>
             </a:fld>
             <a:endParaRPr lang="en-AU"/>
           </a:p>
@@ -3183,7 +3373,7 @@
           <a:p>
             <a:fld id="{7F566F2C-482B-48A7-BAD4-BFEA4106DEB5}" type="datetimeFigureOut">
               <a:rPr lang="en-AU" smtClean="0"/>
-              <a:t>5/12/2022</a:t>
+              <a:t>16/01/2023</a:t>
             </a:fld>
             <a:endParaRPr lang="en-AU"/>
           </a:p>
@@ -3383,7 +3573,7 @@
           <a:p>
             <a:fld id="{7F566F2C-482B-48A7-BAD4-BFEA4106DEB5}" type="datetimeFigureOut">
               <a:rPr lang="en-AU" smtClean="0"/>
-              <a:t>5/12/2022</a:t>
+              <a:t>16/01/2023</a:t>
             </a:fld>
             <a:endParaRPr lang="en-AU"/>
           </a:p>
@@ -3659,7 +3849,7 @@
           <a:p>
             <a:fld id="{7F566F2C-482B-48A7-BAD4-BFEA4106DEB5}" type="datetimeFigureOut">
               <a:rPr lang="en-AU" smtClean="0"/>
-              <a:t>5/12/2022</a:t>
+              <a:t>16/01/2023</a:t>
             </a:fld>
             <a:endParaRPr lang="en-AU"/>
           </a:p>
@@ -3927,7 +4117,7 @@
           <a:p>
             <a:fld id="{7F566F2C-482B-48A7-BAD4-BFEA4106DEB5}" type="datetimeFigureOut">
               <a:rPr lang="en-AU" smtClean="0"/>
-              <a:t>5/12/2022</a:t>
+              <a:t>16/01/2023</a:t>
             </a:fld>
             <a:endParaRPr lang="en-AU"/>
           </a:p>
@@ -4342,7 +4532,7 @@
           <a:p>
             <a:fld id="{7F566F2C-482B-48A7-BAD4-BFEA4106DEB5}" type="datetimeFigureOut">
               <a:rPr lang="en-AU" smtClean="0"/>
-              <a:t>5/12/2022</a:t>
+              <a:t>16/01/2023</a:t>
             </a:fld>
             <a:endParaRPr lang="en-AU"/>
           </a:p>
@@ -4484,7 +4674,7 @@
           <a:p>
             <a:fld id="{7F566F2C-482B-48A7-BAD4-BFEA4106DEB5}" type="datetimeFigureOut">
               <a:rPr lang="en-AU" smtClean="0"/>
-              <a:t>5/12/2022</a:t>
+              <a:t>16/01/2023</a:t>
             </a:fld>
             <a:endParaRPr lang="en-AU"/>
           </a:p>
@@ -4597,7 +4787,7 @@
           <a:p>
             <a:fld id="{7F566F2C-482B-48A7-BAD4-BFEA4106DEB5}" type="datetimeFigureOut">
               <a:rPr lang="en-AU" smtClean="0"/>
-              <a:t>5/12/2022</a:t>
+              <a:t>16/01/2023</a:t>
             </a:fld>
             <a:endParaRPr lang="en-AU"/>
           </a:p>
@@ -4910,7 +5100,7 @@
           <a:p>
             <a:fld id="{7F566F2C-482B-48A7-BAD4-BFEA4106DEB5}" type="datetimeFigureOut">
               <a:rPr lang="en-AU" smtClean="0"/>
-              <a:t>5/12/2022</a:t>
+              <a:t>16/01/2023</a:t>
             </a:fld>
             <a:endParaRPr lang="en-AU"/>
           </a:p>
@@ -5199,7 +5389,7 @@
           <a:p>
             <a:fld id="{7F566F2C-482B-48A7-BAD4-BFEA4106DEB5}" type="datetimeFigureOut">
               <a:rPr lang="en-AU" smtClean="0"/>
-              <a:t>5/12/2022</a:t>
+              <a:t>16/01/2023</a:t>
             </a:fld>
             <a:endParaRPr lang="en-AU"/>
           </a:p>
@@ -5442,7 +5632,7 @@
           <a:p>
             <a:fld id="{7F566F2C-482B-48A7-BAD4-BFEA4106DEB5}" type="datetimeFigureOut">
               <a:rPr lang="en-AU" smtClean="0"/>
-              <a:t>5/12/2022</a:t>
+              <a:t>16/01/2023</a:t>
             </a:fld>
             <a:endParaRPr lang="en-AU"/>
           </a:p>
@@ -6125,6 +6315,664 @@
           <a:chExt cx="0" cy="0"/>
         </a:xfrm>
       </p:grpSpPr>
+      <mc:AlternateContent xmlns:mc="http://schemas.openxmlformats.org/markup-compatibility/2006" xmlns:a14="http://schemas.microsoft.com/office/drawing/2010/main">
+        <mc:Choice Requires="a14">
+          <p:sp>
+            <p:nvSpPr>
+              <p:cNvPr id="2" name="Title 1">
+                <a:extLst>
+                  <a:ext uri="{FF2B5EF4-FFF2-40B4-BE49-F238E27FC236}">
+                    <a16:creationId xmlns:a16="http://schemas.microsoft.com/office/drawing/2014/main" id="{B5ECDA10-FC12-B283-E606-1D478BF34E6D}"/>
+                  </a:ext>
+                </a:extLst>
+              </p:cNvPr>
+              <p:cNvSpPr>
+                <a:spLocks noGrp="1"/>
+              </p:cNvSpPr>
+              <p:nvPr>
+                <p:ph type="title"/>
+              </p:nvPr>
+            </p:nvSpPr>
+            <p:spPr>
+              <a:xfrm>
+                <a:off x="448734" y="76255"/>
+                <a:ext cx="10905066" cy="1135737"/>
+              </a:xfrm>
+            </p:spPr>
+            <p:txBody>
+              <a:bodyPr>
+                <a:normAutofit/>
+              </a:bodyPr>
+              <a:lstStyle/>
+              <a:p>
+                <a:r>
+                  <a:rPr lang="en-AU" sz="3600" b="1" dirty="0"/>
+                  <a:t>The </a:t>
+                </a:r>
+                <a14:m>
+                  <m:oMath xmlns:m="http://schemas.openxmlformats.org/officeDocument/2006/math">
+                    <m:sSup>
+                      <m:sSupPr>
+                        <m:ctrlPr>
+                          <a:rPr lang="en-AU" sz="3600" b="1" i="1" smtClean="0">
+                            <a:latin typeface="Cambria Math" panose="02040503050406030204" pitchFamily="18" charset="0"/>
+                          </a:rPr>
+                        </m:ctrlPr>
+                      </m:sSupPr>
+                      <m:e>
+                        <m:r>
+                          <a:rPr lang="en-AU" sz="3600" b="1" i="1">
+                            <a:latin typeface="Cambria Math" panose="02040503050406030204" pitchFamily="18" charset="0"/>
+                          </a:rPr>
+                          <m:t>𝑩</m:t>
+                        </m:r>
+                      </m:e>
+                      <m:sup>
+                        <m:r>
+                          <a:rPr lang="en-AU" sz="3600" b="1" i="1" smtClean="0">
+                            <a:latin typeface="Cambria Math" panose="02040503050406030204" pitchFamily="18" charset="0"/>
+                          </a:rPr>
+                          <m:t>𝟎</m:t>
+                        </m:r>
+                      </m:sup>
+                    </m:sSup>
+                    <m:r>
+                      <a:rPr lang="en-AU" sz="3600" b="1" i="1">
+                        <a:latin typeface="Cambria Math" panose="02040503050406030204" pitchFamily="18" charset="0"/>
+                      </a:rPr>
+                      <m:t>→</m:t>
+                    </m:r>
+                    <m:sSup>
+                      <m:sSupPr>
+                        <m:ctrlPr>
+                          <a:rPr lang="en-AU" sz="3600" b="1" i="1">
+                            <a:latin typeface="Cambria Math" panose="02040503050406030204" pitchFamily="18" charset="0"/>
+                          </a:rPr>
+                        </m:ctrlPr>
+                      </m:sSupPr>
+                      <m:e>
+                        <m:r>
+                          <a:rPr lang="en-AU" sz="3600" b="1" i="1">
+                            <a:latin typeface="Cambria Math" panose="02040503050406030204" pitchFamily="18" charset="0"/>
+                          </a:rPr>
+                          <m:t>𝑲</m:t>
+                        </m:r>
+                      </m:e>
+                      <m:sup>
+                        <m:r>
+                          <a:rPr lang="en-AU" sz="3600" b="1" i="1">
+                            <a:latin typeface="Cambria Math" panose="02040503050406030204" pitchFamily="18" charset="0"/>
+                          </a:rPr>
+                          <m:t>∗</m:t>
+                        </m:r>
+                        <m:r>
+                          <a:rPr lang="en-AU" sz="3600" b="1" i="1" smtClean="0">
+                            <a:latin typeface="Cambria Math" panose="02040503050406030204" pitchFamily="18" charset="0"/>
+                          </a:rPr>
+                          <m:t>𝟎</m:t>
+                        </m:r>
+                      </m:sup>
+                    </m:sSup>
+                    <m:sSub>
+                      <m:sSubPr>
+                        <m:ctrlPr>
+                          <a:rPr lang="en-AU" sz="3600" b="1" i="1">
+                            <a:latin typeface="Cambria Math" panose="02040503050406030204" pitchFamily="18" charset="0"/>
+                          </a:rPr>
+                        </m:ctrlPr>
+                      </m:sSubPr>
+                      <m:e>
+                        <m:r>
+                          <a:rPr lang="en-AU" sz="3600" b="1" i="1">
+                            <a:latin typeface="Cambria Math" panose="02040503050406030204" pitchFamily="18" charset="0"/>
+                          </a:rPr>
+                          <m:t>𝒂</m:t>
+                        </m:r>
+                      </m:e>
+                      <m:sub>
+                        <m:r>
+                          <a:rPr lang="en-AU" sz="3600" b="1" i="1">
+                            <a:latin typeface="Cambria Math" panose="02040503050406030204" pitchFamily="18" charset="0"/>
+                          </a:rPr>
+                          <m:t>𝟎</m:t>
+                        </m:r>
+                      </m:sub>
+                    </m:sSub>
+                    <m:r>
+                      <a:rPr lang="en-AU" sz="3600" b="1" i="1">
+                        <a:latin typeface="Cambria Math" panose="02040503050406030204" pitchFamily="18" charset="0"/>
+                      </a:rPr>
+                      <m:t>, </m:t>
+                    </m:r>
+                    <m:sSub>
+                      <m:sSubPr>
+                        <m:ctrlPr>
+                          <a:rPr lang="en-AU" sz="3600" b="1" i="1">
+                            <a:latin typeface="Cambria Math" panose="02040503050406030204" pitchFamily="18" charset="0"/>
+                          </a:rPr>
+                        </m:ctrlPr>
+                      </m:sSubPr>
+                      <m:e>
+                        <m:r>
+                          <a:rPr lang="en-AU" sz="3600" b="1" i="1">
+                            <a:latin typeface="Cambria Math" panose="02040503050406030204" pitchFamily="18" charset="0"/>
+                          </a:rPr>
+                          <m:t>𝒂</m:t>
+                        </m:r>
+                      </m:e>
+                      <m:sub>
+                        <m:r>
+                          <a:rPr lang="en-AU" sz="3600" b="1" i="1">
+                            <a:latin typeface="Cambria Math" panose="02040503050406030204" pitchFamily="18" charset="0"/>
+                          </a:rPr>
+                          <m:t>𝟎</m:t>
+                        </m:r>
+                      </m:sub>
+                    </m:sSub>
+                    <m:r>
+                      <a:rPr lang="en-AU" sz="3600" b="1" i="1">
+                        <a:latin typeface="Cambria Math" panose="02040503050406030204" pitchFamily="18" charset="0"/>
+                      </a:rPr>
+                      <m:t>→</m:t>
+                    </m:r>
+                    <m:r>
+                      <a:rPr lang="en-AU" sz="3600" b="1" i="1">
+                        <a:latin typeface="Cambria Math" panose="02040503050406030204" pitchFamily="18" charset="0"/>
+                      </a:rPr>
+                      <m:t>𝜸𝜸</m:t>
+                    </m:r>
+                  </m:oMath>
+                </a14:m>
+                <a:r>
+                  <a:rPr lang="en-AU" sz="3600" b="1" dirty="0"/>
+                  <a:t> Decay </a:t>
+                </a:r>
+              </a:p>
+            </p:txBody>
+          </p:sp>
+        </mc:Choice>
+        <mc:Fallback xmlns="">
+          <p:sp>
+            <p:nvSpPr>
+              <p:cNvPr id="2" name="Title 1">
+                <a:extLst>
+                  <a:ext uri="{FF2B5EF4-FFF2-40B4-BE49-F238E27FC236}">
+                    <a16:creationId xmlns:a16="http://schemas.microsoft.com/office/drawing/2014/main" id="{B5ECDA10-FC12-B283-E606-1D478BF34E6D}"/>
+                  </a:ext>
+                </a:extLst>
+              </p:cNvPr>
+              <p:cNvSpPr>
+                <a:spLocks noGrp="1" noRot="1" noChangeAspect="1" noMove="1" noResize="1" noEditPoints="1" noAdjustHandles="1" noChangeArrowheads="1" noChangeShapeType="1" noTextEdit="1"/>
+              </p:cNvSpPr>
+              <p:nvPr>
+                <p:ph type="title"/>
+              </p:nvPr>
+            </p:nvSpPr>
+            <p:spPr>
+              <a:xfrm>
+                <a:off x="448734" y="76255"/>
+                <a:ext cx="10905066" cy="1135737"/>
+              </a:xfrm>
+              <a:blipFill>
+                <a:blip r:embed="rId3"/>
+                <a:stretch>
+                  <a:fillRect l="-1733"/>
+                </a:stretch>
+              </a:blipFill>
+            </p:spPr>
+            <p:txBody>
+              <a:bodyPr/>
+              <a:lstStyle/>
+              <a:p>
+                <a:r>
+                  <a:rPr lang="en-AU">
+                    <a:noFill/>
+                  </a:rPr>
+                  <a:t> </a:t>
+                </a:r>
+              </a:p>
+            </p:txBody>
+          </p:sp>
+        </mc:Fallback>
+      </mc:AlternateContent>
+      <mc:AlternateContent xmlns:mc="http://schemas.openxmlformats.org/markup-compatibility/2006" xmlns:a14="http://schemas.microsoft.com/office/drawing/2010/main">
+        <mc:Choice Requires="a14">
+          <p:sp>
+            <p:nvSpPr>
+              <p:cNvPr id="3" name="Content Placeholder 2">
+                <a:extLst>
+                  <a:ext uri="{FF2B5EF4-FFF2-40B4-BE49-F238E27FC236}">
+                    <a16:creationId xmlns:a16="http://schemas.microsoft.com/office/drawing/2014/main" id="{B3EC1574-AF52-9F1E-D58F-B67D112DE722}"/>
+                  </a:ext>
+                </a:extLst>
+              </p:cNvPr>
+              <p:cNvSpPr>
+                <a:spLocks noGrp="1"/>
+              </p:cNvSpPr>
+              <p:nvPr>
+                <p:ph idx="1"/>
+              </p:nvPr>
+            </p:nvSpPr>
+            <p:spPr>
+              <a:xfrm>
+                <a:off x="448734" y="972486"/>
+                <a:ext cx="10905066" cy="4393982"/>
+              </a:xfrm>
+            </p:spPr>
+            <p:txBody>
+              <a:bodyPr>
+                <a:normAutofit/>
+              </a:bodyPr>
+              <a:lstStyle/>
+              <a:p>
+                <a:r>
+                  <a:rPr lang="en-AU" dirty="0"/>
+                  <a:t>Consider model where ALP couples to weak gauge bosons </a:t>
+                </a:r>
+                <a14:m>
+                  <m:oMath xmlns:m="http://schemas.openxmlformats.org/officeDocument/2006/math">
+                    <m:sSup>
+                      <m:sSupPr>
+                        <m:ctrlPr>
+                          <a:rPr lang="en-AU" b="0" i="1">
+                            <a:latin typeface="Cambria Math" panose="02040503050406030204" pitchFamily="18" charset="0"/>
+                          </a:rPr>
+                        </m:ctrlPr>
+                      </m:sSupPr>
+                      <m:e>
+                        <m:r>
+                          <a:rPr lang="en-AU" b="0" i="1">
+                            <a:latin typeface="Cambria Math" panose="02040503050406030204" pitchFamily="18" charset="0"/>
+                          </a:rPr>
+                          <m:t>𝑊</m:t>
+                        </m:r>
+                      </m:e>
+                      <m:sup>
+                        <m:r>
+                          <a:rPr lang="en-AU" b="0" i="1">
+                            <a:latin typeface="Cambria Math" panose="02040503050406030204" pitchFamily="18" charset="0"/>
+                          </a:rPr>
+                          <m:t>±</m:t>
+                        </m:r>
+                      </m:sup>
+                    </m:sSup>
+                  </m:oMath>
+                </a14:m>
+                <a:r>
+                  <a:rPr lang="en-AU" dirty="0"/>
+                  <a:t>, and gives rise to observable signatures (zero coupling with gluons)</a:t>
+                </a:r>
+              </a:p>
+              <a:p>
+                <a:pPr marL="0" indent="0">
+                  <a:buNone/>
+                </a:pPr>
+                <a:endParaRPr lang="en-AU" sz="2000" dirty="0"/>
+              </a:p>
+            </p:txBody>
+          </p:sp>
+        </mc:Choice>
+        <mc:Fallback xmlns="">
+          <p:sp>
+            <p:nvSpPr>
+              <p:cNvPr id="3" name="Content Placeholder 2">
+                <a:extLst>
+                  <a:ext uri="{FF2B5EF4-FFF2-40B4-BE49-F238E27FC236}">
+                    <a16:creationId xmlns:a16="http://schemas.microsoft.com/office/drawing/2014/main" id="{B3EC1574-AF52-9F1E-D58F-B67D112DE722}"/>
+                  </a:ext>
+                </a:extLst>
+              </p:cNvPr>
+              <p:cNvSpPr>
+                <a:spLocks noGrp="1" noRot="1" noChangeAspect="1" noMove="1" noResize="1" noEditPoints="1" noAdjustHandles="1" noChangeArrowheads="1" noChangeShapeType="1" noTextEdit="1"/>
+              </p:cNvSpPr>
+              <p:nvPr>
+                <p:ph idx="1"/>
+              </p:nvPr>
+            </p:nvSpPr>
+            <p:spPr>
+              <a:xfrm>
+                <a:off x="448734" y="972486"/>
+                <a:ext cx="10905066" cy="4393982"/>
+              </a:xfrm>
+              <a:blipFill>
+                <a:blip r:embed="rId4"/>
+                <a:stretch>
+                  <a:fillRect l="-1006" t="-2222"/>
+                </a:stretch>
+              </a:blipFill>
+            </p:spPr>
+            <p:txBody>
+              <a:bodyPr/>
+              <a:lstStyle/>
+              <a:p>
+                <a:r>
+                  <a:rPr lang="en-AU">
+                    <a:noFill/>
+                  </a:rPr>
+                  <a:t> </a:t>
+                </a:r>
+              </a:p>
+            </p:txBody>
+          </p:sp>
+        </mc:Fallback>
+      </mc:AlternateContent>
+      <mc:AlternateContent xmlns:mc="http://schemas.openxmlformats.org/markup-compatibility/2006" xmlns:a14="http://schemas.microsoft.com/office/drawing/2010/main">
+        <mc:Choice Requires="a14">
+          <p:sp>
+            <p:nvSpPr>
+              <p:cNvPr id="17" name="TextBox 16">
+                <a:extLst>
+                  <a:ext uri="{FF2B5EF4-FFF2-40B4-BE49-F238E27FC236}">
+                    <a16:creationId xmlns:a16="http://schemas.microsoft.com/office/drawing/2014/main" id="{76A1A975-FF42-AE3E-9E4A-A47468494B19}"/>
+                  </a:ext>
+                </a:extLst>
+              </p:cNvPr>
+              <p:cNvSpPr txBox="1"/>
+              <p:nvPr/>
+            </p:nvSpPr>
+            <p:spPr>
+              <a:xfrm>
+                <a:off x="286646" y="4897811"/>
+                <a:ext cx="11618708" cy="963597"/>
+              </a:xfrm>
+              <a:prstGeom prst="rect">
+                <a:avLst/>
+              </a:prstGeom>
+              <a:noFill/>
+            </p:spPr>
+            <p:txBody>
+              <a:bodyPr wrap="square" rtlCol="0">
+                <a:spAutoFit/>
+              </a:bodyPr>
+              <a:lstStyle/>
+              <a:p>
+                <a:pPr marL="457200" indent="-457200">
+                  <a:buFont typeface="Arial" panose="020B0604020202020204" pitchFamily="34" charset="0"/>
+                  <a:buChar char="•"/>
+                </a:pPr>
+                <a:r>
+                  <a:rPr lang="en-AU" sz="2800" dirty="0"/>
+                  <a:t>Flavour Changing Neutral Current (FCNC) process </a:t>
+                </a:r>
+                <a14:m>
+                  <m:oMath xmlns:m="http://schemas.openxmlformats.org/officeDocument/2006/math">
+                    <m:r>
+                      <a:rPr lang="en-AU" sz="2800" b="0" i="1" smtClean="0">
+                        <a:latin typeface="Cambria Math" panose="02040503050406030204" pitchFamily="18" charset="0"/>
+                      </a:rPr>
+                      <m:t>(</m:t>
+                    </m:r>
+                    <m:acc>
+                      <m:accPr>
+                        <m:chr m:val="̅"/>
+                        <m:ctrlPr>
+                          <a:rPr lang="en-AU" sz="2800" b="0" i="1" smtClean="0">
+                            <a:latin typeface="Cambria Math" panose="02040503050406030204" pitchFamily="18" charset="0"/>
+                          </a:rPr>
+                        </m:ctrlPr>
+                      </m:accPr>
+                      <m:e>
+                        <m:r>
+                          <a:rPr lang="en-AU" sz="2800" b="0" i="1" smtClean="0">
+                            <a:latin typeface="Cambria Math" panose="02040503050406030204" pitchFamily="18" charset="0"/>
+                          </a:rPr>
+                          <m:t>𝑏</m:t>
+                        </m:r>
+                      </m:e>
+                    </m:acc>
+                    <m:r>
+                      <a:rPr lang="en-AU" sz="2800" b="0" i="1" smtClean="0">
+                        <a:latin typeface="Cambria Math" panose="02040503050406030204" pitchFamily="18" charset="0"/>
+                      </a:rPr>
+                      <m:t>→</m:t>
+                    </m:r>
+                    <m:acc>
+                      <m:accPr>
+                        <m:chr m:val="̅"/>
+                        <m:ctrlPr>
+                          <a:rPr lang="en-AU" sz="2800" b="0" i="1" smtClean="0">
+                            <a:latin typeface="Cambria Math" panose="02040503050406030204" pitchFamily="18" charset="0"/>
+                          </a:rPr>
+                        </m:ctrlPr>
+                      </m:accPr>
+                      <m:e>
+                        <m:r>
+                          <a:rPr lang="en-AU" sz="2800" b="0" i="1" smtClean="0">
+                            <a:latin typeface="Cambria Math" panose="02040503050406030204" pitchFamily="18" charset="0"/>
+                          </a:rPr>
+                          <m:t>𝑠</m:t>
+                        </m:r>
+                      </m:e>
+                    </m:acc>
+                  </m:oMath>
+                </a14:m>
+                <a:r>
+                  <a:rPr lang="en-AU" sz="2800" dirty="0"/>
+                  <a:t> quark transition)</a:t>
+                </a:r>
+              </a:p>
+              <a:p>
+                <a:pPr marL="457200" indent="-457200">
+                  <a:buFont typeface="Arial" panose="020B0604020202020204" pitchFamily="34" charset="0"/>
+                  <a:buChar char="•"/>
+                </a:pPr>
+                <a:r>
+                  <a:rPr lang="en-AU" sz="2800" dirty="0"/>
+                  <a:t>Electroweak penguin decay that proceeds at one-loop level </a:t>
+                </a:r>
+              </a:p>
+            </p:txBody>
+          </p:sp>
+        </mc:Choice>
+        <mc:Fallback xmlns="">
+          <p:sp>
+            <p:nvSpPr>
+              <p:cNvPr id="17" name="TextBox 16">
+                <a:extLst>
+                  <a:ext uri="{FF2B5EF4-FFF2-40B4-BE49-F238E27FC236}">
+                    <a16:creationId xmlns:a16="http://schemas.microsoft.com/office/drawing/2014/main" id="{76A1A975-FF42-AE3E-9E4A-A47468494B19}"/>
+                  </a:ext>
+                </a:extLst>
+              </p:cNvPr>
+              <p:cNvSpPr txBox="1">
+                <a:spLocks noRot="1" noChangeAspect="1" noMove="1" noResize="1" noEditPoints="1" noAdjustHandles="1" noChangeArrowheads="1" noChangeShapeType="1" noTextEdit="1"/>
+              </p:cNvSpPr>
+              <p:nvPr/>
+            </p:nvSpPr>
+            <p:spPr>
+              <a:xfrm>
+                <a:off x="286646" y="4897811"/>
+                <a:ext cx="11618708" cy="963597"/>
+              </a:xfrm>
+              <a:prstGeom prst="rect">
+                <a:avLst/>
+              </a:prstGeom>
+              <a:blipFill>
+                <a:blip r:embed="rId5"/>
+                <a:stretch>
+                  <a:fillRect l="-944" t="-4403" b="-16352"/>
+                </a:stretch>
+              </a:blipFill>
+            </p:spPr>
+            <p:txBody>
+              <a:bodyPr/>
+              <a:lstStyle/>
+              <a:p>
+                <a:r>
+                  <a:rPr lang="en-AU">
+                    <a:noFill/>
+                  </a:rPr>
+                  <a:t> </a:t>
+                </a:r>
+              </a:p>
+            </p:txBody>
+          </p:sp>
+        </mc:Fallback>
+      </mc:AlternateContent>
+      <p:pic>
+        <p:nvPicPr>
+          <p:cNvPr id="7" name="Picture 6">
+            <a:extLst>
+              <a:ext uri="{FF2B5EF4-FFF2-40B4-BE49-F238E27FC236}">
+                <a16:creationId xmlns:a16="http://schemas.microsoft.com/office/drawing/2014/main" id="{165D755A-4860-6A6C-C06B-00C1E7BE6E2D}"/>
+              </a:ext>
+            </a:extLst>
+          </p:cNvPr>
+          <p:cNvPicPr>
+            <a:picLocks noChangeAspect="1"/>
+          </p:cNvPicPr>
+          <p:nvPr/>
+        </p:nvPicPr>
+        <p:blipFill>
+          <a:blip r:embed="rId6"/>
+          <a:stretch>
+            <a:fillRect/>
+          </a:stretch>
+        </p:blipFill>
+        <p:spPr>
+          <a:xfrm>
+            <a:off x="1907844" y="2127663"/>
+            <a:ext cx="7734707" cy="2602673"/>
+          </a:xfrm>
+          <a:prstGeom prst="rect">
+            <a:avLst/>
+          </a:prstGeom>
+          <a:ln>
+            <a:solidFill>
+              <a:schemeClr val="tx1"/>
+            </a:solidFill>
+          </a:ln>
+        </p:spPr>
+      </p:pic>
+      <p:sp>
+        <p:nvSpPr>
+          <p:cNvPr id="4" name="Slide Number Placeholder 3">
+            <a:extLst>
+              <a:ext uri="{FF2B5EF4-FFF2-40B4-BE49-F238E27FC236}">
+                <a16:creationId xmlns:a16="http://schemas.microsoft.com/office/drawing/2014/main" id="{920CDB25-E7FD-4E75-58B2-5FE662D65E8D}"/>
+              </a:ext>
+            </a:extLst>
+          </p:cNvPr>
+          <p:cNvSpPr>
+            <a:spLocks noGrp="1"/>
+          </p:cNvSpPr>
+          <p:nvPr>
+            <p:ph type="sldNum" sz="quarter" idx="12"/>
+          </p:nvPr>
+        </p:nvSpPr>
+        <p:spPr/>
+        <p:txBody>
+          <a:bodyPr/>
+          <a:lstStyle/>
+          <a:p>
+            <a:fld id="{175C9CBA-CF83-41C6-AEB4-7EFDF2719FAA}" type="slidenum">
+              <a:rPr lang="en-AU" smtClean="0"/>
+              <a:t>10</a:t>
+            </a:fld>
+            <a:endParaRPr lang="en-AU" dirty="0"/>
+          </a:p>
+        </p:txBody>
+      </p:sp>
+      <p:sp>
+        <p:nvSpPr>
+          <p:cNvPr id="9" name="TextBox 8">
+            <a:extLst>
+              <a:ext uri="{FF2B5EF4-FFF2-40B4-BE49-F238E27FC236}">
+                <a16:creationId xmlns:a16="http://schemas.microsoft.com/office/drawing/2014/main" id="{B3020A08-A847-F753-4A15-F45104C7E52F}"/>
+              </a:ext>
+            </a:extLst>
+          </p:cNvPr>
+          <p:cNvSpPr txBox="1"/>
+          <p:nvPr/>
+        </p:nvSpPr>
+        <p:spPr>
+          <a:xfrm>
+            <a:off x="448734" y="5958973"/>
+            <a:ext cx="10241280" cy="646331"/>
+          </a:xfrm>
+          <a:prstGeom prst="rect">
+            <a:avLst/>
+          </a:prstGeom>
+          <a:noFill/>
+        </p:spPr>
+        <p:txBody>
+          <a:bodyPr wrap="square">
+            <a:spAutoFit/>
+          </a:bodyPr>
+          <a:lstStyle/>
+          <a:p>
+            <a:r>
+              <a:rPr lang="en-AU" b="1" u="sng" dirty="0"/>
+              <a:t>(R) Image Source:</a:t>
+            </a:r>
+            <a:r>
+              <a:rPr lang="en-AU" b="1" dirty="0"/>
+              <a:t> </a:t>
+            </a:r>
+            <a:r>
+              <a:rPr lang="en-AU" dirty="0">
+                <a:hlinkClick r:id="rId7"/>
+              </a:rPr>
+              <a:t>https://cerncourier.com/a/chasing-new-physics-with-electroweak-penguins/</a:t>
+            </a:r>
+            <a:r>
+              <a:rPr lang="en-AU" dirty="0"/>
+              <a:t> </a:t>
+            </a:r>
+          </a:p>
+          <a:p>
+            <a:r>
+              <a:rPr lang="en-AU" b="1" u="sng" dirty="0"/>
+              <a:t>Source</a:t>
+            </a:r>
+            <a:r>
+              <a:rPr lang="en-AU" b="1" dirty="0"/>
+              <a:t>: </a:t>
+            </a:r>
+            <a:r>
+              <a:rPr lang="en-AU" sz="1800" dirty="0">
+                <a:hlinkClick r:id="rId8"/>
+              </a:rPr>
+              <a:t>https://arxiv.org/abs/1611.09355</a:t>
+            </a:r>
+            <a:r>
+              <a:rPr lang="en-AU" sz="1800" b="1" dirty="0"/>
+              <a:t> </a:t>
+            </a:r>
+            <a:endParaRPr lang="en-AU" b="1" dirty="0"/>
+          </a:p>
+        </p:txBody>
+      </p:sp>
+    </p:spTree>
+    <p:extLst>
+      <p:ext uri="{BB962C8B-B14F-4D97-AF65-F5344CB8AC3E}">
+        <p14:creationId xmlns:p14="http://schemas.microsoft.com/office/powerpoint/2010/main" val="2796773288"/>
+      </p:ext>
+    </p:extLst>
+  </p:cSld>
+  <p:clrMapOvr>
+    <a:masterClrMapping/>
+  </p:clrMapOvr>
+</p:sld>
+</file>
+
+<file path=ppt/slides/slide11.xml><?xml version="1.0" encoding="utf-8"?>
+<p:sld xmlns:a="http://schemas.openxmlformats.org/drawingml/2006/main" xmlns:r="http://schemas.openxmlformats.org/officeDocument/2006/relationships" xmlns:p="http://schemas.openxmlformats.org/presentationml/2006/main">
+  <p:cSld>
+    <p:spTree>
+      <p:nvGrpSpPr>
+        <p:cNvPr id="1" name=""/>
+        <p:cNvGrpSpPr/>
+        <p:nvPr/>
+      </p:nvGrpSpPr>
+      <p:grpSpPr>
+        <a:xfrm>
+          <a:off x="0" y="0"/>
+          <a:ext cx="0" cy="0"/>
+          <a:chOff x="0" y="0"/>
+          <a:chExt cx="0" cy="0"/>
+        </a:xfrm>
+      </p:grpSpPr>
       <p:sp>
         <p:nvSpPr>
           <p:cNvPr id="2" name="Title 1">
@@ -6326,7 +7174,7 @@
           <a:p>
             <a:fld id="{175C9CBA-CF83-41C6-AEB4-7EFDF2719FAA}" type="slidenum">
               <a:rPr lang="en-AU" smtClean="0"/>
-              <a:t>10</a:t>
+              <a:t>11</a:t>
             </a:fld>
             <a:endParaRPr lang="en-AU"/>
           </a:p>
@@ -6345,7 +7193,7 @@
 </p:sld>
 </file>
 
-<file path=ppt/slides/slide11.xml><?xml version="1.0" encoding="utf-8"?>
+<file path=ppt/slides/slide12.xml><?xml version="1.0" encoding="utf-8"?>
 <p:sld xmlns:a="http://schemas.openxmlformats.org/drawingml/2006/main" xmlns:r="http://schemas.openxmlformats.org/officeDocument/2006/relationships" xmlns:p="http://schemas.openxmlformats.org/presentationml/2006/main">
   <p:cSld>
     <p:spTree>
@@ -6390,8 +7238,8 @@
           </a:p>
         </p:txBody>
       </p:sp>
-      <mc:AlternateContent xmlns:mc="http://schemas.openxmlformats.org/markup-compatibility/2006">
-        <mc:Choice xmlns:a14="http://schemas.microsoft.com/office/drawing/2010/main" Requires="a14">
+      <mc:AlternateContent xmlns:mc="http://schemas.openxmlformats.org/markup-compatibility/2006" xmlns:a14="http://schemas.microsoft.com/office/drawing/2010/main">
+        <mc:Choice Requires="a14">
           <p:sp>
             <p:nvSpPr>
               <p:cNvPr id="4" name="Content Placeholder 2">
@@ -8165,7 +9013,7 @@
             </p:txBody>
           </p:sp>
         </mc:Choice>
-        <mc:Fallback>
+        <mc:Fallback xmlns="">
           <p:sp>
             <p:nvSpPr>
               <p:cNvPr id="4" name="Content Placeholder 2">
@@ -8222,7 +9070,7 @@
 </p:sld>
 </file>
 
-<file path=ppt/slides/slide12.xml><?xml version="1.0" encoding="utf-8"?>
+<file path=ppt/slides/slide13.xml><?xml version="1.0" encoding="utf-8"?>
 <p:sld xmlns:a="http://schemas.openxmlformats.org/drawingml/2006/main" xmlns:r="http://schemas.openxmlformats.org/officeDocument/2006/relationships" xmlns:p="http://schemas.openxmlformats.org/presentationml/2006/main">
   <p:cSld>
     <p:spTree>
@@ -8267,8 +9115,8 @@
           </a:p>
         </p:txBody>
       </p:sp>
-      <mc:AlternateContent xmlns:mc="http://schemas.openxmlformats.org/markup-compatibility/2006">
-        <mc:Choice xmlns:a14="http://schemas.microsoft.com/office/drawing/2010/main" Requires="a14">
+      <mc:AlternateContent xmlns:mc="http://schemas.openxmlformats.org/markup-compatibility/2006" xmlns:a14="http://schemas.microsoft.com/office/drawing/2010/main">
+        <mc:Choice Requires="a14">
           <p:sp>
             <p:nvSpPr>
               <p:cNvPr id="3" name="Content Placeholder 2">
@@ -8337,7 +9185,7 @@
             </p:txBody>
           </p:sp>
         </mc:Choice>
-        <mc:Fallback>
+        <mc:Fallback xmlns="">
           <p:sp>
             <p:nvSpPr>
               <p:cNvPr id="3" name="Content Placeholder 2">
@@ -8450,7 +9298,7 @@
 </p:sld>
 </file>
 
-<file path=ppt/slides/slide13.xml><?xml version="1.0" encoding="utf-8"?>
+<file path=ppt/slides/slide14.xml><?xml version="1.0" encoding="utf-8"?>
 <p:sld xmlns:a="http://schemas.openxmlformats.org/drawingml/2006/main" xmlns:r="http://schemas.openxmlformats.org/officeDocument/2006/relationships" xmlns:p="http://schemas.openxmlformats.org/presentationml/2006/main">
   <p:cSld>
     <p:spTree>
@@ -9750,7 +10598,7 @@
 </p:sld>
 </file>
 
-<file path=ppt/slides/slide14.xml><?xml version="1.0" encoding="utf-8"?>
+<file path=ppt/slides/slide15.xml><?xml version="1.0" encoding="utf-8"?>
 <p:sld xmlns:a="http://schemas.openxmlformats.org/drawingml/2006/main" xmlns:r="http://schemas.openxmlformats.org/officeDocument/2006/relationships" xmlns:p="http://schemas.openxmlformats.org/presentationml/2006/main">
   <p:cSld>
     <p:spTree>
@@ -10827,7 +11675,7 @@
 </p:sld>
 </file>
 
-<file path=ppt/slides/slide15.xml><?xml version="1.0" encoding="utf-8"?>
+<file path=ppt/slides/slide16.xml><?xml version="1.0" encoding="utf-8"?>
 <p:sld xmlns:a="http://schemas.openxmlformats.org/drawingml/2006/main" xmlns:r="http://schemas.openxmlformats.org/officeDocument/2006/relationships" xmlns:p="http://schemas.openxmlformats.org/presentationml/2006/main">
   <p:cSld>
     <p:spTree>
@@ -10927,7 +11775,7 @@
           <a:p>
             <a:fld id="{175C9CBA-CF83-41C6-AEB4-7EFDF2719FAA}" type="slidenum">
               <a:rPr lang="en-AU" smtClean="0"/>
-              <a:t>15</a:t>
+              <a:t>16</a:t>
             </a:fld>
             <a:endParaRPr lang="en-AU"/>
           </a:p>
@@ -10987,7 +11835,7 @@
 </p:sld>
 </file>
 
-<file path=ppt/slides/slide16.xml><?xml version="1.0" encoding="utf-8"?>
+<file path=ppt/slides/slide17.xml><?xml version="1.0" encoding="utf-8"?>
 <p:sld xmlns:a="http://schemas.openxmlformats.org/drawingml/2006/main" xmlns:r="http://schemas.openxmlformats.org/officeDocument/2006/relationships" xmlns:p="http://schemas.openxmlformats.org/presentationml/2006/main">
   <p:cSld>
     <p:bg>
@@ -11225,7 +12073,7 @@
 </p:sld>
 </file>
 
-<file path=ppt/slides/slide17.xml><?xml version="1.0" encoding="utf-8"?>
+<file path=ppt/slides/slide18.xml><?xml version="1.0" encoding="utf-8"?>
 <p:sld xmlns:a="http://schemas.openxmlformats.org/drawingml/2006/main" xmlns:r="http://schemas.openxmlformats.org/officeDocument/2006/relationships" xmlns:p="http://schemas.openxmlformats.org/presentationml/2006/main">
   <p:cSld>
     <p:spTree>
@@ -11348,7 +12196,7 @@
 </p:sld>
 </file>
 
-<file path=ppt/slides/slide18.xml><?xml version="1.0" encoding="utf-8"?>
+<file path=ppt/slides/slide19.xml><?xml version="1.0" encoding="utf-8"?>
 <p:sld xmlns:a="http://schemas.openxmlformats.org/drawingml/2006/main" xmlns:r="http://schemas.openxmlformats.org/officeDocument/2006/relationships" xmlns:p="http://schemas.openxmlformats.org/presentationml/2006/main">
   <p:cSld>
     <p:spTree>
@@ -13063,6 +13911,771 @@
         </p:nvSpPr>
         <p:spPr>
           <a:xfrm>
+            <a:off x="643467" y="170636"/>
+            <a:ext cx="10905066" cy="1135737"/>
+          </a:xfrm>
+        </p:spPr>
+        <p:txBody>
+          <a:bodyPr>
+            <a:normAutofit/>
+          </a:bodyPr>
+          <a:lstStyle/>
+          <a:p>
+            <a:r>
+              <a:rPr lang="en-AU" b="1" dirty="0"/>
+              <a:t>The Strong CP Problem</a:t>
+            </a:r>
+          </a:p>
+        </p:txBody>
+      </p:sp>
+      <p:sp>
+        <p:nvSpPr>
+          <p:cNvPr id="3" name="Content Placeholder 2">
+            <a:extLst>
+              <a:ext uri="{FF2B5EF4-FFF2-40B4-BE49-F238E27FC236}">
+                <a16:creationId xmlns:a16="http://schemas.microsoft.com/office/drawing/2014/main" id="{03EF8E62-727A-267C-1A8A-E9FF5A29E5C2}"/>
+              </a:ext>
+            </a:extLst>
+          </p:cNvPr>
+          <p:cNvSpPr>
+            <a:spLocks noGrp="1"/>
+          </p:cNvSpPr>
+          <p:nvPr>
+            <p:ph idx="1"/>
+          </p:nvPr>
+        </p:nvSpPr>
+        <p:spPr>
+          <a:xfrm>
+            <a:off x="643467" y="1782981"/>
+            <a:ext cx="10905066" cy="4393982"/>
+          </a:xfrm>
+        </p:spPr>
+        <p:txBody>
+          <a:bodyPr>
+            <a:normAutofit/>
+          </a:bodyPr>
+          <a:lstStyle/>
+          <a:p>
+            <a:pPr marL="0" indent="0">
+              <a:buNone/>
+            </a:pPr>
+            <a:endParaRPr lang="en-AU" sz="2000" dirty="0"/>
+          </a:p>
+          <a:p>
+            <a:pPr marL="0" indent="0">
+              <a:buNone/>
+            </a:pPr>
+            <a:r>
+              <a:rPr lang="en-AU" sz="2000" dirty="0"/>
+              <a:t>T</a:t>
+            </a:r>
+          </a:p>
+        </p:txBody>
+      </p:sp>
+      <p:sp>
+        <p:nvSpPr>
+          <p:cNvPr id="6" name="TextBox 5">
+            <a:extLst>
+              <a:ext uri="{FF2B5EF4-FFF2-40B4-BE49-F238E27FC236}">
+                <a16:creationId xmlns:a16="http://schemas.microsoft.com/office/drawing/2014/main" id="{76C8B74E-0B35-001E-1AC6-E3075FCE6FE1}"/>
+              </a:ext>
+            </a:extLst>
+          </p:cNvPr>
+          <p:cNvSpPr txBox="1"/>
+          <p:nvPr/>
+        </p:nvSpPr>
+        <p:spPr>
+          <a:xfrm>
+            <a:off x="443604" y="1155818"/>
+            <a:ext cx="10163225" cy="2523768"/>
+          </a:xfrm>
+          <a:prstGeom prst="rect">
+            <a:avLst/>
+          </a:prstGeom>
+          <a:noFill/>
+        </p:spPr>
+        <p:txBody>
+          <a:bodyPr wrap="square">
+            <a:spAutoFit/>
+          </a:bodyPr>
+          <a:lstStyle/>
+          <a:p>
+            <a:pPr marL="457200" indent="-457200">
+              <a:buFont typeface="Arial" panose="020B0604020202020204" pitchFamily="34" charset="0"/>
+              <a:buChar char="•"/>
+            </a:pPr>
+            <a:r>
+              <a:rPr lang="en-AU" sz="2800" dirty="0"/>
+              <a:t>CP violation is </a:t>
+            </a:r>
+            <a:r>
+              <a:rPr lang="en-AU" sz="2800" b="1" dirty="0"/>
+              <a:t>theoretically permitted </a:t>
+            </a:r>
+            <a:r>
+              <a:rPr lang="en-AU" sz="2800" dirty="0"/>
+              <a:t>in the strong force (QCD) but there is </a:t>
+            </a:r>
+            <a:r>
+              <a:rPr lang="en-AU" sz="2800" b="1" dirty="0"/>
+              <a:t>no experimental evidence of this</a:t>
+            </a:r>
+            <a:endParaRPr lang="en-AU" sz="2800" dirty="0"/>
+          </a:p>
+          <a:p>
+            <a:pPr marL="457200" indent="-457200">
+              <a:buFont typeface="Arial" panose="020B0604020202020204" pitchFamily="34" charset="0"/>
+              <a:buChar char="•"/>
+            </a:pPr>
+            <a:r>
+              <a:rPr lang="en-AU" sz="2800" dirty="0"/>
+              <a:t>QED </a:t>
+            </a:r>
+            <a:r>
+              <a:rPr lang="en-AU" sz="2800" dirty="0" err="1"/>
+              <a:t>Lagrangian</a:t>
+            </a:r>
+            <a:r>
+              <a:rPr lang="en-AU" sz="2800" dirty="0"/>
+              <a:t> (electromagnetism):</a:t>
+            </a:r>
+          </a:p>
+          <a:p>
+            <a:pPr marL="457200" indent="-457200">
+              <a:buFont typeface="Arial" panose="020B0604020202020204" pitchFamily="34" charset="0"/>
+              <a:buChar char="•"/>
+            </a:pPr>
+            <a:endParaRPr lang="en-AU" sz="2800" dirty="0"/>
+          </a:p>
+          <a:p>
+            <a:endParaRPr lang="en-AU" sz="2800" dirty="0"/>
+          </a:p>
+          <a:p>
+            <a:pPr marL="0" indent="0">
+              <a:buNone/>
+            </a:pPr>
+            <a:endParaRPr lang="en-AU" dirty="0"/>
+          </a:p>
+        </p:txBody>
+      </p:sp>
+      <p:pic>
+        <p:nvPicPr>
+          <p:cNvPr id="9" name="Picture 8">
+            <a:extLst>
+              <a:ext uri="{FF2B5EF4-FFF2-40B4-BE49-F238E27FC236}">
+                <a16:creationId xmlns:a16="http://schemas.microsoft.com/office/drawing/2014/main" id="{78867E7E-208C-5554-42D9-4B554384BA89}"/>
+              </a:ext>
+            </a:extLst>
+          </p:cNvPr>
+          <p:cNvPicPr>
+            <a:picLocks noChangeAspect="1"/>
+          </p:cNvPicPr>
+          <p:nvPr/>
+        </p:nvPicPr>
+        <p:blipFill>
+          <a:blip r:embed="rId3"/>
+          <a:stretch>
+            <a:fillRect/>
+          </a:stretch>
+        </p:blipFill>
+        <p:spPr>
+          <a:xfrm>
+            <a:off x="670705" y="4032996"/>
+            <a:ext cx="9398925" cy="1079510"/>
+          </a:xfrm>
+          <a:prstGeom prst="rect">
+            <a:avLst/>
+          </a:prstGeom>
+          <a:ln w="28575">
+            <a:solidFill>
+              <a:schemeClr val="bg1"/>
+            </a:solidFill>
+          </a:ln>
+        </p:spPr>
+      </p:pic>
+      <p:sp>
+        <p:nvSpPr>
+          <p:cNvPr id="15" name="TextBox 14">
+            <a:extLst>
+              <a:ext uri="{FF2B5EF4-FFF2-40B4-BE49-F238E27FC236}">
+                <a16:creationId xmlns:a16="http://schemas.microsoft.com/office/drawing/2014/main" id="{FDF82B90-0A45-E25D-9D0A-B80392915EF9}"/>
+              </a:ext>
+            </a:extLst>
+          </p:cNvPr>
+          <p:cNvSpPr txBox="1"/>
+          <p:nvPr/>
+        </p:nvSpPr>
+        <p:spPr>
+          <a:xfrm>
+            <a:off x="221560" y="6197689"/>
+            <a:ext cx="12192000" cy="615553"/>
+          </a:xfrm>
+          <a:prstGeom prst="rect">
+            <a:avLst/>
+          </a:prstGeom>
+          <a:noFill/>
+        </p:spPr>
+        <p:txBody>
+          <a:bodyPr wrap="square">
+            <a:spAutoFit/>
+          </a:bodyPr>
+          <a:lstStyle/>
+          <a:p>
+            <a:r>
+              <a:rPr lang="en-US" sz="1700" dirty="0" err="1">
+                <a:latin typeface="Arial" panose="020B0604020202020204" pitchFamily="34" charset="0"/>
+              </a:rPr>
+              <a:t>D.Tong</a:t>
+            </a:r>
+            <a:r>
+              <a:rPr lang="en-US" sz="1700" dirty="0">
+                <a:latin typeface="Arial" panose="020B0604020202020204" pitchFamily="34" charset="0"/>
+              </a:rPr>
+              <a:t>, </a:t>
+            </a:r>
+            <a:r>
+              <a:rPr lang="en-US" sz="1700" i="1" dirty="0">
+                <a:latin typeface="Arial" panose="020B0604020202020204" pitchFamily="34" charset="0"/>
+              </a:rPr>
+              <a:t>Lectures in Quantum Field Theory: </a:t>
+            </a:r>
+            <a:r>
+              <a:rPr lang="en-US" sz="1700" dirty="0">
+                <a:latin typeface="Arial" panose="020B0604020202020204" pitchFamily="34" charset="0"/>
+                <a:hlinkClick r:id="rId4"/>
+              </a:rPr>
+              <a:t>https://www.damtp.cam.ac.uk/user/tong/qft/one.pdf</a:t>
+            </a:r>
+            <a:r>
+              <a:rPr lang="en-US" sz="1700" dirty="0">
+                <a:latin typeface="Arial" panose="020B0604020202020204" pitchFamily="34" charset="0"/>
+              </a:rPr>
+              <a:t> </a:t>
+            </a:r>
+            <a:endParaRPr lang="en-US" sz="1700" dirty="0">
+              <a:effectLst/>
+              <a:latin typeface="Arial" panose="020B0604020202020204" pitchFamily="34" charset="0"/>
+            </a:endParaRPr>
+          </a:p>
+          <a:p>
+            <a:r>
+              <a:rPr lang="en-US" sz="1700" dirty="0">
+                <a:effectLst/>
+                <a:latin typeface="Arial" panose="020B0604020202020204" pitchFamily="34" charset="0"/>
+              </a:rPr>
+              <a:t>C.T. Chan, </a:t>
+            </a:r>
+            <a:r>
+              <a:rPr lang="en-US" sz="1700" i="1" dirty="0">
+                <a:effectLst/>
+                <a:latin typeface="Arial" panose="020B0604020202020204" pitchFamily="34" charset="0"/>
+              </a:rPr>
+              <a:t>On the Symmetry Constraints of CP Violations</a:t>
+            </a:r>
+            <a:r>
+              <a:rPr lang="en-US" sz="1700" dirty="0">
+                <a:effectLst/>
+                <a:latin typeface="Arial" panose="020B0604020202020204" pitchFamily="34" charset="0"/>
+              </a:rPr>
+              <a:t> </a:t>
+            </a:r>
+            <a:r>
+              <a:rPr lang="en-US" sz="1700" i="1" dirty="0">
+                <a:effectLst/>
+                <a:latin typeface="Arial" panose="020B0604020202020204" pitchFamily="34" charset="0"/>
+              </a:rPr>
+              <a:t>in QCD</a:t>
+            </a:r>
+            <a:r>
+              <a:rPr lang="en-US" sz="1700" dirty="0">
+                <a:latin typeface="Arial" panose="020B0604020202020204" pitchFamily="34" charset="0"/>
+              </a:rPr>
+              <a:t>: </a:t>
+            </a:r>
+            <a:r>
+              <a:rPr lang="en-US" sz="1700" dirty="0">
+                <a:latin typeface="Arial" panose="020B0604020202020204" pitchFamily="34" charset="0"/>
+                <a:hlinkClick r:id="rId5"/>
+              </a:rPr>
+              <a:t>https://arxiv.org/pdf/hep-ph/9704427.pdf</a:t>
+            </a:r>
+            <a:r>
+              <a:rPr lang="en-US" sz="1700" dirty="0">
+                <a:latin typeface="Arial" panose="020B0604020202020204" pitchFamily="34" charset="0"/>
+              </a:rPr>
+              <a:t> </a:t>
+            </a:r>
+            <a:endParaRPr lang="en-AU" sz="1700" dirty="0"/>
+          </a:p>
+        </p:txBody>
+      </p:sp>
+      <p:sp>
+        <p:nvSpPr>
+          <p:cNvPr id="25" name="TextBox 24">
+            <a:extLst>
+              <a:ext uri="{FF2B5EF4-FFF2-40B4-BE49-F238E27FC236}">
+                <a16:creationId xmlns:a16="http://schemas.microsoft.com/office/drawing/2014/main" id="{8BA8138F-4E81-8E37-0824-B19CF62AFB90}"/>
+              </a:ext>
+            </a:extLst>
+          </p:cNvPr>
+          <p:cNvSpPr txBox="1"/>
+          <p:nvPr/>
+        </p:nvSpPr>
+        <p:spPr>
+          <a:xfrm>
+            <a:off x="443604" y="3492423"/>
+            <a:ext cx="9754696" cy="954107"/>
+          </a:xfrm>
+          <a:prstGeom prst="rect">
+            <a:avLst/>
+          </a:prstGeom>
+          <a:noFill/>
+        </p:spPr>
+        <p:txBody>
+          <a:bodyPr wrap="square" rtlCol="0">
+            <a:spAutoFit/>
+          </a:bodyPr>
+          <a:lstStyle/>
+          <a:p>
+            <a:pPr marL="457200" indent="-457200">
+              <a:buFont typeface="Arial" panose="020B0604020202020204" pitchFamily="34" charset="0"/>
+              <a:buChar char="•"/>
+            </a:pPr>
+            <a:r>
+              <a:rPr lang="en-AU" sz="2800" dirty="0"/>
+              <a:t>Consider the QCD (strong) </a:t>
+            </a:r>
+            <a:r>
+              <a:rPr lang="en-AU" sz="2800" dirty="0" err="1"/>
+              <a:t>Lagrangian</a:t>
+            </a:r>
+            <a:r>
+              <a:rPr lang="en-AU" sz="2800" dirty="0"/>
+              <a:t> written in the following form: </a:t>
+            </a:r>
+          </a:p>
+        </p:txBody>
+      </p:sp>
+      <p:sp>
+        <p:nvSpPr>
+          <p:cNvPr id="28" name="Rectangle 27">
+            <a:extLst>
+              <a:ext uri="{FF2B5EF4-FFF2-40B4-BE49-F238E27FC236}">
+                <a16:creationId xmlns:a16="http://schemas.microsoft.com/office/drawing/2014/main" id="{4882A424-6203-B188-E702-126F33E91353}"/>
+              </a:ext>
+            </a:extLst>
+          </p:cNvPr>
+          <p:cNvSpPr/>
+          <p:nvPr/>
+        </p:nvSpPr>
+        <p:spPr>
+          <a:xfrm>
+            <a:off x="4422773" y="4120051"/>
+            <a:ext cx="1894787" cy="802742"/>
+          </a:xfrm>
+          <a:prstGeom prst="rect">
+            <a:avLst/>
+          </a:prstGeom>
+          <a:noFill/>
+          <a:ln w="28575">
+            <a:solidFill>
+              <a:srgbClr val="FF0000"/>
+            </a:solidFill>
+          </a:ln>
+        </p:spPr>
+        <p:style>
+          <a:lnRef idx="2">
+            <a:schemeClr val="accent1">
+              <a:shade val="50000"/>
+            </a:schemeClr>
+          </a:lnRef>
+          <a:fillRef idx="1">
+            <a:schemeClr val="accent1"/>
+          </a:fillRef>
+          <a:effectRef idx="0">
+            <a:schemeClr val="accent1"/>
+          </a:effectRef>
+          <a:fontRef idx="minor">
+            <a:schemeClr val="lt1"/>
+          </a:fontRef>
+        </p:style>
+        <p:txBody>
+          <a:bodyPr rtlCol="0" anchor="ctr"/>
+          <a:lstStyle/>
+          <a:p>
+            <a:pPr algn="ctr"/>
+            <a:endParaRPr lang="en-AU"/>
+          </a:p>
+        </p:txBody>
+      </p:sp>
+      <mc:AlternateContent xmlns:mc="http://schemas.openxmlformats.org/markup-compatibility/2006" xmlns:a14="http://schemas.microsoft.com/office/drawing/2010/main">
+        <mc:Choice Requires="a14">
+          <p:sp>
+            <p:nvSpPr>
+              <p:cNvPr id="32" name="TextBox 31">
+                <a:extLst>
+                  <a:ext uri="{FF2B5EF4-FFF2-40B4-BE49-F238E27FC236}">
+                    <a16:creationId xmlns:a16="http://schemas.microsoft.com/office/drawing/2014/main" id="{0737AFD6-7B17-B035-92EB-989BF4899676}"/>
+                  </a:ext>
+                </a:extLst>
+              </p:cNvPr>
+              <p:cNvSpPr txBox="1"/>
+              <p:nvPr/>
+            </p:nvSpPr>
+            <p:spPr>
+              <a:xfrm>
+                <a:off x="670705" y="5063128"/>
+                <a:ext cx="9836192" cy="1231106"/>
+              </a:xfrm>
+              <a:prstGeom prst="rect">
+                <a:avLst/>
+              </a:prstGeom>
+              <a:noFill/>
+            </p:spPr>
+            <p:txBody>
+              <a:bodyPr wrap="square" rtlCol="0">
+                <a:spAutoFit/>
+              </a:bodyPr>
+              <a:lstStyle/>
+              <a:p>
+                <a:pPr marL="457200" indent="-457200">
+                  <a:buFont typeface="Arial" panose="020B0604020202020204" pitchFamily="34" charset="0"/>
+                  <a:buChar char="•"/>
+                </a:pPr>
+                <a:r>
+                  <a:rPr lang="en-AU" sz="2800" dirty="0"/>
+                  <a:t>The effects of the </a:t>
+                </a:r>
+                <a14:m>
+                  <m:oMath xmlns:m="http://schemas.openxmlformats.org/officeDocument/2006/math">
+                    <m:r>
+                      <a:rPr lang="en-AU" sz="2800" b="0" i="1" smtClean="0">
+                        <a:latin typeface="Cambria Math" panose="02040503050406030204" pitchFamily="18" charset="0"/>
+                      </a:rPr>
+                      <m:t>𝜃</m:t>
+                    </m:r>
+                  </m:oMath>
+                </a14:m>
+                <a:r>
+                  <a:rPr lang="en-AU" sz="2800" dirty="0"/>
+                  <a:t>-dependent term are not observed experimentally. </a:t>
+                </a:r>
+                <a:r>
+                  <a:rPr lang="en-AU" sz="2800" b="1" dirty="0"/>
+                  <a:t>Hence, </a:t>
+                </a:r>
+                <a14:m>
+                  <m:oMath xmlns:m="http://schemas.openxmlformats.org/officeDocument/2006/math">
+                    <m:r>
+                      <a:rPr lang="en-AU" sz="2800" b="1" i="1" smtClean="0">
+                        <a:latin typeface="Cambria Math" panose="02040503050406030204" pitchFamily="18" charset="0"/>
+                      </a:rPr>
+                      <m:t>𝜽</m:t>
+                    </m:r>
+                  </m:oMath>
+                </a14:m>
+                <a:r>
+                  <a:rPr lang="en-AU" sz="2800" b="1" dirty="0"/>
+                  <a:t> must be very small</a:t>
+                </a:r>
+              </a:p>
+              <a:p>
+                <a:endParaRPr lang="en-AU" dirty="0"/>
+              </a:p>
+            </p:txBody>
+          </p:sp>
+        </mc:Choice>
+        <mc:Fallback xmlns="">
+          <p:sp>
+            <p:nvSpPr>
+              <p:cNvPr id="32" name="TextBox 31">
+                <a:extLst>
+                  <a:ext uri="{FF2B5EF4-FFF2-40B4-BE49-F238E27FC236}">
+                    <a16:creationId xmlns:a16="http://schemas.microsoft.com/office/drawing/2014/main" id="{0737AFD6-7B17-B035-92EB-989BF4899676}"/>
+                  </a:ext>
+                </a:extLst>
+              </p:cNvPr>
+              <p:cNvSpPr txBox="1">
+                <a:spLocks noRot="1" noChangeAspect="1" noMove="1" noResize="1" noEditPoints="1" noAdjustHandles="1" noChangeArrowheads="1" noChangeShapeType="1" noTextEdit="1"/>
+              </p:cNvSpPr>
+              <p:nvPr/>
+            </p:nvSpPr>
+            <p:spPr>
+              <a:xfrm>
+                <a:off x="670705" y="5063128"/>
+                <a:ext cx="9836192" cy="1231106"/>
+              </a:xfrm>
+              <a:prstGeom prst="rect">
+                <a:avLst/>
+              </a:prstGeom>
+              <a:blipFill>
+                <a:blip r:embed="rId6"/>
+                <a:stretch>
+                  <a:fillRect l="-1115" t="-4950"/>
+                </a:stretch>
+              </a:blipFill>
+            </p:spPr>
+            <p:txBody>
+              <a:bodyPr/>
+              <a:lstStyle/>
+              <a:p>
+                <a:r>
+                  <a:rPr lang="en-AU">
+                    <a:noFill/>
+                  </a:rPr>
+                  <a:t> </a:t>
+                </a:r>
+              </a:p>
+            </p:txBody>
+          </p:sp>
+        </mc:Fallback>
+      </mc:AlternateContent>
+      <p:sp>
+        <p:nvSpPr>
+          <p:cNvPr id="33" name="Slide Number Placeholder 32">
+            <a:extLst>
+              <a:ext uri="{FF2B5EF4-FFF2-40B4-BE49-F238E27FC236}">
+                <a16:creationId xmlns:a16="http://schemas.microsoft.com/office/drawing/2014/main" id="{1B89AE3C-18BD-F931-750C-2EF6F41E05F2}"/>
+              </a:ext>
+            </a:extLst>
+          </p:cNvPr>
+          <p:cNvSpPr>
+            <a:spLocks noGrp="1"/>
+          </p:cNvSpPr>
+          <p:nvPr>
+            <p:ph type="sldNum" sz="quarter" idx="12"/>
+          </p:nvPr>
+        </p:nvSpPr>
+        <p:spPr/>
+        <p:txBody>
+          <a:bodyPr/>
+          <a:lstStyle/>
+          <a:p>
+            <a:fld id="{175C9CBA-CF83-41C6-AEB4-7EFDF2719FAA}" type="slidenum">
+              <a:rPr lang="en-AU" smtClean="0"/>
+              <a:t>4</a:t>
+            </a:fld>
+            <a:endParaRPr lang="en-AU"/>
+          </a:p>
+        </p:txBody>
+      </p:sp>
+      <p:pic>
+        <p:nvPicPr>
+          <p:cNvPr id="35" name="Picture 34">
+            <a:extLst>
+              <a:ext uri="{FF2B5EF4-FFF2-40B4-BE49-F238E27FC236}">
+                <a16:creationId xmlns:a16="http://schemas.microsoft.com/office/drawing/2014/main" id="{3D49F92B-257B-2D22-CAD5-1726CD714521}"/>
+              </a:ext>
+            </a:extLst>
+          </p:cNvPr>
+          <p:cNvPicPr>
+            <a:picLocks noChangeAspect="1"/>
+          </p:cNvPicPr>
+          <p:nvPr/>
+        </p:nvPicPr>
+        <p:blipFill>
+          <a:blip r:embed="rId7"/>
+          <a:stretch>
+            <a:fillRect/>
+          </a:stretch>
+        </p:blipFill>
+        <p:spPr>
+          <a:xfrm>
+            <a:off x="1816621" y="2559008"/>
+            <a:ext cx="7020966" cy="998307"/>
+          </a:xfrm>
+          <a:prstGeom prst="rect">
+            <a:avLst/>
+          </a:prstGeom>
+        </p:spPr>
+      </p:pic>
+    </p:spTree>
+    <p:extLst>
+      <p:ext uri="{BB962C8B-B14F-4D97-AF65-F5344CB8AC3E}">
+        <p14:creationId xmlns:p14="http://schemas.microsoft.com/office/powerpoint/2010/main" val="1308229976"/>
+      </p:ext>
+    </p:extLst>
+  </p:cSld>
+  <p:clrMapOvr>
+    <a:masterClrMapping/>
+  </p:clrMapOvr>
+  <p:timing>
+    <p:tnLst>
+      <p:par>
+        <p:cTn id="1" dur="indefinite" restart="never" nodeType="tmRoot">
+          <p:childTnLst>
+            <p:seq concurrent="1" nextAc="seek">
+              <p:cTn id="2" dur="indefinite" nodeType="mainSeq">
+                <p:childTnLst>
+                  <p:par>
+                    <p:cTn id="3" fill="hold">
+                      <p:stCondLst>
+                        <p:cond delay="indefinite"/>
+                      </p:stCondLst>
+                      <p:childTnLst>
+                        <p:par>
+                          <p:cTn id="4" fill="hold">
+                            <p:stCondLst>
+                              <p:cond delay="0"/>
+                            </p:stCondLst>
+                            <p:childTnLst>
+                              <p:par>
+                                <p:cTn id="5" presetID="10" presetClass="entr" presetSubtype="0" fill="hold" nodeType="clickEffect">
+                                  <p:stCondLst>
+                                    <p:cond delay="0"/>
+                                  </p:stCondLst>
+                                  <p:childTnLst>
+                                    <p:set>
+                                      <p:cBhvr>
+                                        <p:cTn id="6" dur="1" fill="hold">
+                                          <p:stCondLst>
+                                            <p:cond delay="0"/>
+                                          </p:stCondLst>
+                                        </p:cTn>
+                                        <p:tgtEl>
+                                          <p:spTgt spid="9"/>
+                                        </p:tgtEl>
+                                        <p:attrNameLst>
+                                          <p:attrName>style.visibility</p:attrName>
+                                        </p:attrNameLst>
+                                      </p:cBhvr>
+                                      <p:to>
+                                        <p:strVal val="visible"/>
+                                      </p:to>
+                                    </p:set>
+                                    <p:animEffect transition="in" filter="fade">
+                                      <p:cBhvr>
+                                        <p:cTn id="7" dur="500"/>
+                                        <p:tgtEl>
+                                          <p:spTgt spid="9"/>
+                                        </p:tgtEl>
+                                      </p:cBhvr>
+                                    </p:animEffect>
+                                  </p:childTnLst>
+                                </p:cTn>
+                              </p:par>
+                            </p:childTnLst>
+                          </p:cTn>
+                        </p:par>
+                      </p:childTnLst>
+                    </p:cTn>
+                  </p:par>
+                  <p:par>
+                    <p:cTn id="8" fill="hold">
+                      <p:stCondLst>
+                        <p:cond delay="indefinite"/>
+                      </p:stCondLst>
+                      <p:childTnLst>
+                        <p:par>
+                          <p:cTn id="9" fill="hold">
+                            <p:stCondLst>
+                              <p:cond delay="0"/>
+                            </p:stCondLst>
+                            <p:childTnLst>
+                              <p:par>
+                                <p:cTn id="10" presetID="10" presetClass="entr" presetSubtype="0" fill="hold" grpId="0" nodeType="clickEffect">
+                                  <p:stCondLst>
+                                    <p:cond delay="0"/>
+                                  </p:stCondLst>
+                                  <p:childTnLst>
+                                    <p:set>
+                                      <p:cBhvr>
+                                        <p:cTn id="11" dur="1" fill="hold">
+                                          <p:stCondLst>
+                                            <p:cond delay="0"/>
+                                          </p:stCondLst>
+                                        </p:cTn>
+                                        <p:tgtEl>
+                                          <p:spTgt spid="28"/>
+                                        </p:tgtEl>
+                                        <p:attrNameLst>
+                                          <p:attrName>style.visibility</p:attrName>
+                                        </p:attrNameLst>
+                                      </p:cBhvr>
+                                      <p:to>
+                                        <p:strVal val="visible"/>
+                                      </p:to>
+                                    </p:set>
+                                    <p:animEffect transition="in" filter="fade">
+                                      <p:cBhvr>
+                                        <p:cTn id="12" dur="500"/>
+                                        <p:tgtEl>
+                                          <p:spTgt spid="28"/>
+                                        </p:tgtEl>
+                                      </p:cBhvr>
+                                    </p:animEffect>
+                                  </p:childTnLst>
+                                </p:cTn>
+                              </p:par>
+                            </p:childTnLst>
+                          </p:cTn>
+                        </p:par>
+                      </p:childTnLst>
+                    </p:cTn>
+                  </p:par>
+                </p:childTnLst>
+              </p:cTn>
+              <p:prevCondLst>
+                <p:cond evt="onPrev" delay="0">
+                  <p:tgtEl>
+                    <p:sldTgt/>
+                  </p:tgtEl>
+                </p:cond>
+              </p:prevCondLst>
+              <p:nextCondLst>
+                <p:cond evt="onNext" delay="0">
+                  <p:tgtEl>
+                    <p:sldTgt/>
+                  </p:tgtEl>
+                </p:cond>
+              </p:nextCondLst>
+            </p:seq>
+          </p:childTnLst>
+        </p:cTn>
+      </p:par>
+    </p:tnLst>
+    <p:bldLst>
+      <p:bldP spid="28" grpId="0" animBg="1"/>
+    </p:bldLst>
+  </p:timing>
+</p:sld>
+</file>
+
+<file path=ppt/slides/slide5.xml><?xml version="1.0" encoding="utf-8"?>
+<p:sld xmlns:a="http://schemas.openxmlformats.org/drawingml/2006/main" xmlns:r="http://schemas.openxmlformats.org/officeDocument/2006/relationships" xmlns:p="http://schemas.openxmlformats.org/presentationml/2006/main">
+  <p:cSld>
+    <p:spTree>
+      <p:nvGrpSpPr>
+        <p:cNvPr id="1" name=""/>
+        <p:cNvGrpSpPr/>
+        <p:nvPr/>
+      </p:nvGrpSpPr>
+      <p:grpSpPr>
+        <a:xfrm>
+          <a:off x="0" y="0"/>
+          <a:ext cx="0" cy="0"/>
+          <a:chOff x="0" y="0"/>
+          <a:chExt cx="0" cy="0"/>
+        </a:xfrm>
+      </p:grpSpPr>
+      <p:sp>
+        <p:nvSpPr>
+          <p:cNvPr id="2" name="Title 1">
+            <a:extLst>
+              <a:ext uri="{FF2B5EF4-FFF2-40B4-BE49-F238E27FC236}">
+                <a16:creationId xmlns:a16="http://schemas.microsoft.com/office/drawing/2014/main" id="{C7DA674B-5153-9C25-CDC6-4BEC042A806F}"/>
+              </a:ext>
+            </a:extLst>
+          </p:cNvPr>
+          <p:cNvSpPr>
+            <a:spLocks noGrp="1"/>
+          </p:cNvSpPr>
+          <p:nvPr>
+            <p:ph type="title"/>
+          </p:nvPr>
+        </p:nvSpPr>
+        <p:spPr>
+          <a:xfrm>
             <a:off x="643467" y="321734"/>
             <a:ext cx="10905066" cy="1135737"/>
           </a:xfrm>
@@ -13680,7 +15293,7 @@
           <a:p>
             <a:fld id="{175C9CBA-CF83-41C6-AEB4-7EFDF2719FAA}" type="slidenum">
               <a:rPr lang="en-AU" smtClean="0"/>
-              <a:t>4</a:t>
+              <a:t>5</a:t>
             </a:fld>
             <a:endParaRPr lang="en-AU"/>
           </a:p>
@@ -13767,7 +15380,7 @@
     </p:spTree>
     <p:extLst>
       <p:ext uri="{BB962C8B-B14F-4D97-AF65-F5344CB8AC3E}">
-        <p14:creationId xmlns:p14="http://schemas.microsoft.com/office/powerpoint/2010/main" val="1566237490"/>
+        <p14:creationId xmlns:p14="http://schemas.microsoft.com/office/powerpoint/2010/main" val="309047406"/>
       </p:ext>
     </p:extLst>
   </p:cSld>
@@ -13924,7 +15537,7 @@
 </p:sld>
 </file>
 
-<file path=ppt/slides/slide5.xml><?xml version="1.0" encoding="utf-8"?>
+<file path=ppt/slides/slide6.xml><?xml version="1.0" encoding="utf-8"?>
 <p:sld xmlns:a="http://schemas.openxmlformats.org/drawingml/2006/main" xmlns:r="http://schemas.openxmlformats.org/officeDocument/2006/relationships" xmlns:p="http://schemas.openxmlformats.org/presentationml/2006/main">
   <p:cSld>
     <p:spTree>
@@ -14306,7 +15919,7 @@
           <a:p>
             <a:fld id="{175C9CBA-CF83-41C6-AEB4-7EFDF2719FAA}" type="slidenum">
               <a:rPr lang="en-AU" smtClean="0"/>
-              <a:t>5</a:t>
+              <a:t>6</a:t>
             </a:fld>
             <a:endParaRPr lang="en-AU"/>
           </a:p>
@@ -14325,7 +15938,7 @@
 </p:sld>
 </file>
 
-<file path=ppt/slides/slide6.xml><?xml version="1.0" encoding="utf-8"?>
+<file path=ppt/slides/slide7.xml><?xml version="1.0" encoding="utf-8"?>
 <p:sld xmlns:a="http://schemas.openxmlformats.org/drawingml/2006/main" xmlns:r="http://schemas.openxmlformats.org/officeDocument/2006/relationships" xmlns:p="http://schemas.openxmlformats.org/presentationml/2006/main">
   <p:cSld>
     <p:bg>
@@ -14806,7 +16419,7 @@
 </p:sld>
 </file>
 
-<file path=ppt/slides/slide7.xml><?xml version="1.0" encoding="utf-8"?>
+<file path=ppt/slides/slide8.xml><?xml version="1.0" encoding="utf-8"?>
 <p:sld xmlns:a="http://schemas.openxmlformats.org/drawingml/2006/main" xmlns:r="http://schemas.openxmlformats.org/officeDocument/2006/relationships" xmlns:p="http://schemas.openxmlformats.org/presentationml/2006/main">
   <p:cSld>
     <p:spTree>
@@ -14905,7 +16518,7 @@
         </p:nvSpPr>
         <p:spPr>
           <a:xfrm>
-            <a:off x="744220" y="1381260"/>
+            <a:off x="721360" y="1381260"/>
             <a:ext cx="10556240" cy="4095480"/>
           </a:xfrm>
           <a:prstGeom prst="rect">
@@ -15237,7 +16850,7 @@
 </p:sld>
 </file>
 
-<file path=ppt/slides/slide8.xml><?xml version="1.0" encoding="utf-8"?>
+<file path=ppt/slides/slide9.xml><?xml version="1.0" encoding="utf-8"?>
 <p:sld xmlns:a="http://schemas.openxmlformats.org/drawingml/2006/main" xmlns:r="http://schemas.openxmlformats.org/officeDocument/2006/relationships" xmlns:p="http://schemas.openxmlformats.org/presentationml/2006/main">
   <p:cSld>
     <p:spTree>
@@ -15762,7 +17375,7 @@
           <a:p>
             <a:fld id="{175C9CBA-CF83-41C6-AEB4-7EFDF2719FAA}" type="slidenum">
               <a:rPr lang="en-AU" smtClean="0"/>
-              <a:t>8</a:t>
+              <a:t>9</a:t>
             </a:fld>
             <a:endParaRPr lang="en-AU"/>
           </a:p>
@@ -15821,664 +17434,6 @@
     <p:extLst>
       <p:ext uri="{BB962C8B-B14F-4D97-AF65-F5344CB8AC3E}">
         <p14:creationId xmlns:p14="http://schemas.microsoft.com/office/powerpoint/2010/main" val="2900530296"/>
-      </p:ext>
-    </p:extLst>
-  </p:cSld>
-  <p:clrMapOvr>
-    <a:masterClrMapping/>
-  </p:clrMapOvr>
-</p:sld>
-</file>
-
-<file path=ppt/slides/slide9.xml><?xml version="1.0" encoding="utf-8"?>
-<p:sld xmlns:a="http://schemas.openxmlformats.org/drawingml/2006/main" xmlns:r="http://schemas.openxmlformats.org/officeDocument/2006/relationships" xmlns:p="http://schemas.openxmlformats.org/presentationml/2006/main">
-  <p:cSld>
-    <p:spTree>
-      <p:nvGrpSpPr>
-        <p:cNvPr id="1" name=""/>
-        <p:cNvGrpSpPr/>
-        <p:nvPr/>
-      </p:nvGrpSpPr>
-      <p:grpSpPr>
-        <a:xfrm>
-          <a:off x="0" y="0"/>
-          <a:ext cx="0" cy="0"/>
-          <a:chOff x="0" y="0"/>
-          <a:chExt cx="0" cy="0"/>
-        </a:xfrm>
-      </p:grpSpPr>
-      <mc:AlternateContent xmlns:mc="http://schemas.openxmlformats.org/markup-compatibility/2006" xmlns:a14="http://schemas.microsoft.com/office/drawing/2010/main">
-        <mc:Choice Requires="a14">
-          <p:sp>
-            <p:nvSpPr>
-              <p:cNvPr id="2" name="Title 1">
-                <a:extLst>
-                  <a:ext uri="{FF2B5EF4-FFF2-40B4-BE49-F238E27FC236}">
-                    <a16:creationId xmlns:a16="http://schemas.microsoft.com/office/drawing/2014/main" id="{B5ECDA10-FC12-B283-E606-1D478BF34E6D}"/>
-                  </a:ext>
-                </a:extLst>
-              </p:cNvPr>
-              <p:cNvSpPr>
-                <a:spLocks noGrp="1"/>
-              </p:cNvSpPr>
-              <p:nvPr>
-                <p:ph type="title"/>
-              </p:nvPr>
-            </p:nvSpPr>
-            <p:spPr>
-              <a:xfrm>
-                <a:off x="448734" y="76255"/>
-                <a:ext cx="10905066" cy="1135737"/>
-              </a:xfrm>
-            </p:spPr>
-            <p:txBody>
-              <a:bodyPr>
-                <a:normAutofit/>
-              </a:bodyPr>
-              <a:lstStyle/>
-              <a:p>
-                <a:r>
-                  <a:rPr lang="en-AU" sz="3600" b="1" dirty="0"/>
-                  <a:t>The </a:t>
-                </a:r>
-                <a14:m>
-                  <m:oMath xmlns:m="http://schemas.openxmlformats.org/officeDocument/2006/math">
-                    <m:sSup>
-                      <m:sSupPr>
-                        <m:ctrlPr>
-                          <a:rPr lang="en-AU" sz="3600" b="1" i="1" smtClean="0">
-                            <a:latin typeface="Cambria Math" panose="02040503050406030204" pitchFamily="18" charset="0"/>
-                          </a:rPr>
-                        </m:ctrlPr>
-                      </m:sSupPr>
-                      <m:e>
-                        <m:r>
-                          <a:rPr lang="en-AU" sz="3600" b="1" i="1">
-                            <a:latin typeface="Cambria Math" panose="02040503050406030204" pitchFamily="18" charset="0"/>
-                          </a:rPr>
-                          <m:t>𝑩</m:t>
-                        </m:r>
-                      </m:e>
-                      <m:sup>
-                        <m:r>
-                          <a:rPr lang="en-AU" sz="3600" b="1" i="1" smtClean="0">
-                            <a:latin typeface="Cambria Math" panose="02040503050406030204" pitchFamily="18" charset="0"/>
-                          </a:rPr>
-                          <m:t>𝟎</m:t>
-                        </m:r>
-                      </m:sup>
-                    </m:sSup>
-                    <m:r>
-                      <a:rPr lang="en-AU" sz="3600" b="1" i="1">
-                        <a:latin typeface="Cambria Math" panose="02040503050406030204" pitchFamily="18" charset="0"/>
-                      </a:rPr>
-                      <m:t>→</m:t>
-                    </m:r>
-                    <m:sSup>
-                      <m:sSupPr>
-                        <m:ctrlPr>
-                          <a:rPr lang="en-AU" sz="3600" b="1" i="1">
-                            <a:latin typeface="Cambria Math" panose="02040503050406030204" pitchFamily="18" charset="0"/>
-                          </a:rPr>
-                        </m:ctrlPr>
-                      </m:sSupPr>
-                      <m:e>
-                        <m:r>
-                          <a:rPr lang="en-AU" sz="3600" b="1" i="1">
-                            <a:latin typeface="Cambria Math" panose="02040503050406030204" pitchFamily="18" charset="0"/>
-                          </a:rPr>
-                          <m:t>𝑲</m:t>
-                        </m:r>
-                      </m:e>
-                      <m:sup>
-                        <m:r>
-                          <a:rPr lang="en-AU" sz="3600" b="1" i="1">
-                            <a:latin typeface="Cambria Math" panose="02040503050406030204" pitchFamily="18" charset="0"/>
-                          </a:rPr>
-                          <m:t>∗</m:t>
-                        </m:r>
-                        <m:r>
-                          <a:rPr lang="en-AU" sz="3600" b="1" i="1" smtClean="0">
-                            <a:latin typeface="Cambria Math" panose="02040503050406030204" pitchFamily="18" charset="0"/>
-                          </a:rPr>
-                          <m:t>𝟎</m:t>
-                        </m:r>
-                      </m:sup>
-                    </m:sSup>
-                    <m:sSub>
-                      <m:sSubPr>
-                        <m:ctrlPr>
-                          <a:rPr lang="en-AU" sz="3600" b="1" i="1">
-                            <a:latin typeface="Cambria Math" panose="02040503050406030204" pitchFamily="18" charset="0"/>
-                          </a:rPr>
-                        </m:ctrlPr>
-                      </m:sSubPr>
-                      <m:e>
-                        <m:r>
-                          <a:rPr lang="en-AU" sz="3600" b="1" i="1">
-                            <a:latin typeface="Cambria Math" panose="02040503050406030204" pitchFamily="18" charset="0"/>
-                          </a:rPr>
-                          <m:t>𝒂</m:t>
-                        </m:r>
-                      </m:e>
-                      <m:sub>
-                        <m:r>
-                          <a:rPr lang="en-AU" sz="3600" b="1" i="1">
-                            <a:latin typeface="Cambria Math" panose="02040503050406030204" pitchFamily="18" charset="0"/>
-                          </a:rPr>
-                          <m:t>𝟎</m:t>
-                        </m:r>
-                      </m:sub>
-                    </m:sSub>
-                    <m:r>
-                      <a:rPr lang="en-AU" sz="3600" b="1" i="1">
-                        <a:latin typeface="Cambria Math" panose="02040503050406030204" pitchFamily="18" charset="0"/>
-                      </a:rPr>
-                      <m:t>, </m:t>
-                    </m:r>
-                    <m:sSub>
-                      <m:sSubPr>
-                        <m:ctrlPr>
-                          <a:rPr lang="en-AU" sz="3600" b="1" i="1">
-                            <a:latin typeface="Cambria Math" panose="02040503050406030204" pitchFamily="18" charset="0"/>
-                          </a:rPr>
-                        </m:ctrlPr>
-                      </m:sSubPr>
-                      <m:e>
-                        <m:r>
-                          <a:rPr lang="en-AU" sz="3600" b="1" i="1">
-                            <a:latin typeface="Cambria Math" panose="02040503050406030204" pitchFamily="18" charset="0"/>
-                          </a:rPr>
-                          <m:t>𝒂</m:t>
-                        </m:r>
-                      </m:e>
-                      <m:sub>
-                        <m:r>
-                          <a:rPr lang="en-AU" sz="3600" b="1" i="1">
-                            <a:latin typeface="Cambria Math" panose="02040503050406030204" pitchFamily="18" charset="0"/>
-                          </a:rPr>
-                          <m:t>𝟎</m:t>
-                        </m:r>
-                      </m:sub>
-                    </m:sSub>
-                    <m:r>
-                      <a:rPr lang="en-AU" sz="3600" b="1" i="1">
-                        <a:latin typeface="Cambria Math" panose="02040503050406030204" pitchFamily="18" charset="0"/>
-                      </a:rPr>
-                      <m:t>→</m:t>
-                    </m:r>
-                    <m:r>
-                      <a:rPr lang="en-AU" sz="3600" b="1" i="1">
-                        <a:latin typeface="Cambria Math" panose="02040503050406030204" pitchFamily="18" charset="0"/>
-                      </a:rPr>
-                      <m:t>𝜸𝜸</m:t>
-                    </m:r>
-                  </m:oMath>
-                </a14:m>
-                <a:r>
-                  <a:rPr lang="en-AU" sz="3600" b="1" dirty="0"/>
-                  <a:t> Decay </a:t>
-                </a:r>
-              </a:p>
-            </p:txBody>
-          </p:sp>
-        </mc:Choice>
-        <mc:Fallback xmlns="">
-          <p:sp>
-            <p:nvSpPr>
-              <p:cNvPr id="2" name="Title 1">
-                <a:extLst>
-                  <a:ext uri="{FF2B5EF4-FFF2-40B4-BE49-F238E27FC236}">
-                    <a16:creationId xmlns:a16="http://schemas.microsoft.com/office/drawing/2014/main" id="{B5ECDA10-FC12-B283-E606-1D478BF34E6D}"/>
-                  </a:ext>
-                </a:extLst>
-              </p:cNvPr>
-              <p:cNvSpPr>
-                <a:spLocks noGrp="1" noRot="1" noChangeAspect="1" noMove="1" noResize="1" noEditPoints="1" noAdjustHandles="1" noChangeArrowheads="1" noChangeShapeType="1" noTextEdit="1"/>
-              </p:cNvSpPr>
-              <p:nvPr>
-                <p:ph type="title"/>
-              </p:nvPr>
-            </p:nvSpPr>
-            <p:spPr>
-              <a:xfrm>
-                <a:off x="448734" y="76255"/>
-                <a:ext cx="10905066" cy="1135737"/>
-              </a:xfrm>
-              <a:blipFill>
-                <a:blip r:embed="rId3"/>
-                <a:stretch>
-                  <a:fillRect l="-1733"/>
-                </a:stretch>
-              </a:blipFill>
-            </p:spPr>
-            <p:txBody>
-              <a:bodyPr/>
-              <a:lstStyle/>
-              <a:p>
-                <a:r>
-                  <a:rPr lang="en-AU">
-                    <a:noFill/>
-                  </a:rPr>
-                  <a:t> </a:t>
-                </a:r>
-              </a:p>
-            </p:txBody>
-          </p:sp>
-        </mc:Fallback>
-      </mc:AlternateContent>
-      <mc:AlternateContent xmlns:mc="http://schemas.openxmlformats.org/markup-compatibility/2006" xmlns:a14="http://schemas.microsoft.com/office/drawing/2010/main">
-        <mc:Choice Requires="a14">
-          <p:sp>
-            <p:nvSpPr>
-              <p:cNvPr id="3" name="Content Placeholder 2">
-                <a:extLst>
-                  <a:ext uri="{FF2B5EF4-FFF2-40B4-BE49-F238E27FC236}">
-                    <a16:creationId xmlns:a16="http://schemas.microsoft.com/office/drawing/2014/main" id="{B3EC1574-AF52-9F1E-D58F-B67D112DE722}"/>
-                  </a:ext>
-                </a:extLst>
-              </p:cNvPr>
-              <p:cNvSpPr>
-                <a:spLocks noGrp="1"/>
-              </p:cNvSpPr>
-              <p:nvPr>
-                <p:ph idx="1"/>
-              </p:nvPr>
-            </p:nvSpPr>
-            <p:spPr>
-              <a:xfrm>
-                <a:off x="448734" y="972486"/>
-                <a:ext cx="10905066" cy="4393982"/>
-              </a:xfrm>
-            </p:spPr>
-            <p:txBody>
-              <a:bodyPr>
-                <a:normAutofit/>
-              </a:bodyPr>
-              <a:lstStyle/>
-              <a:p>
-                <a:r>
-                  <a:rPr lang="en-AU" dirty="0"/>
-                  <a:t>Consider model where ALP couples to weak gauge bosons </a:t>
-                </a:r>
-                <a14:m>
-                  <m:oMath xmlns:m="http://schemas.openxmlformats.org/officeDocument/2006/math">
-                    <m:sSup>
-                      <m:sSupPr>
-                        <m:ctrlPr>
-                          <a:rPr lang="en-AU" b="0" i="1">
-                            <a:latin typeface="Cambria Math" panose="02040503050406030204" pitchFamily="18" charset="0"/>
-                          </a:rPr>
-                        </m:ctrlPr>
-                      </m:sSupPr>
-                      <m:e>
-                        <m:r>
-                          <a:rPr lang="en-AU" b="0" i="1">
-                            <a:latin typeface="Cambria Math" panose="02040503050406030204" pitchFamily="18" charset="0"/>
-                          </a:rPr>
-                          <m:t>𝑊</m:t>
-                        </m:r>
-                      </m:e>
-                      <m:sup>
-                        <m:r>
-                          <a:rPr lang="en-AU" b="0" i="1">
-                            <a:latin typeface="Cambria Math" panose="02040503050406030204" pitchFamily="18" charset="0"/>
-                          </a:rPr>
-                          <m:t>±</m:t>
-                        </m:r>
-                      </m:sup>
-                    </m:sSup>
-                  </m:oMath>
-                </a14:m>
-                <a:r>
-                  <a:rPr lang="en-AU" dirty="0"/>
-                  <a:t>, and gives rise to observable signatures (zero coupling with gluons)</a:t>
-                </a:r>
-              </a:p>
-              <a:p>
-                <a:pPr marL="0" indent="0">
-                  <a:buNone/>
-                </a:pPr>
-                <a:endParaRPr lang="en-AU" sz="2000" dirty="0"/>
-              </a:p>
-            </p:txBody>
-          </p:sp>
-        </mc:Choice>
-        <mc:Fallback xmlns="">
-          <p:sp>
-            <p:nvSpPr>
-              <p:cNvPr id="3" name="Content Placeholder 2">
-                <a:extLst>
-                  <a:ext uri="{FF2B5EF4-FFF2-40B4-BE49-F238E27FC236}">
-                    <a16:creationId xmlns:a16="http://schemas.microsoft.com/office/drawing/2014/main" id="{B3EC1574-AF52-9F1E-D58F-B67D112DE722}"/>
-                  </a:ext>
-                </a:extLst>
-              </p:cNvPr>
-              <p:cNvSpPr>
-                <a:spLocks noGrp="1" noRot="1" noChangeAspect="1" noMove="1" noResize="1" noEditPoints="1" noAdjustHandles="1" noChangeArrowheads="1" noChangeShapeType="1" noTextEdit="1"/>
-              </p:cNvSpPr>
-              <p:nvPr>
-                <p:ph idx="1"/>
-              </p:nvPr>
-            </p:nvSpPr>
-            <p:spPr>
-              <a:xfrm>
-                <a:off x="448734" y="972486"/>
-                <a:ext cx="10905066" cy="4393982"/>
-              </a:xfrm>
-              <a:blipFill>
-                <a:blip r:embed="rId4"/>
-                <a:stretch>
-                  <a:fillRect l="-1006" t="-2222"/>
-                </a:stretch>
-              </a:blipFill>
-            </p:spPr>
-            <p:txBody>
-              <a:bodyPr/>
-              <a:lstStyle/>
-              <a:p>
-                <a:r>
-                  <a:rPr lang="en-AU">
-                    <a:noFill/>
-                  </a:rPr>
-                  <a:t> </a:t>
-                </a:r>
-              </a:p>
-            </p:txBody>
-          </p:sp>
-        </mc:Fallback>
-      </mc:AlternateContent>
-      <mc:AlternateContent xmlns:mc="http://schemas.openxmlformats.org/markup-compatibility/2006" xmlns:a14="http://schemas.microsoft.com/office/drawing/2010/main">
-        <mc:Choice Requires="a14">
-          <p:sp>
-            <p:nvSpPr>
-              <p:cNvPr id="17" name="TextBox 16">
-                <a:extLst>
-                  <a:ext uri="{FF2B5EF4-FFF2-40B4-BE49-F238E27FC236}">
-                    <a16:creationId xmlns:a16="http://schemas.microsoft.com/office/drawing/2014/main" id="{76A1A975-FF42-AE3E-9E4A-A47468494B19}"/>
-                  </a:ext>
-                </a:extLst>
-              </p:cNvPr>
-              <p:cNvSpPr txBox="1"/>
-              <p:nvPr/>
-            </p:nvSpPr>
-            <p:spPr>
-              <a:xfrm>
-                <a:off x="286646" y="4897811"/>
-                <a:ext cx="11618708" cy="963597"/>
-              </a:xfrm>
-              <a:prstGeom prst="rect">
-                <a:avLst/>
-              </a:prstGeom>
-              <a:noFill/>
-            </p:spPr>
-            <p:txBody>
-              <a:bodyPr wrap="square" rtlCol="0">
-                <a:spAutoFit/>
-              </a:bodyPr>
-              <a:lstStyle/>
-              <a:p>
-                <a:pPr marL="457200" indent="-457200">
-                  <a:buFont typeface="Arial" panose="020B0604020202020204" pitchFamily="34" charset="0"/>
-                  <a:buChar char="•"/>
-                </a:pPr>
-                <a:r>
-                  <a:rPr lang="en-AU" sz="2800" dirty="0"/>
-                  <a:t>Flavour Changing Neutral Current (FCNC) process </a:t>
-                </a:r>
-                <a14:m>
-                  <m:oMath xmlns:m="http://schemas.openxmlformats.org/officeDocument/2006/math">
-                    <m:r>
-                      <a:rPr lang="en-AU" sz="2800" b="0" i="1" smtClean="0">
-                        <a:latin typeface="Cambria Math" panose="02040503050406030204" pitchFamily="18" charset="0"/>
-                      </a:rPr>
-                      <m:t>(</m:t>
-                    </m:r>
-                    <m:acc>
-                      <m:accPr>
-                        <m:chr m:val="̅"/>
-                        <m:ctrlPr>
-                          <a:rPr lang="en-AU" sz="2800" b="0" i="1" smtClean="0">
-                            <a:latin typeface="Cambria Math" panose="02040503050406030204" pitchFamily="18" charset="0"/>
-                          </a:rPr>
-                        </m:ctrlPr>
-                      </m:accPr>
-                      <m:e>
-                        <m:r>
-                          <a:rPr lang="en-AU" sz="2800" b="0" i="1" smtClean="0">
-                            <a:latin typeface="Cambria Math" panose="02040503050406030204" pitchFamily="18" charset="0"/>
-                          </a:rPr>
-                          <m:t>𝑏</m:t>
-                        </m:r>
-                      </m:e>
-                    </m:acc>
-                    <m:r>
-                      <a:rPr lang="en-AU" sz="2800" b="0" i="1" smtClean="0">
-                        <a:latin typeface="Cambria Math" panose="02040503050406030204" pitchFamily="18" charset="0"/>
-                      </a:rPr>
-                      <m:t>→</m:t>
-                    </m:r>
-                    <m:acc>
-                      <m:accPr>
-                        <m:chr m:val="̅"/>
-                        <m:ctrlPr>
-                          <a:rPr lang="en-AU" sz="2800" b="0" i="1" smtClean="0">
-                            <a:latin typeface="Cambria Math" panose="02040503050406030204" pitchFamily="18" charset="0"/>
-                          </a:rPr>
-                        </m:ctrlPr>
-                      </m:accPr>
-                      <m:e>
-                        <m:r>
-                          <a:rPr lang="en-AU" sz="2800" b="0" i="1" smtClean="0">
-                            <a:latin typeface="Cambria Math" panose="02040503050406030204" pitchFamily="18" charset="0"/>
-                          </a:rPr>
-                          <m:t>𝑠</m:t>
-                        </m:r>
-                      </m:e>
-                    </m:acc>
-                  </m:oMath>
-                </a14:m>
-                <a:r>
-                  <a:rPr lang="en-AU" sz="2800" dirty="0"/>
-                  <a:t> quark transition)</a:t>
-                </a:r>
-              </a:p>
-              <a:p>
-                <a:pPr marL="457200" indent="-457200">
-                  <a:buFont typeface="Arial" panose="020B0604020202020204" pitchFamily="34" charset="0"/>
-                  <a:buChar char="•"/>
-                </a:pPr>
-                <a:r>
-                  <a:rPr lang="en-AU" sz="2800" dirty="0"/>
-                  <a:t>Electroweak penguin decay that proceeds at one-loop level </a:t>
-                </a:r>
-              </a:p>
-            </p:txBody>
-          </p:sp>
-        </mc:Choice>
-        <mc:Fallback xmlns="">
-          <p:sp>
-            <p:nvSpPr>
-              <p:cNvPr id="17" name="TextBox 16">
-                <a:extLst>
-                  <a:ext uri="{FF2B5EF4-FFF2-40B4-BE49-F238E27FC236}">
-                    <a16:creationId xmlns:a16="http://schemas.microsoft.com/office/drawing/2014/main" id="{76A1A975-FF42-AE3E-9E4A-A47468494B19}"/>
-                  </a:ext>
-                </a:extLst>
-              </p:cNvPr>
-              <p:cNvSpPr txBox="1">
-                <a:spLocks noRot="1" noChangeAspect="1" noMove="1" noResize="1" noEditPoints="1" noAdjustHandles="1" noChangeArrowheads="1" noChangeShapeType="1" noTextEdit="1"/>
-              </p:cNvSpPr>
-              <p:nvPr/>
-            </p:nvSpPr>
-            <p:spPr>
-              <a:xfrm>
-                <a:off x="286646" y="4897811"/>
-                <a:ext cx="11618708" cy="963597"/>
-              </a:xfrm>
-              <a:prstGeom prst="rect">
-                <a:avLst/>
-              </a:prstGeom>
-              <a:blipFill>
-                <a:blip r:embed="rId5"/>
-                <a:stretch>
-                  <a:fillRect l="-944" t="-4403" b="-16352"/>
-                </a:stretch>
-              </a:blipFill>
-            </p:spPr>
-            <p:txBody>
-              <a:bodyPr/>
-              <a:lstStyle/>
-              <a:p>
-                <a:r>
-                  <a:rPr lang="en-AU">
-                    <a:noFill/>
-                  </a:rPr>
-                  <a:t> </a:t>
-                </a:r>
-              </a:p>
-            </p:txBody>
-          </p:sp>
-        </mc:Fallback>
-      </mc:AlternateContent>
-      <p:pic>
-        <p:nvPicPr>
-          <p:cNvPr id="7" name="Picture 6">
-            <a:extLst>
-              <a:ext uri="{FF2B5EF4-FFF2-40B4-BE49-F238E27FC236}">
-                <a16:creationId xmlns:a16="http://schemas.microsoft.com/office/drawing/2014/main" id="{165D755A-4860-6A6C-C06B-00C1E7BE6E2D}"/>
-              </a:ext>
-            </a:extLst>
-          </p:cNvPr>
-          <p:cNvPicPr>
-            <a:picLocks noChangeAspect="1"/>
-          </p:cNvPicPr>
-          <p:nvPr/>
-        </p:nvPicPr>
-        <p:blipFill>
-          <a:blip r:embed="rId6"/>
-          <a:stretch>
-            <a:fillRect/>
-          </a:stretch>
-        </p:blipFill>
-        <p:spPr>
-          <a:xfrm>
-            <a:off x="1907844" y="2127663"/>
-            <a:ext cx="7734707" cy="2602673"/>
-          </a:xfrm>
-          <a:prstGeom prst="rect">
-            <a:avLst/>
-          </a:prstGeom>
-          <a:ln>
-            <a:solidFill>
-              <a:schemeClr val="tx1"/>
-            </a:solidFill>
-          </a:ln>
-        </p:spPr>
-      </p:pic>
-      <p:sp>
-        <p:nvSpPr>
-          <p:cNvPr id="4" name="Slide Number Placeholder 3">
-            <a:extLst>
-              <a:ext uri="{FF2B5EF4-FFF2-40B4-BE49-F238E27FC236}">
-                <a16:creationId xmlns:a16="http://schemas.microsoft.com/office/drawing/2014/main" id="{920CDB25-E7FD-4E75-58B2-5FE662D65E8D}"/>
-              </a:ext>
-            </a:extLst>
-          </p:cNvPr>
-          <p:cNvSpPr>
-            <a:spLocks noGrp="1"/>
-          </p:cNvSpPr>
-          <p:nvPr>
-            <p:ph type="sldNum" sz="quarter" idx="12"/>
-          </p:nvPr>
-        </p:nvSpPr>
-        <p:spPr/>
-        <p:txBody>
-          <a:bodyPr/>
-          <a:lstStyle/>
-          <a:p>
-            <a:fld id="{175C9CBA-CF83-41C6-AEB4-7EFDF2719FAA}" type="slidenum">
-              <a:rPr lang="en-AU" smtClean="0"/>
-              <a:t>9</a:t>
-            </a:fld>
-            <a:endParaRPr lang="en-AU" dirty="0"/>
-          </a:p>
-        </p:txBody>
-      </p:sp>
-      <p:sp>
-        <p:nvSpPr>
-          <p:cNvPr id="9" name="TextBox 8">
-            <a:extLst>
-              <a:ext uri="{FF2B5EF4-FFF2-40B4-BE49-F238E27FC236}">
-                <a16:creationId xmlns:a16="http://schemas.microsoft.com/office/drawing/2014/main" id="{B3020A08-A847-F753-4A15-F45104C7E52F}"/>
-              </a:ext>
-            </a:extLst>
-          </p:cNvPr>
-          <p:cNvSpPr txBox="1"/>
-          <p:nvPr/>
-        </p:nvSpPr>
-        <p:spPr>
-          <a:xfrm>
-            <a:off x="448734" y="5958973"/>
-            <a:ext cx="10241280" cy="646331"/>
-          </a:xfrm>
-          <a:prstGeom prst="rect">
-            <a:avLst/>
-          </a:prstGeom>
-          <a:noFill/>
-        </p:spPr>
-        <p:txBody>
-          <a:bodyPr wrap="square">
-            <a:spAutoFit/>
-          </a:bodyPr>
-          <a:lstStyle/>
-          <a:p>
-            <a:r>
-              <a:rPr lang="en-AU" b="1" u="sng" dirty="0"/>
-              <a:t>(R) Image Source:</a:t>
-            </a:r>
-            <a:r>
-              <a:rPr lang="en-AU" b="1" dirty="0"/>
-              <a:t> </a:t>
-            </a:r>
-            <a:r>
-              <a:rPr lang="en-AU" dirty="0">
-                <a:hlinkClick r:id="rId7"/>
-              </a:rPr>
-              <a:t>https://cerncourier.com/a/chasing-new-physics-with-electroweak-penguins/</a:t>
-            </a:r>
-            <a:r>
-              <a:rPr lang="en-AU" dirty="0"/>
-              <a:t> </a:t>
-            </a:r>
-          </a:p>
-          <a:p>
-            <a:r>
-              <a:rPr lang="en-AU" b="1" u="sng" dirty="0"/>
-              <a:t>Source</a:t>
-            </a:r>
-            <a:r>
-              <a:rPr lang="en-AU" b="1" dirty="0"/>
-              <a:t>: </a:t>
-            </a:r>
-            <a:r>
-              <a:rPr lang="en-AU" sz="1800" dirty="0">
-                <a:hlinkClick r:id="rId8"/>
-              </a:rPr>
-              <a:t>https://arxiv.org/abs/1611.09355</a:t>
-            </a:r>
-            <a:r>
-              <a:rPr lang="en-AU" sz="1800" b="1" dirty="0"/>
-              <a:t> </a:t>
-            </a:r>
-            <a:endParaRPr lang="en-AU" b="1" dirty="0"/>
-          </a:p>
-        </p:txBody>
-      </p:sp>
-    </p:spTree>
-    <p:extLst>
-      <p:ext uri="{BB962C8B-B14F-4D97-AF65-F5344CB8AC3E}">
-        <p14:creationId xmlns:p14="http://schemas.microsoft.com/office/powerpoint/2010/main" val="2796773288"/>
       </p:ext>
     </p:extLst>
   </p:cSld>

--- a/LHCb/LHCb Meeting Literature Review Talk 6-12-2022.pptx
+++ b/LHCb/LHCb Meeting Literature Review Talk 6-12-2022.pptx
@@ -215,7 +215,7 @@
           <a:p>
             <a:fld id="{B50B3618-E65C-4C92-AA5E-9B70DC8F537B}" type="datetimeFigureOut">
               <a:rPr lang="en-AU" smtClean="0"/>
-              <a:t>16/01/2023</a:t>
+              <a:t>1/02/2023</a:t>
             </a:fld>
             <a:endParaRPr lang="en-AU"/>
           </a:p>
@@ -2963,7 +2963,7 @@
           <a:p>
             <a:fld id="{7F566F2C-482B-48A7-BAD4-BFEA4106DEB5}" type="datetimeFigureOut">
               <a:rPr lang="en-AU" smtClean="0"/>
-              <a:t>16/01/2023</a:t>
+              <a:t>1/02/2023</a:t>
             </a:fld>
             <a:endParaRPr lang="en-AU"/>
           </a:p>
@@ -3163,7 +3163,7 @@
           <a:p>
             <a:fld id="{7F566F2C-482B-48A7-BAD4-BFEA4106DEB5}" type="datetimeFigureOut">
               <a:rPr lang="en-AU" smtClean="0"/>
-              <a:t>16/01/2023</a:t>
+              <a:t>1/02/2023</a:t>
             </a:fld>
             <a:endParaRPr lang="en-AU"/>
           </a:p>
@@ -3373,7 +3373,7 @@
           <a:p>
             <a:fld id="{7F566F2C-482B-48A7-BAD4-BFEA4106DEB5}" type="datetimeFigureOut">
               <a:rPr lang="en-AU" smtClean="0"/>
-              <a:t>16/01/2023</a:t>
+              <a:t>1/02/2023</a:t>
             </a:fld>
             <a:endParaRPr lang="en-AU"/>
           </a:p>
@@ -3573,7 +3573,7 @@
           <a:p>
             <a:fld id="{7F566F2C-482B-48A7-BAD4-BFEA4106DEB5}" type="datetimeFigureOut">
               <a:rPr lang="en-AU" smtClean="0"/>
-              <a:t>16/01/2023</a:t>
+              <a:t>1/02/2023</a:t>
             </a:fld>
             <a:endParaRPr lang="en-AU"/>
           </a:p>
@@ -3849,7 +3849,7 @@
           <a:p>
             <a:fld id="{7F566F2C-482B-48A7-BAD4-BFEA4106DEB5}" type="datetimeFigureOut">
               <a:rPr lang="en-AU" smtClean="0"/>
-              <a:t>16/01/2023</a:t>
+              <a:t>1/02/2023</a:t>
             </a:fld>
             <a:endParaRPr lang="en-AU"/>
           </a:p>
@@ -4117,7 +4117,7 @@
           <a:p>
             <a:fld id="{7F566F2C-482B-48A7-BAD4-BFEA4106DEB5}" type="datetimeFigureOut">
               <a:rPr lang="en-AU" smtClean="0"/>
-              <a:t>16/01/2023</a:t>
+              <a:t>1/02/2023</a:t>
             </a:fld>
             <a:endParaRPr lang="en-AU"/>
           </a:p>
@@ -4532,7 +4532,7 @@
           <a:p>
             <a:fld id="{7F566F2C-482B-48A7-BAD4-BFEA4106DEB5}" type="datetimeFigureOut">
               <a:rPr lang="en-AU" smtClean="0"/>
-              <a:t>16/01/2023</a:t>
+              <a:t>1/02/2023</a:t>
             </a:fld>
             <a:endParaRPr lang="en-AU"/>
           </a:p>
@@ -4674,7 +4674,7 @@
           <a:p>
             <a:fld id="{7F566F2C-482B-48A7-BAD4-BFEA4106DEB5}" type="datetimeFigureOut">
               <a:rPr lang="en-AU" smtClean="0"/>
-              <a:t>16/01/2023</a:t>
+              <a:t>1/02/2023</a:t>
             </a:fld>
             <a:endParaRPr lang="en-AU"/>
           </a:p>
@@ -4787,7 +4787,7 @@
           <a:p>
             <a:fld id="{7F566F2C-482B-48A7-BAD4-BFEA4106DEB5}" type="datetimeFigureOut">
               <a:rPr lang="en-AU" smtClean="0"/>
-              <a:t>16/01/2023</a:t>
+              <a:t>1/02/2023</a:t>
             </a:fld>
             <a:endParaRPr lang="en-AU"/>
           </a:p>
@@ -5100,7 +5100,7 @@
           <a:p>
             <a:fld id="{7F566F2C-482B-48A7-BAD4-BFEA4106DEB5}" type="datetimeFigureOut">
               <a:rPr lang="en-AU" smtClean="0"/>
-              <a:t>16/01/2023</a:t>
+              <a:t>1/02/2023</a:t>
             </a:fld>
             <a:endParaRPr lang="en-AU"/>
           </a:p>
@@ -5389,7 +5389,7 @@
           <a:p>
             <a:fld id="{7F566F2C-482B-48A7-BAD4-BFEA4106DEB5}" type="datetimeFigureOut">
               <a:rPr lang="en-AU" smtClean="0"/>
-              <a:t>16/01/2023</a:t>
+              <a:t>1/02/2023</a:t>
             </a:fld>
             <a:endParaRPr lang="en-AU"/>
           </a:p>
@@ -5632,7 +5632,7 @@
           <a:p>
             <a:fld id="{7F566F2C-482B-48A7-BAD4-BFEA4106DEB5}" type="datetimeFigureOut">
               <a:rPr lang="en-AU" smtClean="0"/>
-              <a:t>16/01/2023</a:t>
+              <a:t>1/02/2023</a:t>
             </a:fld>
             <a:endParaRPr lang="en-AU"/>
           </a:p>
@@ -9277,8 +9277,8 @@
         </p:blipFill>
         <p:spPr>
           <a:xfrm>
-            <a:off x="6096000" y="2545674"/>
-            <a:ext cx="5875052" cy="2911240"/>
+            <a:off x="5940583" y="2575956"/>
+            <a:ext cx="6030469" cy="2988253"/>
           </a:xfrm>
           <a:prstGeom prst="rect">
             <a:avLst/>

--- a/LHCb/LHCb Meeting Literature Review Talk 6-12-2022.pptx
+++ b/LHCb/LHCb Meeting Literature Review Talk 6-12-2022.pptx
@@ -215,7 +215,7 @@
           <a:p>
             <a:fld id="{B50B3618-E65C-4C92-AA5E-9B70DC8F537B}" type="datetimeFigureOut">
               <a:rPr lang="en-AU" smtClean="0"/>
-              <a:t>1/02/2023</a:t>
+              <a:t>31/03/2023</a:t>
             </a:fld>
             <a:endParaRPr lang="en-AU"/>
           </a:p>
@@ -2963,7 +2963,7 @@
           <a:p>
             <a:fld id="{7F566F2C-482B-48A7-BAD4-BFEA4106DEB5}" type="datetimeFigureOut">
               <a:rPr lang="en-AU" smtClean="0"/>
-              <a:t>1/02/2023</a:t>
+              <a:t>31/03/2023</a:t>
             </a:fld>
             <a:endParaRPr lang="en-AU"/>
           </a:p>
@@ -3163,7 +3163,7 @@
           <a:p>
             <a:fld id="{7F566F2C-482B-48A7-BAD4-BFEA4106DEB5}" type="datetimeFigureOut">
               <a:rPr lang="en-AU" smtClean="0"/>
-              <a:t>1/02/2023</a:t>
+              <a:t>31/03/2023</a:t>
             </a:fld>
             <a:endParaRPr lang="en-AU"/>
           </a:p>
@@ -3373,7 +3373,7 @@
           <a:p>
             <a:fld id="{7F566F2C-482B-48A7-BAD4-BFEA4106DEB5}" type="datetimeFigureOut">
               <a:rPr lang="en-AU" smtClean="0"/>
-              <a:t>1/02/2023</a:t>
+              <a:t>31/03/2023</a:t>
             </a:fld>
             <a:endParaRPr lang="en-AU"/>
           </a:p>
@@ -3573,7 +3573,7 @@
           <a:p>
             <a:fld id="{7F566F2C-482B-48A7-BAD4-BFEA4106DEB5}" type="datetimeFigureOut">
               <a:rPr lang="en-AU" smtClean="0"/>
-              <a:t>1/02/2023</a:t>
+              <a:t>31/03/2023</a:t>
             </a:fld>
             <a:endParaRPr lang="en-AU"/>
           </a:p>
@@ -3849,7 +3849,7 @@
           <a:p>
             <a:fld id="{7F566F2C-482B-48A7-BAD4-BFEA4106DEB5}" type="datetimeFigureOut">
               <a:rPr lang="en-AU" smtClean="0"/>
-              <a:t>1/02/2023</a:t>
+              <a:t>31/03/2023</a:t>
             </a:fld>
             <a:endParaRPr lang="en-AU"/>
           </a:p>
@@ -4117,7 +4117,7 @@
           <a:p>
             <a:fld id="{7F566F2C-482B-48A7-BAD4-BFEA4106DEB5}" type="datetimeFigureOut">
               <a:rPr lang="en-AU" smtClean="0"/>
-              <a:t>1/02/2023</a:t>
+              <a:t>31/03/2023</a:t>
             </a:fld>
             <a:endParaRPr lang="en-AU"/>
           </a:p>
@@ -4532,7 +4532,7 @@
           <a:p>
             <a:fld id="{7F566F2C-482B-48A7-BAD4-BFEA4106DEB5}" type="datetimeFigureOut">
               <a:rPr lang="en-AU" smtClean="0"/>
-              <a:t>1/02/2023</a:t>
+              <a:t>31/03/2023</a:t>
             </a:fld>
             <a:endParaRPr lang="en-AU"/>
           </a:p>
@@ -4674,7 +4674,7 @@
           <a:p>
             <a:fld id="{7F566F2C-482B-48A7-BAD4-BFEA4106DEB5}" type="datetimeFigureOut">
               <a:rPr lang="en-AU" smtClean="0"/>
-              <a:t>1/02/2023</a:t>
+              <a:t>31/03/2023</a:t>
             </a:fld>
             <a:endParaRPr lang="en-AU"/>
           </a:p>
@@ -4787,7 +4787,7 @@
           <a:p>
             <a:fld id="{7F566F2C-482B-48A7-BAD4-BFEA4106DEB5}" type="datetimeFigureOut">
               <a:rPr lang="en-AU" smtClean="0"/>
-              <a:t>1/02/2023</a:t>
+              <a:t>31/03/2023</a:t>
             </a:fld>
             <a:endParaRPr lang="en-AU"/>
           </a:p>
@@ -5100,7 +5100,7 @@
           <a:p>
             <a:fld id="{7F566F2C-482B-48A7-BAD4-BFEA4106DEB5}" type="datetimeFigureOut">
               <a:rPr lang="en-AU" smtClean="0"/>
-              <a:t>1/02/2023</a:t>
+              <a:t>31/03/2023</a:t>
             </a:fld>
             <a:endParaRPr lang="en-AU"/>
           </a:p>
@@ -5389,7 +5389,7 @@
           <a:p>
             <a:fld id="{7F566F2C-482B-48A7-BAD4-BFEA4106DEB5}" type="datetimeFigureOut">
               <a:rPr lang="en-AU" smtClean="0"/>
-              <a:t>1/02/2023</a:t>
+              <a:t>31/03/2023</a:t>
             </a:fld>
             <a:endParaRPr lang="en-AU"/>
           </a:p>
@@ -5632,7 +5632,7 @@
           <a:p>
             <a:fld id="{7F566F2C-482B-48A7-BAD4-BFEA4106DEB5}" type="datetimeFigureOut">
               <a:rPr lang="en-AU" smtClean="0"/>
-              <a:t>1/02/2023</a:t>
+              <a:t>31/03/2023</a:t>
             </a:fld>
             <a:endParaRPr lang="en-AU"/>
           </a:p>
@@ -9247,7 +9247,7 @@
         </p:blipFill>
         <p:spPr>
           <a:xfrm>
-            <a:off x="220948" y="2613637"/>
+            <a:off x="220948" y="2614461"/>
             <a:ext cx="5971428" cy="2911241"/>
           </a:xfrm>
           <a:prstGeom prst="rect">
